--- a/135/projects/project3/project3_HareTortoiseCompetition.pptx
+++ b/135/projects/project3/project3_HareTortoiseCompetition.pptx
@@ -13,21 +13,24 @@
     <p:sldId id="268" r:id="rId7"/>
     <p:sldId id="265" r:id="rId8"/>
     <p:sldId id="266" r:id="rId9"/>
-    <p:sldId id="277" r:id="rId10"/>
-    <p:sldId id="267" r:id="rId11"/>
-    <p:sldId id="269" r:id="rId12"/>
-    <p:sldId id="282" r:id="rId13"/>
-    <p:sldId id="270" r:id="rId14"/>
-    <p:sldId id="280" r:id="rId15"/>
-    <p:sldId id="271" r:id="rId16"/>
-    <p:sldId id="273" r:id="rId17"/>
-    <p:sldId id="274" r:id="rId18"/>
-    <p:sldId id="275" r:id="rId19"/>
-    <p:sldId id="276" r:id="rId20"/>
-    <p:sldId id="284" r:id="rId21"/>
-    <p:sldId id="285" r:id="rId22"/>
-    <p:sldId id="286" r:id="rId23"/>
-    <p:sldId id="283" r:id="rId24"/>
+    <p:sldId id="287" r:id="rId10"/>
+    <p:sldId id="277" r:id="rId11"/>
+    <p:sldId id="267" r:id="rId12"/>
+    <p:sldId id="289" r:id="rId13"/>
+    <p:sldId id="269" r:id="rId14"/>
+    <p:sldId id="282" r:id="rId15"/>
+    <p:sldId id="270" r:id="rId16"/>
+    <p:sldId id="288" r:id="rId17"/>
+    <p:sldId id="280" r:id="rId18"/>
+    <p:sldId id="271" r:id="rId19"/>
+    <p:sldId id="273" r:id="rId20"/>
+    <p:sldId id="274" r:id="rId21"/>
+    <p:sldId id="275" r:id="rId22"/>
+    <p:sldId id="276" r:id="rId23"/>
+    <p:sldId id="284" r:id="rId24"/>
+    <p:sldId id="285" r:id="rId25"/>
+    <p:sldId id="286" r:id="rId26"/>
+    <p:sldId id="283" r:id="rId27"/>
   </p:sldIdLst>
   <p:sldSz cx="9144000" cy="6858000" type="screen4x3"/>
   <p:notesSz cx="6858000" cy="9144000"/>
@@ -324,7 +327,7 @@
           <a:p>
             <a:fld id="{4F09AFFE-0D94-4082-85FD-CD67B60CD492}" type="datetimeFigureOut">
               <a:rPr lang="en-US" smtClean="0"/>
-              <a:t>8/23/20</a:t>
+              <a:t>11/10/20</a:t>
             </a:fld>
             <a:endParaRPr lang="en-US"/>
           </a:p>
@@ -492,7 +495,7 @@
           <a:p>
             <a:fld id="{4F09AFFE-0D94-4082-85FD-CD67B60CD492}" type="datetimeFigureOut">
               <a:rPr lang="en-US" smtClean="0"/>
-              <a:t>8/23/20</a:t>
+              <a:t>11/10/20</a:t>
             </a:fld>
             <a:endParaRPr lang="en-US"/>
           </a:p>
@@ -670,7 +673,7 @@
           <a:p>
             <a:fld id="{4F09AFFE-0D94-4082-85FD-CD67B60CD492}" type="datetimeFigureOut">
               <a:rPr lang="en-US" smtClean="0"/>
-              <a:t>8/23/20</a:t>
+              <a:t>11/10/20</a:t>
             </a:fld>
             <a:endParaRPr lang="en-US"/>
           </a:p>
@@ -838,7 +841,7 @@
           <a:p>
             <a:fld id="{4F09AFFE-0D94-4082-85FD-CD67B60CD492}" type="datetimeFigureOut">
               <a:rPr lang="en-US" smtClean="0"/>
-              <a:t>8/23/20</a:t>
+              <a:t>11/10/20</a:t>
             </a:fld>
             <a:endParaRPr lang="en-US"/>
           </a:p>
@@ -1083,7 +1086,7 @@
           <a:p>
             <a:fld id="{4F09AFFE-0D94-4082-85FD-CD67B60CD492}" type="datetimeFigureOut">
               <a:rPr lang="en-US" smtClean="0"/>
-              <a:t>8/23/20</a:t>
+              <a:t>11/10/20</a:t>
             </a:fld>
             <a:endParaRPr lang="en-US"/>
           </a:p>
@@ -1368,7 +1371,7 @@
           <a:p>
             <a:fld id="{4F09AFFE-0D94-4082-85FD-CD67B60CD492}" type="datetimeFigureOut">
               <a:rPr lang="en-US" smtClean="0"/>
-              <a:t>8/23/20</a:t>
+              <a:t>11/10/20</a:t>
             </a:fld>
             <a:endParaRPr lang="en-US"/>
           </a:p>
@@ -1787,7 +1790,7 @@
           <a:p>
             <a:fld id="{4F09AFFE-0D94-4082-85FD-CD67B60CD492}" type="datetimeFigureOut">
               <a:rPr lang="en-US" smtClean="0"/>
-              <a:t>8/23/20</a:t>
+              <a:t>11/10/20</a:t>
             </a:fld>
             <a:endParaRPr lang="en-US"/>
           </a:p>
@@ -1904,7 +1907,7 @@
           <a:p>
             <a:fld id="{4F09AFFE-0D94-4082-85FD-CD67B60CD492}" type="datetimeFigureOut">
               <a:rPr lang="en-US" smtClean="0"/>
-              <a:t>8/23/20</a:t>
+              <a:t>11/10/20</a:t>
             </a:fld>
             <a:endParaRPr lang="en-US"/>
           </a:p>
@@ -1999,7 +2002,7 @@
           <a:p>
             <a:fld id="{4F09AFFE-0D94-4082-85FD-CD67B60CD492}" type="datetimeFigureOut">
               <a:rPr lang="en-US" smtClean="0"/>
-              <a:t>8/23/20</a:t>
+              <a:t>11/10/20</a:t>
             </a:fld>
             <a:endParaRPr lang="en-US"/>
           </a:p>
@@ -2274,7 +2277,7 @@
           <a:p>
             <a:fld id="{4F09AFFE-0D94-4082-85FD-CD67B60CD492}" type="datetimeFigureOut">
               <a:rPr lang="en-US" smtClean="0"/>
-              <a:t>8/23/20</a:t>
+              <a:t>11/10/20</a:t>
             </a:fld>
             <a:endParaRPr lang="en-US"/>
           </a:p>
@@ -2526,7 +2529,7 @@
           <a:p>
             <a:fld id="{4F09AFFE-0D94-4082-85FD-CD67B60CD492}" type="datetimeFigureOut">
               <a:rPr lang="en-US" smtClean="0"/>
-              <a:t>8/23/20</a:t>
+              <a:t>11/10/20</a:t>
             </a:fld>
             <a:endParaRPr lang="en-US"/>
           </a:p>
@@ -2737,7 +2740,7 @@
           <a:p>
             <a:fld id="{4F09AFFE-0D94-4082-85FD-CD67B60CD492}" type="datetimeFigureOut">
               <a:rPr lang="en-US" smtClean="0"/>
-              <a:t>8/23/20</a:t>
+              <a:t>11/10/20</a:t>
             </a:fld>
             <a:endParaRPr lang="en-US"/>
           </a:p>
@@ -3129,7 +3132,7 @@
           <a:p>
             <a:r>
               <a:rPr lang="en-US" dirty="0"/>
-              <a:t>Project 1: Hare and Tortoise Competition</a:t>
+              <a:t>Project: Hare and Tortoise Competition</a:t>
             </a:r>
           </a:p>
         </p:txBody>
@@ -3202,14 +3205,19 @@
             <p:ph type="title"/>
           </p:nvPr>
         </p:nvSpPr>
-        <p:spPr/>
+        <p:spPr>
+          <a:xfrm>
+            <a:off x="533400" y="381000"/>
+            <a:ext cx="8229600" cy="1143000"/>
+          </a:xfrm>
+        </p:spPr>
         <p:txBody>
           <a:bodyPr/>
           <a:lstStyle/>
           <a:p>
             <a:r>
               <a:rPr lang="en-US" dirty="0"/>
-              <a:t>Class Tortoise (cont.)</a:t>
+              <a:t>Class Tortoise: III</a:t>
             </a:r>
           </a:p>
         </p:txBody>
@@ -3240,204 +3248,151 @@
               <a:buNone/>
             </a:pPr>
             <a:r>
+              <a:rPr lang="en-US" sz="2800" dirty="0">
+                <a:solidFill>
+                  <a:srgbClr val="3366FF"/>
+                </a:solidFill>
+              </a:rPr>
+              <a:t>//Move the tortoise by generating a random number </a:t>
+            </a:r>
+          </a:p>
+          <a:p>
+            <a:pPr marL="0" indent="0">
+              <a:buNone/>
+            </a:pPr>
+            <a:r>
+              <a:rPr lang="en-US" sz="2800" dirty="0">
+                <a:solidFill>
+                  <a:srgbClr val="3366FF"/>
+                </a:solidFill>
+              </a:rPr>
+              <a:t>//in </a:t>
+            </a:r>
+            <a:r>
+              <a:rPr lang="en-US" sz="2800" dirty="0">
+                <a:solidFill>
+                  <a:srgbClr val="3366FF"/>
+                </a:solidFill>
+                <a:highlight>
+                  <a:srgbClr val="FFFF00"/>
+                </a:highlight>
+              </a:rPr>
+              <a:t>[0, size of array pattern)</a:t>
+            </a:r>
+            <a:r>
+              <a:rPr lang="en-US" sz="2800" dirty="0">
+                <a:solidFill>
+                  <a:srgbClr val="3366FF"/>
+                </a:solidFill>
+              </a:rPr>
+              <a:t>, </a:t>
+            </a:r>
+          </a:p>
+          <a:p>
+            <a:pPr marL="0" indent="0">
+              <a:buNone/>
+            </a:pPr>
+            <a:r>
+              <a:rPr lang="en-US" sz="2800" dirty="0">
+                <a:solidFill>
+                  <a:srgbClr val="3366FF"/>
+                </a:solidFill>
+              </a:rPr>
+              <a:t>//then move the animal according to its move pattern. </a:t>
+            </a:r>
+          </a:p>
+          <a:p>
+            <a:pPr marL="0" indent="0">
+              <a:buNone/>
+            </a:pPr>
+            <a:r>
+              <a:rPr lang="en-US" sz="2800" dirty="0">
+                <a:solidFill>
+                  <a:srgbClr val="3366FF"/>
+                </a:solidFill>
+              </a:rPr>
+              <a:t>//The position will be further validated once the animal //participates in a competition and knows road length.</a:t>
+            </a:r>
+          </a:p>
+          <a:p>
+            <a:pPr marL="0" indent="0">
+              <a:buNone/>
+            </a:pPr>
+            <a:r>
+              <a:rPr lang="en-US" sz="2800" dirty="0">
+                <a:solidFill>
+                  <a:srgbClr val="3366FF"/>
+                </a:solidFill>
+              </a:rPr>
+              <a:t>//Competitor call fall of roads (suppose we have pads </a:t>
+            </a:r>
+          </a:p>
+          <a:p>
+            <a:pPr marL="0" indent="0">
+              <a:buNone/>
+            </a:pPr>
+            <a:r>
+              <a:rPr lang="en-US" sz="2800" dirty="0">
+                <a:solidFill>
+                  <a:srgbClr val="3366FF"/>
+                </a:solidFill>
+              </a:rPr>
+              <a:t>//at both ends of the road.</a:t>
+            </a:r>
+          </a:p>
+          <a:p>
+            <a:pPr marL="0" indent="0">
+              <a:buNone/>
+            </a:pPr>
+            <a:r>
+              <a:rPr lang="en-US" sz="2800" dirty="0">
+                <a:latin typeface="Calibri" panose="020F0502020204030204" pitchFamily="34" charset="0"/>
+                <a:cs typeface="Calibri" panose="020F0502020204030204" pitchFamily="34" charset="0"/>
+              </a:rPr>
+              <a:t>void Tortoise::move()  {</a:t>
+            </a:r>
+          </a:p>
+          <a:p>
+            <a:pPr marL="0" indent="0">
+              <a:buNone/>
+            </a:pPr>
+            <a:r>
+              <a:rPr lang="en-US" sz="2800" dirty="0">
+                <a:latin typeface="Calibri" panose="020F0502020204030204" pitchFamily="34" charset="0"/>
+                <a:cs typeface="Calibri" panose="020F0502020204030204" pitchFamily="34" charset="0"/>
+              </a:rPr>
+              <a:t>        </a:t>
+            </a:r>
+            <a:r>
+              <a:rPr lang="en-US" sz="2800" dirty="0">
+                <a:solidFill>
+                  <a:srgbClr val="FF0000"/>
+                </a:solidFill>
+                <a:latin typeface="Calibri" panose="020F0502020204030204" pitchFamily="34" charset="0"/>
+                <a:cs typeface="Calibri" panose="020F0502020204030204" pitchFamily="34" charset="0"/>
+              </a:rPr>
+              <a:t>//Your code goes here.</a:t>
+            </a:r>
+          </a:p>
+          <a:p>
+            <a:pPr marL="0" indent="0">
+              <a:buNone/>
+            </a:pPr>
+            <a:r>
+              <a:rPr lang="en-US" sz="2800" dirty="0">
+                <a:latin typeface="Calibri" panose="020F0502020204030204" pitchFamily="34" charset="0"/>
+                <a:cs typeface="Calibri" panose="020F0502020204030204" pitchFamily="34" charset="0"/>
+              </a:rPr>
+              <a:t>}</a:t>
+            </a:r>
+          </a:p>
+          <a:p>
+            <a:pPr marL="0" indent="0">
+              <a:buNone/>
+            </a:pPr>
+            <a:r>
               <a:rPr lang="en-US" sz="1500" dirty="0"/>
-              <a:t>     </a:t>
-            </a:r>
-            <a:r>
-              <a:rPr lang="en-US" sz="2100" dirty="0">
-                <a:solidFill>
-                  <a:srgbClr val="CC00FF"/>
-                </a:solidFill>
-              </a:rPr>
-              <a:t>public</a:t>
-            </a:r>
-            <a:r>
-              <a:rPr lang="en-US" sz="2100" dirty="0"/>
-              <a:t> </a:t>
-            </a:r>
-            <a:r>
-              <a:rPr lang="en-US" sz="2100" dirty="0" err="1"/>
-              <a:t>int</a:t>
-            </a:r>
-            <a:r>
-              <a:rPr lang="en-US" sz="2100" dirty="0"/>
-              <a:t> </a:t>
-            </a:r>
-            <a:r>
-              <a:rPr lang="en-US" sz="2100" dirty="0" err="1"/>
-              <a:t>getPosition</a:t>
-            </a:r>
-            <a:r>
-              <a:rPr lang="en-US" sz="2100" dirty="0"/>
-              <a:t>()  {</a:t>
-            </a:r>
-          </a:p>
-          <a:p>
-            <a:pPr marL="0" indent="0">
-              <a:buNone/>
-            </a:pPr>
-            <a:r>
-              <a:rPr lang="en-US" sz="2100" dirty="0"/>
-              <a:t>             </a:t>
-            </a:r>
-            <a:r>
-              <a:rPr lang="en-US" sz="2100" dirty="0">
-                <a:solidFill>
-                  <a:srgbClr val="FF0000"/>
-                </a:solidFill>
-              </a:rPr>
-              <a:t>//Your code goes here.</a:t>
-            </a:r>
-          </a:p>
-          <a:p>
-            <a:pPr marL="0" indent="0">
-              <a:buNone/>
-            </a:pPr>
-            <a:r>
-              <a:rPr lang="en-US" sz="2100" dirty="0"/>
-              <a:t>      }</a:t>
-            </a:r>
-          </a:p>
-          <a:p>
-            <a:pPr marL="0" indent="0">
-              <a:buNone/>
-            </a:pPr>
-            <a:endParaRPr lang="en-US" sz="2100" dirty="0"/>
-          </a:p>
-          <a:p>
-            <a:pPr marL="0" indent="0">
-              <a:buNone/>
-            </a:pPr>
-            <a:r>
-              <a:rPr lang="en-US" sz="2100" dirty="0"/>
               <a:t>      </a:t>
-            </a:r>
-            <a:r>
-              <a:rPr lang="en-US" sz="2100" dirty="0">
-                <a:solidFill>
-                  <a:srgbClr val="00B050"/>
-                </a:solidFill>
-              </a:rPr>
-              <a:t>//The position generated by move() might be out of boundary </a:t>
-            </a:r>
-          </a:p>
-          <a:p>
-            <a:pPr marL="0" indent="0">
-              <a:buNone/>
-            </a:pPr>
-            <a:r>
-              <a:rPr lang="en-US" sz="2100" dirty="0">
-                <a:solidFill>
-                  <a:srgbClr val="00B050"/>
-                </a:solidFill>
-              </a:rPr>
-              <a:t>      //of the road (slip pass the leftmost square or </a:t>
-            </a:r>
-          </a:p>
-          <a:p>
-            <a:pPr marL="0" indent="0">
-              <a:buNone/>
-            </a:pPr>
-            <a:r>
-              <a:rPr lang="en-US" sz="2100" dirty="0">
-                <a:solidFill>
-                  <a:srgbClr val="00B050"/>
-                </a:solidFill>
-              </a:rPr>
-              <a:t>      //slop past the rightmost square of the road),</a:t>
-            </a:r>
-          </a:p>
-          <a:p>
-            <a:pPr marL="0" indent="0">
-              <a:buNone/>
-            </a:pPr>
-            <a:r>
-              <a:rPr lang="en-US" sz="2100" dirty="0">
-                <a:solidFill>
-                  <a:srgbClr val="00B050"/>
-                </a:solidFill>
-              </a:rPr>
-              <a:t>      //reset the position to an appropriate number.</a:t>
-            </a:r>
-          </a:p>
-          <a:p>
-            <a:pPr marL="0" indent="0">
-              <a:buNone/>
-            </a:pPr>
-            <a:r>
-              <a:rPr lang="en-US" sz="2100" dirty="0"/>
-              <a:t>      </a:t>
-            </a:r>
-            <a:r>
-              <a:rPr lang="en-US" sz="2100" dirty="0">
-                <a:solidFill>
-                  <a:srgbClr val="CC00FF"/>
-                </a:solidFill>
-              </a:rPr>
-              <a:t>public</a:t>
-            </a:r>
-            <a:r>
-              <a:rPr lang="en-US" sz="2100" dirty="0"/>
-              <a:t> void </a:t>
-            </a:r>
-            <a:r>
-              <a:rPr lang="en-US" sz="2100" dirty="0" err="1"/>
-              <a:t>setPosition</a:t>
-            </a:r>
-            <a:r>
-              <a:rPr lang="en-US" sz="2100" dirty="0"/>
-              <a:t>(</a:t>
-            </a:r>
-            <a:r>
-              <a:rPr lang="en-US" sz="2100" dirty="0" err="1"/>
-              <a:t>int</a:t>
-            </a:r>
-            <a:r>
-              <a:rPr lang="en-US" sz="2100" dirty="0"/>
-              <a:t> </a:t>
-            </a:r>
-            <a:r>
-              <a:rPr lang="en-US" sz="2100" dirty="0" err="1"/>
-              <a:t>newPosition</a:t>
-            </a:r>
-            <a:r>
-              <a:rPr lang="en-US" sz="2100" dirty="0"/>
-              <a:t>) {</a:t>
-            </a:r>
-          </a:p>
-          <a:p>
-            <a:pPr marL="0" indent="0">
-              <a:buNone/>
-            </a:pPr>
-            <a:r>
-              <a:rPr lang="en-US" sz="2100" dirty="0"/>
-              <a:t>              </a:t>
-            </a:r>
-            <a:r>
-              <a:rPr lang="en-US" sz="2100" dirty="0">
-                <a:solidFill>
-                  <a:srgbClr val="FF0000"/>
-                </a:solidFill>
-              </a:rPr>
-              <a:t>//Your code goes here.</a:t>
-            </a:r>
-          </a:p>
-          <a:p>
-            <a:pPr marL="0" indent="0">
-              <a:buNone/>
-            </a:pPr>
-            <a:r>
-              <a:rPr lang="en-US" sz="2100" dirty="0"/>
-              <a:t>      }</a:t>
-            </a:r>
-          </a:p>
-          <a:p>
-            <a:pPr marL="0" indent="0">
-              <a:buNone/>
-            </a:pPr>
-            <a:r>
-              <a:rPr lang="en-US" sz="2100" dirty="0"/>
-              <a:t>}</a:t>
             </a:r>
           </a:p>
         </p:txBody>
@@ -3450,8 +3405,8 @@
         </p:nvSpPr>
         <p:spPr>
           <a:xfrm>
-            <a:off x="4114800" y="4709254"/>
-            <a:ext cx="4343400" cy="1447801"/>
+            <a:off x="4648200" y="5081486"/>
+            <a:ext cx="3810000" cy="990600"/>
           </a:xfrm>
           <a:prstGeom prst="roundRect">
             <a:avLst/>
@@ -3477,21 +3432,19 @@
           <a:bodyPr rtlCol="0" anchor="ctr"/>
           <a:lstStyle/>
           <a:p>
+            <a:r>
+              <a:rPr lang="en-US" dirty="0"/>
+              <a:t>Hints: </a:t>
+            </a:r>
+          </a:p>
+          <a:p>
             <a:pPr marL="285750" indent="-285750">
               <a:buFont typeface="Arial" charset="0"/>
               <a:buChar char="•"/>
             </a:pPr>
             <a:r>
               <a:rPr lang="en-US" dirty="0"/>
-              <a:t>No need to override equals and </a:t>
-            </a:r>
-            <a:r>
-              <a:rPr lang="en-US" dirty="0" err="1"/>
-              <a:t>toString</a:t>
-            </a:r>
-            <a:r>
-              <a:rPr lang="en-US" dirty="0"/>
-              <a:t> method for this class.</a:t>
+              <a:t>No need to use if-else statement. </a:t>
             </a:r>
           </a:p>
           <a:p>
@@ -3501,7 +3454,7 @@
             </a:pPr>
             <a:r>
               <a:rPr lang="en-US" dirty="0"/>
-              <a:t>Also, we do not need to retrieve or modify move pattern. So no getter and setter for pattern data member.</a:t>
+              <a:t>Use index of array instead.</a:t>
             </a:r>
           </a:p>
         </p:txBody>
@@ -3509,7 +3462,7 @@
     </p:spTree>
     <p:extLst>
       <p:ext uri="{BB962C8B-B14F-4D97-AF65-F5344CB8AC3E}">
-        <p14:creationId xmlns:p14="http://schemas.microsoft.com/office/powerpoint/2010/main" val="3184585254"/>
+        <p14:creationId xmlns:p14="http://schemas.microsoft.com/office/powerpoint/2010/main" val="3006548673"/>
       </p:ext>
     </p:extLst>
   </p:cSld>
@@ -3553,7 +3506,7 @@
           <a:p>
             <a:r>
               <a:rPr lang="en-US" dirty="0"/>
-              <a:t>Class Hare</a:t>
+              <a:t>Class Tortoise: IV</a:t>
             </a:r>
           </a:p>
         </p:txBody>
@@ -3568,22 +3521,188 @@
             <p:ph idx="1"/>
           </p:nvPr>
         </p:nvSpPr>
-        <p:spPr/>
-        <p:txBody>
-          <a:bodyPr/>
+        <p:spPr>
+          <a:xfrm>
+            <a:off x="457200" y="1219200"/>
+            <a:ext cx="8458200" cy="4906963"/>
+          </a:xfrm>
+        </p:spPr>
+        <p:txBody>
+          <a:bodyPr>
+            <a:noAutofit/>
+          </a:bodyPr>
           <a:lstStyle/>
           <a:p>
-            <a:r>
-              <a:rPr lang="en-US" dirty="0"/>
-              <a:t>Design Hare class similarly.</a:t>
-            </a:r>
+            <a:pPr marL="0" indent="0">
+              <a:buNone/>
+            </a:pPr>
+            <a:r>
+              <a:rPr lang="en-US" sz="2800" dirty="0">
+                <a:solidFill>
+                  <a:srgbClr val="CC00FF"/>
+                </a:solidFill>
+              </a:rPr>
+              <a:t>int</a:t>
+            </a:r>
+            <a:r>
+              <a:rPr lang="en-US" sz="2800" dirty="0"/>
+              <a:t> Tortoise::</a:t>
+            </a:r>
+            <a:r>
+              <a:rPr lang="en-US" sz="2800" dirty="0" err="1"/>
+              <a:t>getPosition</a:t>
+            </a:r>
+            <a:r>
+              <a:rPr lang="en-US" sz="2800" dirty="0"/>
+              <a:t>() </a:t>
+            </a:r>
+            <a:r>
+              <a:rPr lang="en-US" sz="2800" dirty="0">
+                <a:solidFill>
+                  <a:srgbClr val="CC00FF"/>
+                </a:solidFill>
+              </a:rPr>
+              <a:t>const</a:t>
+            </a:r>
+            <a:r>
+              <a:rPr lang="en-US" sz="2800" dirty="0"/>
+              <a:t>  {</a:t>
+            </a:r>
+          </a:p>
+          <a:p>
+            <a:pPr marL="0" indent="0">
+              <a:buNone/>
+            </a:pPr>
+            <a:r>
+              <a:rPr lang="en-US" sz="2800" dirty="0"/>
+              <a:t>       </a:t>
+            </a:r>
+            <a:r>
+              <a:rPr lang="en-US" sz="2800" dirty="0">
+                <a:solidFill>
+                  <a:srgbClr val="FF0000"/>
+                </a:solidFill>
+              </a:rPr>
+              <a:t>//Your code goes here.</a:t>
+            </a:r>
+          </a:p>
+          <a:p>
+            <a:pPr marL="0" indent="0">
+              <a:buNone/>
+            </a:pPr>
+            <a:r>
+              <a:rPr lang="en-US" sz="2800" dirty="0"/>
+              <a:t>}</a:t>
+            </a:r>
+          </a:p>
+          <a:p>
+            <a:pPr marL="0" indent="0">
+              <a:buNone/>
+            </a:pPr>
+            <a:endParaRPr lang="en-US" sz="1000" dirty="0"/>
+          </a:p>
+          <a:p>
+            <a:pPr marL="0" indent="0">
+              <a:buNone/>
+            </a:pPr>
+            <a:r>
+              <a:rPr lang="en-US" sz="2800" dirty="0">
+                <a:solidFill>
+                  <a:srgbClr val="3333FF"/>
+                </a:solidFill>
+              </a:rPr>
+              <a:t>//Position generated by move() might be out of //boundary of the road (slip pass the leftmost block or </a:t>
+            </a:r>
+          </a:p>
+          <a:p>
+            <a:pPr marL="0" indent="0">
+              <a:buNone/>
+            </a:pPr>
+            <a:r>
+              <a:rPr lang="en-US" sz="2800" dirty="0">
+                <a:solidFill>
+                  <a:srgbClr val="3333FF"/>
+                </a:solidFill>
+              </a:rPr>
+              <a:t>//slop past the rightmost block of the road),</a:t>
+            </a:r>
+          </a:p>
+          <a:p>
+            <a:pPr marL="0" indent="0">
+              <a:buNone/>
+            </a:pPr>
+            <a:r>
+              <a:rPr lang="en-US" sz="2800" dirty="0">
+                <a:solidFill>
+                  <a:srgbClr val="3333FF"/>
+                </a:solidFill>
+              </a:rPr>
+              <a:t>//reset the position to an appropriate number.</a:t>
+            </a:r>
+          </a:p>
+          <a:p>
+            <a:pPr marL="0" indent="0">
+              <a:buNone/>
+            </a:pPr>
+            <a:r>
+              <a:rPr lang="en-US" sz="2800" dirty="0"/>
+              <a:t>void Tortoise::</a:t>
+            </a:r>
+            <a:r>
+              <a:rPr lang="en-US" sz="2800" dirty="0" err="1"/>
+              <a:t>setPosition</a:t>
+            </a:r>
+            <a:r>
+              <a:rPr lang="en-US" sz="2800" dirty="0"/>
+              <a:t>(int </a:t>
+            </a:r>
+            <a:r>
+              <a:rPr lang="en-US" sz="2800" dirty="0" err="1"/>
+              <a:t>newPosition</a:t>
+            </a:r>
+            <a:r>
+              <a:rPr lang="en-US" sz="2800" dirty="0"/>
+              <a:t>) {</a:t>
+            </a:r>
+          </a:p>
+          <a:p>
+            <a:pPr marL="0" indent="0">
+              <a:buNone/>
+            </a:pPr>
+            <a:r>
+              <a:rPr lang="en-US" sz="2800" dirty="0"/>
+              <a:t>        </a:t>
+            </a:r>
+            <a:r>
+              <a:rPr lang="en-US" sz="2800" dirty="0">
+                <a:solidFill>
+                  <a:srgbClr val="FF0000"/>
+                </a:solidFill>
+              </a:rPr>
+              <a:t>//Your code goes here.</a:t>
+            </a:r>
+          </a:p>
+          <a:p>
+            <a:pPr marL="0" indent="0">
+              <a:buNone/>
+            </a:pPr>
+            <a:r>
+              <a:rPr lang="en-US" sz="2800" dirty="0"/>
+              <a:t>}</a:t>
+            </a:r>
+          </a:p>
+          <a:p>
+            <a:pPr marL="0" indent="0">
+              <a:buNone/>
+            </a:pPr>
+            <a:endParaRPr lang="en-US" sz="2100" dirty="0"/>
           </a:p>
         </p:txBody>
       </p:sp>
     </p:spTree>
     <p:extLst>
       <p:ext uri="{BB962C8B-B14F-4D97-AF65-F5344CB8AC3E}">
-        <p14:creationId xmlns:p14="http://schemas.microsoft.com/office/powerpoint/2010/main" val="2478810376"/>
+        <p14:creationId xmlns:p14="http://schemas.microsoft.com/office/powerpoint/2010/main" val="3184585254"/>
       </p:ext>
     </p:extLst>
   </p:cSld>
@@ -3612,7 +3731,13 @@
       </p:grpSpPr>
       <p:sp>
         <p:nvSpPr>
-          <p:cNvPr id="2" name="Title 1"/>
+          <p:cNvPr id="2" name="Title 1">
+            <a:extLst>
+              <a:ext uri="{FF2B5EF4-FFF2-40B4-BE49-F238E27FC236}">
+                <a16:creationId xmlns:a16="http://schemas.microsoft.com/office/drawing/2014/main" id="{36F18AD7-EB51-B84D-B28D-8128F9AF5FBC}"/>
+              </a:ext>
+            </a:extLst>
+          </p:cNvPr>
           <p:cNvSpPr>
             <a:spLocks noGrp="1"/>
           </p:cNvSpPr>
@@ -3627,14 +3752,20 @@
           <a:p>
             <a:r>
               <a:rPr lang="en-US" dirty="0"/>
-              <a:t>Road</a:t>
-            </a:r>
-          </a:p>
-        </p:txBody>
-      </p:sp>
-      <p:sp>
-        <p:nvSpPr>
-          <p:cNvPr id="3" name="Content Placeholder 2"/>
+              <a:t>Class Tortoise: V</a:t>
+            </a:r>
+          </a:p>
+        </p:txBody>
+      </p:sp>
+      <p:sp>
+        <p:nvSpPr>
+          <p:cNvPr id="3" name="Content Placeholder 2">
+            <a:extLst>
+              <a:ext uri="{FF2B5EF4-FFF2-40B4-BE49-F238E27FC236}">
+                <a16:creationId xmlns:a16="http://schemas.microsoft.com/office/drawing/2014/main" id="{F06D0AD1-AAC5-6C44-BF5C-EA52622CF29A}"/>
+              </a:ext>
+            </a:extLst>
+          </p:cNvPr>
           <p:cNvSpPr>
             <a:spLocks noGrp="1"/>
           </p:cNvSpPr>
@@ -3644,35 +3775,92 @@
         </p:nvSpPr>
         <p:spPr/>
         <p:txBody>
-          <a:bodyPr>
-            <a:normAutofit/>
-          </a:bodyPr>
+          <a:bodyPr/>
           <a:lstStyle/>
           <a:p>
-            <a:r>
-              <a:rPr lang="en-US" dirty="0"/>
-              <a:t>Road can be thought as adjacent blocks (squares) of mud, when an animal step on a square, the animal will leave a  mark.</a:t>
-            </a:r>
-          </a:p>
-          <a:p>
-            <a:pPr lvl="1"/>
-            <a:r>
-              <a:rPr lang="en-US" dirty="0"/>
-              <a:t>A hare leaves letter ‘H’, while a tortoise leaves letter ‘T’. An untouched square is represented by a space.</a:t>
-            </a:r>
-          </a:p>
-          <a:p>
-            <a:r>
-              <a:rPr lang="en-US" dirty="0"/>
-              <a:t>Use an array of char to represent a road. It remains to find operations for this data member.</a:t>
-            </a:r>
+            <a:pPr marL="0" indent="0">
+              <a:buNone/>
+            </a:pPr>
+            <a:r>
+              <a:rPr lang="en-US" dirty="0">
+                <a:solidFill>
+                  <a:srgbClr val="3333FF"/>
+                </a:solidFill>
+              </a:rPr>
+              <a:t>//Return move pattern.</a:t>
+            </a:r>
+          </a:p>
+          <a:p>
+            <a:pPr marL="0" indent="0">
+              <a:buNone/>
+            </a:pPr>
+            <a:r>
+              <a:rPr lang="en-US" dirty="0">
+                <a:solidFill>
+                  <a:srgbClr val="3333FF"/>
+                </a:solidFill>
+              </a:rPr>
+              <a:t>//What is the method header?</a:t>
+            </a:r>
+          </a:p>
+          <a:p>
+            <a:pPr marL="0" indent="0">
+              <a:buNone/>
+            </a:pPr>
+            <a:endParaRPr lang="en-US" dirty="0">
+              <a:solidFill>
+                <a:srgbClr val="3333FF"/>
+              </a:solidFill>
+            </a:endParaRPr>
+          </a:p>
+          <a:p>
+            <a:pPr marL="0" indent="0">
+              <a:buNone/>
+            </a:pPr>
+            <a:endParaRPr lang="en-US" dirty="0">
+              <a:solidFill>
+                <a:srgbClr val="3333FF"/>
+              </a:solidFill>
+            </a:endParaRPr>
+          </a:p>
+          <a:p>
+            <a:pPr marL="0" indent="0">
+              <a:buNone/>
+            </a:pPr>
+            <a:r>
+              <a:rPr lang="en-US" dirty="0">
+                <a:solidFill>
+                  <a:srgbClr val="3333FF"/>
+                </a:solidFill>
+              </a:rPr>
+              <a:t>//Return pattern length.</a:t>
+            </a:r>
+          </a:p>
+          <a:p>
+            <a:pPr marL="0" indent="0">
+              <a:buNone/>
+            </a:pPr>
+            <a:r>
+              <a:rPr lang="en-US" dirty="0">
+                <a:solidFill>
+                  <a:srgbClr val="3333FF"/>
+                </a:solidFill>
+              </a:rPr>
+              <a:t>//What is the method header?</a:t>
+            </a:r>
+          </a:p>
+          <a:p>
+            <a:pPr marL="0" indent="0">
+              <a:buNone/>
+            </a:pPr>
+            <a:endParaRPr lang="en-US" dirty="0"/>
           </a:p>
         </p:txBody>
       </p:sp>
     </p:spTree>
     <p:extLst>
       <p:ext uri="{BB962C8B-B14F-4D97-AF65-F5344CB8AC3E}">
-        <p14:creationId xmlns:p14="http://schemas.microsoft.com/office/powerpoint/2010/main" val="852921097"/>
+        <p14:creationId xmlns:p14="http://schemas.microsoft.com/office/powerpoint/2010/main" val="3940968033"/>
       </p:ext>
     </p:extLst>
   </p:cSld>
@@ -3716,7 +3904,7 @@
           <a:p>
             <a:r>
               <a:rPr lang="en-US" dirty="0"/>
-              <a:t>Class Road</a:t>
+              <a:t>Class Hare</a:t>
             </a:r>
           </a:p>
         </p:txBody>
@@ -3731,200 +3919,14 @@
             <p:ph idx="1"/>
           </p:nvPr>
         </p:nvSpPr>
-        <p:spPr>
-          <a:xfrm>
-            <a:off x="457200" y="1219200"/>
-            <a:ext cx="8382000" cy="5105400"/>
-          </a:xfrm>
-        </p:spPr>
-        <p:txBody>
-          <a:bodyPr>
-            <a:noAutofit/>
-          </a:bodyPr>
+        <p:spPr/>
+        <p:txBody>
+          <a:bodyPr/>
           <a:lstStyle/>
           <a:p>
-            <a:pPr marL="0" indent="0">
-              <a:buNone/>
-            </a:pPr>
-            <a:r>
-              <a:rPr lang="en-US" sz="2300" dirty="0">
-                <a:solidFill>
-                  <a:srgbClr val="CC00FF"/>
-                </a:solidFill>
-              </a:rPr>
-              <a:t>public class </a:t>
-            </a:r>
-            <a:r>
-              <a:rPr lang="en-US" sz="2300" dirty="0"/>
-              <a:t>Road {</a:t>
-            </a:r>
-          </a:p>
-          <a:p>
-            <a:pPr marL="0" indent="0">
-              <a:buNone/>
-            </a:pPr>
-            <a:r>
-              <a:rPr lang="en-US" sz="2300" dirty="0"/>
-              <a:t>       </a:t>
-            </a:r>
-            <a:r>
-              <a:rPr lang="en-US" sz="2300" dirty="0">
-                <a:solidFill>
-                  <a:srgbClr val="CC00FF"/>
-                </a:solidFill>
-              </a:rPr>
-              <a:t>private</a:t>
-            </a:r>
-            <a:r>
-              <a:rPr lang="en-US" sz="2300" dirty="0"/>
-              <a:t> char squares[];</a:t>
-            </a:r>
-          </a:p>
-          <a:p>
-            <a:pPr marL="0" indent="0">
-              <a:buNone/>
-            </a:pPr>
-            <a:endParaRPr lang="en-US" sz="2300" dirty="0"/>
-          </a:p>
-          <a:p>
-            <a:pPr marL="0" indent="0">
-              <a:buNone/>
-            </a:pPr>
-            <a:r>
-              <a:rPr lang="en-US" sz="2300" dirty="0"/>
-              <a:t>       </a:t>
-            </a:r>
-            <a:r>
-              <a:rPr lang="en-US" sz="2300" dirty="0">
-                <a:solidFill>
-                  <a:srgbClr val="3366FF"/>
-                </a:solidFill>
-              </a:rPr>
-              <a:t>//TODO: a default constructor to create a road with 70 squares,</a:t>
-            </a:r>
-          </a:p>
-          <a:p>
-            <a:pPr marL="0" indent="0">
-              <a:buNone/>
-            </a:pPr>
-            <a:r>
-              <a:rPr lang="en-US" sz="2300" dirty="0">
-                <a:solidFill>
-                  <a:srgbClr val="3366FF"/>
-                </a:solidFill>
-              </a:rPr>
-              <a:t>       //each square is initialized with a space char.</a:t>
-            </a:r>
-          </a:p>
-          <a:p>
-            <a:pPr marL="0" indent="0">
-              <a:buNone/>
-            </a:pPr>
-            <a:r>
-              <a:rPr lang="en-US" sz="2300" dirty="0">
-                <a:solidFill>
-                  <a:srgbClr val="3366FF"/>
-                </a:solidFill>
-              </a:rPr>
-              <a:t>       //A non-default constructor to create a road with proper length.</a:t>
-            </a:r>
-          </a:p>
-          <a:p>
-            <a:pPr marL="0" indent="0">
-              <a:buNone/>
-            </a:pPr>
-            <a:r>
-              <a:rPr lang="en-US" sz="2300" dirty="0"/>
-              <a:t>     </a:t>
-            </a:r>
-            <a:r>
-              <a:rPr lang="en-US" sz="2300" dirty="0">
-                <a:solidFill>
-                  <a:srgbClr val="00B050"/>
-                </a:solidFill>
-              </a:rPr>
-              <a:t>//Clear each square of road to be space char.</a:t>
-            </a:r>
-          </a:p>
-          <a:p>
-            <a:pPr marL="0" indent="0">
-              <a:buNone/>
-            </a:pPr>
-            <a:r>
-              <a:rPr lang="en-US" sz="2300" dirty="0">
-                <a:solidFill>
-                  <a:srgbClr val="00B050"/>
-                </a:solidFill>
-              </a:rPr>
-              <a:t>    //It is equivalent to clean the road.</a:t>
-            </a:r>
-          </a:p>
-          <a:p>
-            <a:pPr marL="0" indent="0">
-              <a:buNone/>
-            </a:pPr>
-            <a:r>
-              <a:rPr lang="en-US" sz="2300" dirty="0">
-                <a:solidFill>
-                  <a:srgbClr val="00B050"/>
-                </a:solidFill>
-              </a:rPr>
-              <a:t>    //Called by constructor.</a:t>
-            </a:r>
-          </a:p>
-          <a:p>
-            <a:pPr marL="0" indent="0">
-              <a:buNone/>
-            </a:pPr>
-            <a:r>
-              <a:rPr lang="en-US" sz="2300" dirty="0"/>
-              <a:t>     public void clear() {</a:t>
-            </a:r>
-          </a:p>
-          <a:p>
-            <a:pPr marL="0" indent="0">
-              <a:buNone/>
-            </a:pPr>
-            <a:r>
-              <a:rPr lang="en-US" sz="2300" dirty="0"/>
-              <a:t>             </a:t>
-            </a:r>
-            <a:r>
-              <a:rPr lang="en-US" sz="2300" dirty="0">
-                <a:solidFill>
-                  <a:srgbClr val="FF0000"/>
-                </a:solidFill>
-              </a:rPr>
-              <a:t>//Your code goes here.</a:t>
-            </a:r>
-            <a:endParaRPr lang="en-US" sz="2300" dirty="0"/>
-          </a:p>
-          <a:p>
-            <a:pPr marL="0" indent="0">
-              <a:buNone/>
-            </a:pPr>
-            <a:r>
-              <a:rPr lang="en-US" sz="2300" dirty="0"/>
-              <a:t>     }</a:t>
-            </a:r>
-          </a:p>
-          <a:p>
-            <a:pPr marL="0" indent="0">
-              <a:buNone/>
-            </a:pPr>
-            <a:endParaRPr lang="en-US" sz="2300" dirty="0">
-              <a:solidFill>
-                <a:srgbClr val="3366FF"/>
-              </a:solidFill>
-            </a:endParaRPr>
-          </a:p>
-          <a:p>
-            <a:pPr marL="0" indent="0">
-              <a:buNone/>
-            </a:pPr>
-            <a:r>
-              <a:rPr lang="en-US" sz="2300" dirty="0"/>
-              <a:t>      </a:t>
+            <a:r>
+              <a:rPr lang="en-US" dirty="0"/>
+              <a:t>Design Hare class similarly.</a:t>
             </a:r>
           </a:p>
         </p:txBody>
@@ -3932,7 +3934,7 @@
     </p:spTree>
     <p:extLst>
       <p:ext uri="{BB962C8B-B14F-4D97-AF65-F5344CB8AC3E}">
-        <p14:creationId xmlns:p14="http://schemas.microsoft.com/office/powerpoint/2010/main" val="991397948"/>
+        <p14:creationId xmlns:p14="http://schemas.microsoft.com/office/powerpoint/2010/main" val="2478810376"/>
       </p:ext>
     </p:extLst>
   </p:cSld>
@@ -3976,7 +3978,7 @@
           <a:p>
             <a:r>
               <a:rPr lang="en-US" dirty="0"/>
-              <a:t>Class road: II</a:t>
+              <a:t>Road</a:t>
             </a:r>
           </a:p>
         </p:txBody>
@@ -3991,228 +3993,29 @@
             <p:ph idx="1"/>
           </p:nvPr>
         </p:nvSpPr>
-        <p:spPr>
-          <a:xfrm>
-            <a:off x="457200" y="1219200"/>
-            <a:ext cx="8229600" cy="5105400"/>
-          </a:xfrm>
-        </p:spPr>
+        <p:spPr/>
         <p:txBody>
           <a:bodyPr>
-            <a:noAutofit/>
+            <a:normAutofit/>
           </a:bodyPr>
           <a:lstStyle/>
           <a:p>
-            <a:pPr marL="0" indent="0">
-              <a:buNone/>
-            </a:pPr>
-            <a:endParaRPr lang="en-US" sz="2300" dirty="0">
-              <a:solidFill>
-                <a:srgbClr val="3366FF"/>
-              </a:solidFill>
-            </a:endParaRPr>
-          </a:p>
-          <a:p>
-            <a:pPr marL="0" indent="0">
-              <a:buNone/>
-            </a:pPr>
-            <a:r>
-              <a:rPr lang="en-US" sz="2300" dirty="0"/>
-              <a:t>      </a:t>
-            </a:r>
-            <a:r>
-              <a:rPr lang="en-US" sz="2300" dirty="0">
-                <a:solidFill>
-                  <a:srgbClr val="00B050"/>
-                </a:solidFill>
-              </a:rPr>
-              <a:t>//Get </a:t>
-            </a:r>
-            <a:r>
-              <a:rPr lang="en-US" sz="2300" dirty="0" err="1">
-                <a:solidFill>
-                  <a:srgbClr val="00B050"/>
-                </a:solidFill>
-              </a:rPr>
-              <a:t>endline</a:t>
-            </a:r>
-            <a:r>
-              <a:rPr lang="en-US" sz="2300" dirty="0">
-                <a:solidFill>
-                  <a:srgbClr val="00B050"/>
-                </a:solidFill>
-              </a:rPr>
-              <a:t> (the index of the last square) of the road.</a:t>
-            </a:r>
-          </a:p>
-          <a:p>
-            <a:pPr marL="0" indent="0">
-              <a:buNone/>
-            </a:pPr>
-            <a:r>
-              <a:rPr lang="en-US" sz="2300" dirty="0"/>
-              <a:t>     </a:t>
-            </a:r>
-            <a:r>
-              <a:rPr lang="en-US" sz="2300" dirty="0">
-                <a:solidFill>
-                  <a:srgbClr val="CC00FF"/>
-                </a:solidFill>
-              </a:rPr>
-              <a:t>public</a:t>
-            </a:r>
-            <a:r>
-              <a:rPr lang="en-US" sz="2300" dirty="0"/>
-              <a:t> </a:t>
-            </a:r>
-            <a:r>
-              <a:rPr lang="en-US" sz="2300" dirty="0" err="1"/>
-              <a:t>int</a:t>
-            </a:r>
-            <a:r>
-              <a:rPr lang="en-US" sz="2300" dirty="0"/>
-              <a:t> </a:t>
-            </a:r>
-            <a:r>
-              <a:rPr lang="en-US" sz="2300" dirty="0" err="1"/>
-              <a:t>getEndLine</a:t>
-            </a:r>
-            <a:r>
-              <a:rPr lang="en-US" sz="2300" dirty="0"/>
-              <a:t>(){</a:t>
-            </a:r>
-          </a:p>
-          <a:p>
-            <a:pPr marL="0" indent="0">
-              <a:buNone/>
-            </a:pPr>
-            <a:r>
-              <a:rPr lang="en-US" sz="2300" dirty="0"/>
-              <a:t>           </a:t>
-            </a:r>
-            <a:r>
-              <a:rPr lang="en-US" sz="2300" dirty="0">
-                <a:solidFill>
-                  <a:srgbClr val="FF0000"/>
-                </a:solidFill>
-              </a:rPr>
-              <a:t>//Your code goes here.</a:t>
-            </a:r>
-          </a:p>
-          <a:p>
-            <a:pPr marL="0" indent="0">
-              <a:buNone/>
-            </a:pPr>
-            <a:r>
-              <a:rPr lang="en-US" sz="2300" dirty="0"/>
-              <a:t>     }</a:t>
-            </a:r>
-          </a:p>
-          <a:p>
-            <a:pPr marL="0" indent="0">
-              <a:buNone/>
-            </a:pPr>
-            <a:endParaRPr lang="en-US" sz="2300" dirty="0"/>
-          </a:p>
-          <a:p>
-            <a:pPr marL="0" indent="0">
-              <a:buNone/>
-            </a:pPr>
-            <a:r>
-              <a:rPr lang="en-US" sz="2300" dirty="0"/>
-              <a:t>     </a:t>
-            </a:r>
-            <a:r>
-              <a:rPr lang="en-US" sz="2300" dirty="0">
-                <a:solidFill>
-                  <a:srgbClr val="00B050"/>
-                </a:solidFill>
-              </a:rPr>
-              <a:t>//Put </a:t>
-            </a:r>
-            <a:r>
-              <a:rPr lang="en-US" sz="2300" u="sng" dirty="0" err="1">
-                <a:solidFill>
-                  <a:srgbClr val="00B050"/>
-                </a:solidFill>
-              </a:rPr>
-              <a:t>ch</a:t>
-            </a:r>
-            <a:r>
-              <a:rPr lang="en-US" sz="2300" u="sng" dirty="0">
-                <a:solidFill>
-                  <a:srgbClr val="00B050"/>
-                </a:solidFill>
-              </a:rPr>
-              <a:t> into position of array squares.</a:t>
-            </a:r>
-            <a:endParaRPr lang="en-US" sz="2300" dirty="0">
-              <a:solidFill>
-                <a:srgbClr val="00B050"/>
-              </a:solidFill>
-            </a:endParaRPr>
-          </a:p>
-          <a:p>
-            <a:pPr marL="0" indent="0">
-              <a:buNone/>
-            </a:pPr>
-            <a:r>
-              <a:rPr lang="en-US" sz="2300" dirty="0"/>
-              <a:t>     </a:t>
-            </a:r>
-            <a:r>
-              <a:rPr lang="en-US" sz="2300" dirty="0">
-                <a:solidFill>
-                  <a:srgbClr val="CC00FF"/>
-                </a:solidFill>
-              </a:rPr>
-              <a:t>public</a:t>
-            </a:r>
-            <a:r>
-              <a:rPr lang="en-US" sz="2300" dirty="0"/>
-              <a:t> void mark(</a:t>
-            </a:r>
-            <a:r>
-              <a:rPr lang="en-US" sz="2300" dirty="0" err="1"/>
-              <a:t>int</a:t>
-            </a:r>
-            <a:r>
-              <a:rPr lang="en-US" sz="2300" dirty="0"/>
-              <a:t> position, char </a:t>
-            </a:r>
-            <a:r>
-              <a:rPr lang="en-US" sz="2300" dirty="0" err="1"/>
-              <a:t>ch</a:t>
-            </a:r>
-            <a:r>
-              <a:rPr lang="en-US" sz="2300" dirty="0"/>
-              <a:t>){</a:t>
-            </a:r>
-          </a:p>
-          <a:p>
-            <a:pPr marL="0" indent="0">
-              <a:buNone/>
-            </a:pPr>
-            <a:r>
-              <a:rPr lang="en-US" sz="2300" dirty="0"/>
-              <a:t>            </a:t>
-            </a:r>
-            <a:r>
-              <a:rPr lang="en-US" sz="2300" dirty="0">
-                <a:solidFill>
-                  <a:srgbClr val="FF0000"/>
-                </a:solidFill>
-              </a:rPr>
-              <a:t>//Your code goes here.</a:t>
-            </a:r>
-          </a:p>
-          <a:p>
-            <a:pPr marL="0" indent="0">
-              <a:buNone/>
-            </a:pPr>
-            <a:r>
-              <a:rPr lang="en-US" sz="2300" dirty="0"/>
-              <a:t>    }</a:t>
+            <a:r>
+              <a:rPr lang="en-US" dirty="0"/>
+              <a:t>Road can be thought as adjacent blocks (squares) of mud, when an animal step on a block, the animal will leave a mark.</a:t>
+            </a:r>
+          </a:p>
+          <a:p>
+            <a:pPr lvl="1"/>
+            <a:r>
+              <a:rPr lang="en-US" dirty="0"/>
+              <a:t>A hare leaves letter ‘H’, while a tortoise leaves letter ‘T’. An untouched block is represented by a space.</a:t>
+            </a:r>
+          </a:p>
+          <a:p>
+            <a:r>
+              <a:rPr lang="en-US" dirty="0"/>
+              <a:t>Use an array of char to represent a road. It remains to find operations for this data member.</a:t>
             </a:r>
           </a:p>
         </p:txBody>
@@ -4220,7 +4023,7 @@
     </p:spTree>
     <p:extLst>
       <p:ext uri="{BB962C8B-B14F-4D97-AF65-F5344CB8AC3E}">
-        <p14:creationId xmlns:p14="http://schemas.microsoft.com/office/powerpoint/2010/main" val="1728149069"/>
+        <p14:creationId xmlns:p14="http://schemas.microsoft.com/office/powerpoint/2010/main" val="852921097"/>
       </p:ext>
     </p:extLst>
   </p:cSld>
@@ -4264,7 +4067,7 @@
           <a:p>
             <a:r>
               <a:rPr lang="en-US" dirty="0"/>
-              <a:t>Class road: III</a:t>
+              <a:t>Class Road</a:t>
             </a:r>
           </a:p>
         </p:txBody>
@@ -4282,7 +4085,7 @@
         <p:spPr>
           <a:xfrm>
             <a:off x="457200" y="1219200"/>
-            <a:ext cx="8229600" cy="5105400"/>
+            <a:ext cx="8382000" cy="5105400"/>
           </a:xfrm>
         </p:spPr>
         <p:txBody>
@@ -4291,157 +4094,94 @@
           </a:bodyPr>
           <a:lstStyle/>
           <a:p>
-            <a:pPr marL="0" indent="0">
-              <a:buNone/>
-            </a:pPr>
-            <a:r>
-              <a:rPr lang="en-US" sz="2000" dirty="0"/>
+            <a:r>
+              <a:rPr lang="en-US" sz="2800" dirty="0"/>
+              <a:t>What are data members?</a:t>
+            </a:r>
+          </a:p>
+          <a:p>
+            <a:r>
+              <a:rPr lang="en-US" sz="2800" dirty="0"/>
+              <a:t>What are operations on data members?</a:t>
+            </a:r>
+          </a:p>
+          <a:p>
+            <a:r>
+              <a:rPr lang="en-US" sz="2800" dirty="0"/>
+              <a:t>How to define constructor?</a:t>
+            </a:r>
+          </a:p>
+          <a:p>
+            <a:pPr marL="0" indent="0">
+              <a:buNone/>
+            </a:pPr>
+            <a:endParaRPr lang="en-US" sz="2800" dirty="0"/>
+          </a:p>
+          <a:p>
+            <a:pPr marL="0" indent="0">
+              <a:buNone/>
+            </a:pPr>
+            <a:r>
+              <a:rPr lang="en-US" sz="2800" dirty="0">
+                <a:solidFill>
+                  <a:srgbClr val="3366FF"/>
+                </a:solidFill>
+              </a:rPr>
+              <a:t>//Default constructor to create a road with 70 blocks, //each block is initialized with a space char.</a:t>
+            </a:r>
+          </a:p>
+          <a:p>
+            <a:pPr marL="0" indent="0">
+              <a:buNone/>
+            </a:pPr>
+            <a:endParaRPr lang="en-US" sz="2800" dirty="0">
+              <a:solidFill>
+                <a:srgbClr val="3366FF"/>
+              </a:solidFill>
+            </a:endParaRPr>
+          </a:p>
+          <a:p>
+            <a:pPr marL="0" indent="0">
+              <a:buNone/>
+            </a:pPr>
+            <a:r>
+              <a:rPr lang="en-US" sz="2800" dirty="0">
+                <a:solidFill>
+                  <a:srgbClr val="3366FF"/>
+                </a:solidFill>
+              </a:rPr>
+              <a:t>//A non-default constructor to create a road with proper //length. A parameter representing length is provided.</a:t>
+            </a:r>
+          </a:p>
+          <a:p>
+            <a:pPr marL="0" indent="0">
+              <a:buNone/>
+            </a:pPr>
+            <a:r>
+              <a:rPr lang="en-US" sz="2800" dirty="0"/>
               <a:t>     </a:t>
             </a:r>
-            <a:r>
-              <a:rPr lang="en-US" sz="2800" dirty="0">
-                <a:solidFill>
-                  <a:srgbClr val="CC00FF"/>
-                </a:solidFill>
-              </a:rPr>
-              <a:t>public</a:t>
-            </a:r>
-            <a:r>
-              <a:rPr lang="en-US" sz="2800" dirty="0"/>
-              <a:t> String </a:t>
-            </a:r>
-            <a:r>
-              <a:rPr lang="en-US" sz="2800" dirty="0" err="1"/>
-              <a:t>toString</a:t>
-            </a:r>
-            <a:r>
-              <a:rPr lang="en-US" sz="2800" dirty="0"/>
-              <a:t>() {</a:t>
-            </a:r>
-          </a:p>
-          <a:p>
-            <a:pPr marL="0" indent="0">
-              <a:buNone/>
-            </a:pPr>
-            <a:r>
-              <a:rPr lang="en-US" sz="2800" dirty="0"/>
-              <a:t>            </a:t>
-            </a:r>
-            <a:r>
-              <a:rPr lang="en-US" sz="2200" dirty="0">
-                <a:latin typeface="Monaco" charset="0"/>
-              </a:rPr>
-              <a:t>string str = "";</a:t>
-            </a:r>
-            <a:r>
-              <a:rPr lang="en-US" sz="2800" dirty="0"/>
-              <a:t>            </a:t>
-            </a:r>
-          </a:p>
-          <a:p>
-            <a:pPr marL="0" indent="0">
-              <a:buNone/>
-            </a:pPr>
-            <a:r>
-              <a:rPr lang="en-US" sz="2800" dirty="0">
-                <a:solidFill>
-                  <a:srgbClr val="00B050"/>
-                </a:solidFill>
-              </a:rPr>
-              <a:t>            </a:t>
-            </a:r>
-          </a:p>
-          <a:p>
-            <a:pPr marL="0" indent="0">
-              <a:buNone/>
-            </a:pPr>
-            <a:r>
-              <a:rPr lang="en-US" sz="2800" dirty="0">
-                <a:solidFill>
-                  <a:srgbClr val="00B050"/>
-                </a:solidFill>
-              </a:rPr>
-              <a:t>            //TODO: concatenate chars from the first square,</a:t>
-            </a:r>
-          </a:p>
-          <a:p>
-            <a:pPr marL="0" indent="0">
-              <a:buNone/>
-            </a:pPr>
-            <a:r>
-              <a:rPr lang="en-US" sz="2800" i="1" dirty="0">
-                <a:solidFill>
-                  <a:srgbClr val="00B050"/>
-                </a:solidFill>
-              </a:rPr>
-              <a:t>            </a:t>
-            </a:r>
-            <a:r>
-              <a:rPr lang="en-US" sz="2800" dirty="0">
-                <a:solidFill>
-                  <a:srgbClr val="00B050"/>
-                </a:solidFill>
-              </a:rPr>
-              <a:t>//which is indexed at 0, to the last square, to str.</a:t>
-            </a:r>
-          </a:p>
-          <a:p>
-            <a:pPr marL="0" indent="0">
-              <a:buNone/>
-            </a:pPr>
-            <a:r>
-              <a:rPr lang="nn-NO" sz="2800" dirty="0"/>
-              <a:t>           </a:t>
-            </a:r>
-            <a:endParaRPr lang="en-US" sz="2800" dirty="0"/>
-          </a:p>
-          <a:p>
-            <a:pPr marL="0" indent="0">
-              <a:buNone/>
-            </a:pPr>
-            <a:r>
-              <a:rPr lang="en-US" sz="2800" dirty="0"/>
-              <a:t>             return </a:t>
-            </a:r>
-            <a:r>
-              <a:rPr lang="en-US" sz="2800" dirty="0" err="1"/>
-              <a:t>str</a:t>
-            </a:r>
-            <a:r>
-              <a:rPr lang="en-US" sz="2800" dirty="0"/>
-              <a:t>;</a:t>
-            </a:r>
-          </a:p>
-          <a:p>
-            <a:pPr marL="0" indent="0">
-              <a:buNone/>
-            </a:pPr>
-            <a:r>
-              <a:rPr lang="en-US" sz="2800" dirty="0"/>
-              <a:t>      }</a:t>
-            </a:r>
-          </a:p>
-          <a:p>
-            <a:pPr marL="0" indent="0">
-              <a:buNone/>
-            </a:pPr>
-            <a:r>
-              <a:rPr lang="en-US" sz="2800" dirty="0"/>
-              <a:t>}</a:t>
-            </a:r>
-          </a:p>
-          <a:p>
-            <a:pPr marL="0" indent="0">
-              <a:buNone/>
-            </a:pPr>
-            <a:endParaRPr lang="en-US" sz="2000" dirty="0"/>
+            <a:endParaRPr lang="en-US" sz="2300" dirty="0">
+              <a:solidFill>
+                <a:srgbClr val="3366FF"/>
+              </a:solidFill>
+            </a:endParaRPr>
+          </a:p>
+          <a:p>
+            <a:pPr marL="0" indent="0">
+              <a:buNone/>
+            </a:pPr>
+            <a:r>
+              <a:rPr lang="en-US" sz="2300" dirty="0"/>
+              <a:t>      </a:t>
+            </a:r>
           </a:p>
         </p:txBody>
       </p:sp>
     </p:spTree>
     <p:extLst>
       <p:ext uri="{BB962C8B-B14F-4D97-AF65-F5344CB8AC3E}">
-        <p14:creationId xmlns:p14="http://schemas.microsoft.com/office/powerpoint/2010/main" val="4052496581"/>
+        <p14:creationId xmlns:p14="http://schemas.microsoft.com/office/powerpoint/2010/main" val="991397948"/>
       </p:ext>
     </p:extLst>
   </p:cSld>
@@ -4485,7 +4225,7 @@
           <a:p>
             <a:r>
               <a:rPr lang="en-US" dirty="0"/>
-              <a:t>Class Competition</a:t>
+              <a:t>Class Road: II</a:t>
             </a:r>
           </a:p>
         </p:txBody>
@@ -4502,13 +4242,13 @@
         </p:nvSpPr>
         <p:spPr>
           <a:xfrm>
-            <a:off x="457200" y="1447800"/>
-            <a:ext cx="8229600" cy="4678363"/>
+            <a:off x="457200" y="1219200"/>
+            <a:ext cx="8382000" cy="5105400"/>
           </a:xfrm>
         </p:spPr>
         <p:txBody>
           <a:bodyPr>
-            <a:normAutofit fontScale="85000" lnSpcReduction="20000"/>
+            <a:noAutofit/>
           </a:bodyPr>
           <a:lstStyle/>
           <a:p>
@@ -4516,175 +4256,93 @@
               <a:buNone/>
             </a:pPr>
             <a:r>
-              <a:rPr lang="en-US" dirty="0">
-                <a:solidFill>
-                  <a:srgbClr val="CC00FF"/>
-                </a:solidFill>
-              </a:rPr>
-              <a:t>public </a:t>
-            </a:r>
-            <a:r>
-              <a:rPr lang="en-US" dirty="0"/>
-              <a:t>class Competition {</a:t>
-            </a:r>
-          </a:p>
-          <a:p>
-            <a:pPr marL="0" indent="0">
-              <a:buNone/>
-            </a:pPr>
-            <a:r>
-              <a:rPr lang="en-US" dirty="0"/>
-              <a:t>       </a:t>
-            </a:r>
-            <a:r>
-              <a:rPr lang="en-US" dirty="0">
-                <a:solidFill>
-                  <a:srgbClr val="CC00FF"/>
-                </a:solidFill>
-              </a:rPr>
-              <a:t>private</a:t>
-            </a:r>
-            <a:r>
-              <a:rPr lang="en-US" dirty="0"/>
-              <a:t> Hare </a:t>
-            </a:r>
-            <a:r>
-              <a:rPr lang="en-US" dirty="0" err="1"/>
-              <a:t>hare</a:t>
-            </a:r>
-            <a:r>
-              <a:rPr lang="en-US" dirty="0"/>
-              <a:t>;</a:t>
-            </a:r>
-          </a:p>
-          <a:p>
-            <a:pPr marL="0" indent="0">
-              <a:buNone/>
-            </a:pPr>
-            <a:r>
-              <a:rPr lang="en-US" dirty="0"/>
-              <a:t>       </a:t>
-            </a:r>
-            <a:r>
-              <a:rPr lang="en-US" dirty="0">
-                <a:solidFill>
-                  <a:srgbClr val="CC00FF"/>
-                </a:solidFill>
-              </a:rPr>
-              <a:t>private</a:t>
-            </a:r>
-            <a:r>
-              <a:rPr lang="en-US" dirty="0"/>
-              <a:t> Tortoise tor;</a:t>
-            </a:r>
-          </a:p>
-          <a:p>
-            <a:pPr marL="0" indent="0">
-              <a:buNone/>
-            </a:pPr>
-            <a:r>
-              <a:rPr lang="en-US" dirty="0"/>
-              <a:t>       </a:t>
-            </a:r>
-            <a:r>
-              <a:rPr lang="en-US" dirty="0">
-                <a:solidFill>
-                  <a:srgbClr val="CC00FF"/>
-                </a:solidFill>
-              </a:rPr>
-              <a:t>private</a:t>
-            </a:r>
-            <a:r>
-              <a:rPr lang="en-US" dirty="0"/>
-              <a:t> Road </a:t>
-            </a:r>
-            <a:r>
-              <a:rPr lang="en-US" dirty="0" err="1"/>
-              <a:t>road</a:t>
-            </a:r>
-            <a:r>
-              <a:rPr lang="en-US" dirty="0"/>
-              <a:t>;</a:t>
-            </a:r>
-          </a:p>
-          <a:p>
-            <a:pPr marL="0" indent="0">
-              <a:buNone/>
-            </a:pPr>
-            <a:endParaRPr lang="en-US" dirty="0"/>
-          </a:p>
-          <a:p>
-            <a:pPr marL="0" indent="0">
-              <a:buNone/>
-            </a:pPr>
-            <a:r>
-              <a:rPr lang="en-US" dirty="0"/>
-              <a:t>       </a:t>
-            </a:r>
-            <a:r>
-              <a:rPr lang="en-US" dirty="0">
-                <a:solidFill>
-                  <a:srgbClr val="00B050"/>
-                </a:solidFill>
-              </a:rPr>
-              <a:t>//initialization</a:t>
-            </a:r>
-          </a:p>
-          <a:p>
-            <a:pPr marL="0" indent="0">
-              <a:buNone/>
-            </a:pPr>
-            <a:r>
-              <a:rPr lang="en-US" dirty="0"/>
-              <a:t>       </a:t>
-            </a:r>
-            <a:r>
-              <a:rPr lang="en-US" dirty="0">
-                <a:solidFill>
-                  <a:srgbClr val="CC00FF"/>
-                </a:solidFill>
-              </a:rPr>
-              <a:t>public</a:t>
-            </a:r>
-            <a:r>
-              <a:rPr lang="en-US" dirty="0"/>
-              <a:t> Competition() {</a:t>
-            </a:r>
-          </a:p>
-          <a:p>
-            <a:pPr marL="0" indent="0">
-              <a:buNone/>
-            </a:pPr>
-            <a:r>
-              <a:rPr lang="en-US" dirty="0"/>
-              <a:t>              hare = new Hare();</a:t>
-            </a:r>
-          </a:p>
-          <a:p>
-            <a:pPr marL="0" indent="0">
-              <a:buNone/>
-            </a:pPr>
-            <a:r>
-              <a:rPr lang="en-US" dirty="0"/>
-              <a:t>              tor = new Tortoise();</a:t>
-            </a:r>
-          </a:p>
-          <a:p>
-            <a:pPr marL="0" indent="0">
-              <a:buNone/>
-            </a:pPr>
-            <a:r>
-              <a:rPr lang="en-US" dirty="0"/>
-              <a:t>              road = new Road();</a:t>
-            </a:r>
-          </a:p>
-          <a:p>
-            <a:pPr marL="0" indent="0">
-              <a:buNone/>
-            </a:pPr>
-            <a:r>
-              <a:rPr lang="en-US" dirty="0"/>
-              <a:t>       }</a:t>
+              <a:rPr lang="en-US" sz="2800" dirty="0">
+                <a:solidFill>
+                  <a:srgbClr val="3366FF"/>
+                </a:solidFill>
+              </a:rPr>
+              <a:t>//Clear each block of road to be space char.</a:t>
+            </a:r>
+          </a:p>
+          <a:p>
+            <a:pPr marL="0" indent="0">
+              <a:buNone/>
+            </a:pPr>
+            <a:r>
+              <a:rPr lang="en-US" sz="2800" dirty="0">
+                <a:solidFill>
+                  <a:srgbClr val="3366FF"/>
+                </a:solidFill>
+              </a:rPr>
+              <a:t>//It is equivalent to clean the road. </a:t>
+            </a:r>
+          </a:p>
+          <a:p>
+            <a:pPr marL="0" indent="0">
+              <a:buNone/>
+            </a:pPr>
+            <a:r>
+              <a:rPr lang="en-US" sz="2800" dirty="0">
+                <a:solidFill>
+                  <a:srgbClr val="3366FF"/>
+                </a:solidFill>
+              </a:rPr>
+              <a:t>//This method is called by constructors.</a:t>
+            </a:r>
+          </a:p>
+          <a:p>
+            <a:pPr marL="0" indent="0">
+              <a:buNone/>
+            </a:pPr>
+            <a:r>
+              <a:rPr lang="en-US" sz="2800" dirty="0"/>
+              <a:t>void Road::clear() {</a:t>
+            </a:r>
+          </a:p>
+          <a:p>
+            <a:pPr marL="0" indent="0">
+              <a:buNone/>
+            </a:pPr>
+            <a:r>
+              <a:rPr lang="en-US" sz="2800" dirty="0"/>
+              <a:t>         </a:t>
+            </a:r>
+            <a:r>
+              <a:rPr lang="en-US" sz="2800" dirty="0">
+                <a:solidFill>
+                  <a:srgbClr val="FF0000"/>
+                </a:solidFill>
+              </a:rPr>
+              <a:t>//Your code goes here.</a:t>
+            </a:r>
+            <a:endParaRPr lang="en-US" sz="2800" dirty="0"/>
+          </a:p>
+          <a:p>
+            <a:pPr marL="0" indent="0">
+              <a:buNone/>
+            </a:pPr>
+            <a:r>
+              <a:rPr lang="en-US" sz="2800" dirty="0"/>
+              <a:t>}</a:t>
+            </a:r>
+          </a:p>
+          <a:p>
+            <a:pPr marL="0" indent="0">
+              <a:buNone/>
+            </a:pPr>
+            <a:endParaRPr lang="en-US" sz="2300" dirty="0">
+              <a:solidFill>
+                <a:srgbClr val="3366FF"/>
+              </a:solidFill>
+            </a:endParaRPr>
+          </a:p>
+          <a:p>
+            <a:pPr marL="0" indent="0">
+              <a:buNone/>
+            </a:pPr>
+            <a:r>
+              <a:rPr lang="en-US" sz="2300" dirty="0"/>
+              <a:t>      </a:t>
             </a:r>
           </a:p>
         </p:txBody>
@@ -4692,7 +4350,7 @@
     </p:spTree>
     <p:extLst>
       <p:ext uri="{BB962C8B-B14F-4D97-AF65-F5344CB8AC3E}">
-        <p14:creationId xmlns:p14="http://schemas.microsoft.com/office/powerpoint/2010/main" val="97664076"/>
+        <p14:creationId xmlns:p14="http://schemas.microsoft.com/office/powerpoint/2010/main" val="3947270246"/>
       </p:ext>
     </p:extLst>
   </p:cSld>
@@ -4736,7 +4394,7 @@
           <a:p>
             <a:r>
               <a:rPr lang="en-US" dirty="0"/>
-              <a:t>Class Competition - II</a:t>
+              <a:t>Class road: III</a:t>
             </a:r>
           </a:p>
         </p:txBody>
@@ -4753,8 +4411,8 @@
         </p:nvSpPr>
         <p:spPr>
           <a:xfrm>
-            <a:off x="457200" y="1219200"/>
-            <a:ext cx="8229600" cy="5181600"/>
+            <a:off x="152400" y="1219200"/>
+            <a:ext cx="8763000" cy="5105400"/>
           </a:xfrm>
         </p:spPr>
         <p:txBody>
@@ -4767,252 +4425,151 @@
               <a:buNone/>
             </a:pPr>
             <a:r>
-              <a:rPr lang="en-US" sz="2200" dirty="0">
-                <a:solidFill>
-                  <a:srgbClr val="CC00FF"/>
-                </a:solidFill>
-              </a:rPr>
-              <a:t>public</a:t>
-            </a:r>
-            <a:r>
-              <a:rPr lang="en-US" sz="2200" dirty="0"/>
-              <a:t> void start() {</a:t>
-            </a:r>
-          </a:p>
-          <a:p>
-            <a:pPr marL="0" indent="0">
-              <a:buNone/>
-            </a:pPr>
-            <a:r>
-              <a:rPr lang="en-US" sz="2200" dirty="0"/>
-              <a:t>     </a:t>
-            </a:r>
-            <a:r>
-              <a:rPr lang="en-US" sz="2200" dirty="0">
-                <a:solidFill>
-                  <a:srgbClr val="00B050"/>
-                </a:solidFill>
-              </a:rPr>
-              <a:t>//TODO: find out </a:t>
-            </a:r>
-            <a:r>
-              <a:rPr lang="en-US" sz="2200" dirty="0" err="1">
-                <a:solidFill>
-                  <a:srgbClr val="00B050"/>
-                </a:solidFill>
-              </a:rPr>
-              <a:t>endLine</a:t>
-            </a:r>
-            <a:r>
-              <a:rPr lang="en-US" sz="2200" dirty="0">
-                <a:solidFill>
-                  <a:srgbClr val="00B050"/>
-                </a:solidFill>
-              </a:rPr>
-              <a:t> of the road.</a:t>
-            </a:r>
-          </a:p>
-          <a:p>
-            <a:pPr marL="0" indent="0">
-              <a:buNone/>
-            </a:pPr>
-            <a:r>
-              <a:rPr lang="en-US" sz="2200" dirty="0"/>
-              <a:t>     </a:t>
-            </a:r>
-            <a:r>
-              <a:rPr lang="en-US" sz="2200" dirty="0" err="1"/>
-              <a:t>int</a:t>
-            </a:r>
-            <a:r>
-              <a:rPr lang="en-US" sz="2200" dirty="0"/>
-              <a:t> </a:t>
-            </a:r>
-            <a:r>
-              <a:rPr lang="en-US" sz="2200" dirty="0" err="1"/>
-              <a:t>endLine</a:t>
-            </a:r>
-            <a:r>
-              <a:rPr lang="en-US" sz="2200" dirty="0"/>
-              <a:t> = …;</a:t>
-            </a:r>
-          </a:p>
-          <a:p>
-            <a:pPr marL="0" indent="0">
-              <a:buNone/>
-            </a:pPr>
-            <a:endParaRPr lang="en-US" sz="2200" dirty="0"/>
-          </a:p>
-          <a:p>
-            <a:pPr marL="0" indent="0">
-              <a:buNone/>
-            </a:pPr>
-            <a:r>
-              <a:rPr lang="en-US" sz="2200" dirty="0"/>
-              <a:t>     </a:t>
-            </a:r>
-            <a:r>
-              <a:rPr lang="en-US" sz="2200" dirty="0" err="1"/>
-              <a:t>int</a:t>
-            </a:r>
-            <a:r>
-              <a:rPr lang="en-US" sz="2200" dirty="0"/>
-              <a:t> round = 1; </a:t>
-            </a:r>
-            <a:r>
-              <a:rPr lang="en-US" sz="2200" dirty="0">
-                <a:solidFill>
-                  <a:srgbClr val="00B050"/>
-                </a:solidFill>
-              </a:rPr>
-              <a:t>//Record time to start race.</a:t>
-            </a:r>
-          </a:p>
-          <a:p>
-            <a:pPr marL="0" indent="0">
-              <a:buNone/>
-            </a:pPr>
-            <a:r>
-              <a:rPr lang="en-US" sz="2200" dirty="0"/>
-              <a:t>     as long as neither hare nor tortoise reaches </a:t>
-            </a:r>
-            <a:r>
-              <a:rPr lang="en-US" sz="2200" dirty="0" err="1"/>
-              <a:t>endline</a:t>
-            </a:r>
-            <a:endParaRPr lang="en-US" sz="2200" dirty="0"/>
-          </a:p>
-          <a:p>
-            <a:pPr marL="0" indent="0">
-              <a:buNone/>
-            </a:pPr>
-            <a:r>
-              <a:rPr lang="en-US" sz="2200" dirty="0"/>
-              <a:t>          </a:t>
-            </a:r>
-            <a:r>
-              <a:rPr lang="en-US" sz="2200" dirty="0">
-                <a:solidFill>
-                  <a:srgbClr val="7030A0"/>
-                </a:solidFill>
-              </a:rPr>
-              <a:t>move hare </a:t>
-            </a:r>
-          </a:p>
-          <a:p>
-            <a:pPr marL="0" indent="0">
-              <a:buNone/>
-            </a:pPr>
-            <a:r>
-              <a:rPr lang="en-US" sz="2200" dirty="0">
-                <a:solidFill>
-                  <a:srgbClr val="7030A0"/>
-                </a:solidFill>
-              </a:rPr>
-              <a:t>          move tortoise </a:t>
-            </a:r>
-          </a:p>
-          <a:p>
-            <a:pPr marL="0" indent="0">
-              <a:buNone/>
-            </a:pPr>
-            <a:r>
-              <a:rPr lang="en-US" sz="2200" dirty="0"/>
-              <a:t>          </a:t>
-            </a:r>
-            <a:r>
-              <a:rPr lang="en-US" sz="2200" dirty="0">
+              <a:rPr lang="en-US" sz="2800" dirty="0">
+                <a:solidFill>
+                  <a:srgbClr val="3333FF"/>
+                </a:solidFill>
+              </a:rPr>
+              <a:t>//Suppose the first block starts from zero.</a:t>
+            </a:r>
+            <a:endParaRPr lang="en-US" sz="2800" dirty="0">
+              <a:solidFill>
+                <a:srgbClr val="3366FF"/>
+              </a:solidFill>
+            </a:endParaRPr>
+          </a:p>
+          <a:p>
+            <a:pPr marL="0" indent="0">
+              <a:buNone/>
+            </a:pPr>
+            <a:r>
+              <a:rPr lang="en-US" sz="2800" dirty="0">
+                <a:solidFill>
+                  <a:srgbClr val="3333FF"/>
+                </a:solidFill>
+              </a:rPr>
+              <a:t>//Get the last block of the road.</a:t>
+            </a:r>
+          </a:p>
+          <a:p>
+            <a:pPr marL="0" indent="0">
+              <a:buNone/>
+            </a:pPr>
+            <a:r>
+              <a:rPr lang="en-US" sz="2800" dirty="0"/>
+              <a:t>int Road::</a:t>
+            </a:r>
+            <a:r>
+              <a:rPr lang="en-US" sz="2800" dirty="0" err="1"/>
+              <a:t>getLastBlock</a:t>
+            </a:r>
+            <a:r>
+              <a:rPr lang="en-US" sz="2800" dirty="0"/>
+              <a:t>(){</a:t>
+            </a:r>
+          </a:p>
+          <a:p>
+            <a:pPr marL="0" indent="0">
+              <a:buNone/>
+            </a:pPr>
+            <a:r>
+              <a:rPr lang="en-US" sz="2800" dirty="0"/>
+              <a:t>      </a:t>
+            </a:r>
+            <a:r>
+              <a:rPr lang="en-US" sz="2800" dirty="0">
                 <a:solidFill>
                   <a:srgbClr val="FF0000"/>
                 </a:solidFill>
               </a:rPr>
-              <a:t>adjust hare’s position if it is too left or too right.</a:t>
-            </a:r>
-          </a:p>
-          <a:p>
-            <a:pPr marL="0" indent="0">
-              <a:buNone/>
-            </a:pPr>
-            <a:r>
-              <a:rPr lang="en-US" sz="2200" dirty="0">
+              <a:t>//Your code goes here.</a:t>
+            </a:r>
+          </a:p>
+          <a:p>
+            <a:pPr marL="0" indent="0">
+              <a:buNone/>
+            </a:pPr>
+            <a:r>
+              <a:rPr lang="en-US" sz="2800" dirty="0"/>
+              <a:t>}</a:t>
+            </a:r>
+          </a:p>
+          <a:p>
+            <a:pPr marL="0" indent="0">
+              <a:buNone/>
+            </a:pPr>
+            <a:endParaRPr lang="en-US" sz="2800" dirty="0"/>
+          </a:p>
+          <a:p>
+            <a:pPr marL="0" indent="0">
+              <a:buNone/>
+            </a:pPr>
+            <a:r>
+              <a:rPr lang="en-US" sz="2800" dirty="0">
+                <a:solidFill>
+                  <a:srgbClr val="3333FF"/>
+                </a:solidFill>
+              </a:rPr>
+              <a:t>//Put </a:t>
+            </a:r>
+            <a:r>
+              <a:rPr lang="en-US" sz="2800" dirty="0" err="1">
+                <a:solidFill>
+                  <a:srgbClr val="3333FF"/>
+                </a:solidFill>
+              </a:rPr>
+              <a:t>ch</a:t>
+            </a:r>
+            <a:r>
+              <a:rPr lang="en-US" sz="2800" dirty="0">
+                <a:solidFill>
+                  <a:srgbClr val="3333FF"/>
+                </a:solidFill>
+              </a:rPr>
+              <a:t> into position (representing index) of array blocks.</a:t>
+            </a:r>
+          </a:p>
+          <a:p>
+            <a:pPr marL="0" indent="0">
+              <a:buNone/>
+            </a:pPr>
+            <a:r>
+              <a:rPr lang="en-US" sz="2800" dirty="0"/>
+              <a:t>void Road::mark(int position, char </a:t>
+            </a:r>
+            <a:r>
+              <a:rPr lang="en-US" sz="2800" dirty="0" err="1"/>
+              <a:t>ch</a:t>
+            </a:r>
+            <a:r>
+              <a:rPr lang="en-US" sz="2800" dirty="0"/>
+              <a:t>){</a:t>
+            </a:r>
+          </a:p>
+          <a:p>
+            <a:pPr marL="0" indent="0">
+              <a:buNone/>
+            </a:pPr>
+            <a:r>
+              <a:rPr lang="en-US" sz="2800" dirty="0"/>
+              <a:t>         </a:t>
+            </a:r>
+            <a:r>
+              <a:rPr lang="en-US" sz="2800" dirty="0">
                 <a:solidFill>
                   <a:srgbClr val="FF0000"/>
                 </a:solidFill>
               </a:rPr>
-              <a:t>          adjust tor’s position if it is too left or too right.</a:t>
-            </a:r>
-          </a:p>
-          <a:p>
-            <a:pPr marL="0" indent="0">
-              <a:buNone/>
-            </a:pPr>
-            <a:r>
-              <a:rPr lang="en-US" sz="2200" dirty="0"/>
-              <a:t>          </a:t>
-            </a:r>
-            <a:r>
-              <a:rPr lang="en-US" sz="2200" dirty="0">
-                <a:solidFill>
-                  <a:srgbClr val="3333FF"/>
-                </a:solidFill>
-              </a:rPr>
-              <a:t>Mark the road squares where hare and tor reach.</a:t>
-            </a:r>
-          </a:p>
-          <a:p>
-            <a:pPr marL="0" indent="0">
-              <a:buNone/>
-            </a:pPr>
-            <a:r>
-              <a:rPr lang="en-US" sz="2200" dirty="0"/>
-              <a:t>          </a:t>
-            </a:r>
-            <a:r>
-              <a:rPr lang="en-US" sz="2200" dirty="0">
-                <a:solidFill>
-                  <a:schemeClr val="accent5">
-                    <a:lumMod val="75000"/>
-                  </a:schemeClr>
-                </a:solidFill>
-              </a:rPr>
-              <a:t>Print </a:t>
-            </a:r>
-            <a:r>
-              <a:rPr lang="en-US" sz="2200">
-                <a:solidFill>
-                  <a:schemeClr val="accent5">
-                    <a:lumMod val="75000"/>
-                  </a:schemeClr>
-                </a:solidFill>
-              </a:rPr>
-              <a:t>out round, </a:t>
-            </a:r>
-            <a:r>
-              <a:rPr lang="en-US" sz="2200" dirty="0">
-                <a:solidFill>
-                  <a:schemeClr val="accent5">
-                    <a:lumMod val="75000"/>
-                  </a:schemeClr>
-                </a:solidFill>
-              </a:rPr>
-              <a:t>then road as a string.</a:t>
-            </a:r>
-          </a:p>
-          <a:p>
-            <a:pPr marL="0" indent="0">
-              <a:buNone/>
-            </a:pPr>
-            <a:r>
-              <a:rPr lang="en-US" sz="2200" dirty="0"/>
-              <a:t>          </a:t>
-            </a:r>
-            <a:r>
-              <a:rPr lang="en-US" sz="2200" dirty="0">
-                <a:solidFill>
-                  <a:srgbClr val="CC00FF"/>
-                </a:solidFill>
-              </a:rPr>
-              <a:t>Clear road before animals prepare for the next round.</a:t>
+              <a:t>//Your code goes here.</a:t>
+            </a:r>
+          </a:p>
+          <a:p>
+            <a:pPr marL="0" indent="0">
+              <a:buNone/>
+            </a:pPr>
+            <a:r>
+              <a:rPr lang="en-US" sz="2800" dirty="0"/>
+              <a:t>}</a:t>
             </a:r>
           </a:p>
         </p:txBody>
@@ -5020,7 +4577,7 @@
     </p:spTree>
     <p:extLst>
       <p:ext uri="{BB962C8B-B14F-4D97-AF65-F5344CB8AC3E}">
-        <p14:creationId xmlns:p14="http://schemas.microsoft.com/office/powerpoint/2010/main" val="4206489617"/>
+        <p14:creationId xmlns:p14="http://schemas.microsoft.com/office/powerpoint/2010/main" val="1728149069"/>
       </p:ext>
     </p:extLst>
   </p:cSld>
@@ -5064,7 +4621,7 @@
           <a:p>
             <a:r>
               <a:rPr lang="en-US" dirty="0"/>
-              <a:t>Class Competition -- III</a:t>
+              <a:t>Class road: IV</a:t>
             </a:r>
           </a:p>
         </p:txBody>
@@ -5081,13 +4638,13 @@
         </p:nvSpPr>
         <p:spPr>
           <a:xfrm>
-            <a:off x="457200" y="1447800"/>
-            <a:ext cx="8229600" cy="4678363"/>
+            <a:off x="457200" y="1219200"/>
+            <a:ext cx="8229600" cy="5105400"/>
           </a:xfrm>
         </p:spPr>
         <p:txBody>
           <a:bodyPr>
-            <a:normAutofit/>
+            <a:noAutofit/>
           </a:bodyPr>
           <a:lstStyle/>
           <a:p>
@@ -5095,132 +4652,87 @@
               <a:buNone/>
             </a:pPr>
             <a:r>
-              <a:rPr lang="en-US" dirty="0">
-                <a:solidFill>
-                  <a:srgbClr val="00B050"/>
-                </a:solidFill>
-              </a:rPr>
-              <a:t>//Once at least one of hare and tortoise //reaches the </a:t>
-            </a:r>
-            <a:r>
-              <a:rPr lang="en-US" dirty="0" err="1">
-                <a:solidFill>
-                  <a:srgbClr val="00B050"/>
-                </a:solidFill>
-              </a:rPr>
-              <a:t>endline</a:t>
-            </a:r>
-            <a:r>
-              <a:rPr lang="en-US" dirty="0">
-                <a:solidFill>
-                  <a:srgbClr val="00B050"/>
-                </a:solidFill>
-              </a:rPr>
-              <a:t>, report the result.</a:t>
-            </a:r>
-          </a:p>
-          <a:p>
-            <a:pPr marL="0" indent="0">
-              <a:buNone/>
-            </a:pPr>
-            <a:r>
-              <a:rPr lang="en-US" dirty="0"/>
-              <a:t>if both animals reaches the </a:t>
-            </a:r>
-            <a:r>
-              <a:rPr lang="en-US" dirty="0" err="1"/>
-              <a:t>endline</a:t>
-            </a:r>
-            <a:endParaRPr lang="en-US" dirty="0"/>
-          </a:p>
-          <a:p>
-            <a:pPr marL="0" indent="0">
-              <a:buNone/>
-            </a:pPr>
-            <a:r>
-              <a:rPr lang="en-US" dirty="0"/>
-              <a:t>    print out </a:t>
-            </a:r>
-            <a:r>
-              <a:rPr lang="en-US" dirty="0">
-                <a:solidFill>
-                  <a:srgbClr val="00B0F0"/>
-                </a:solidFill>
-              </a:rPr>
-              <a:t>“It is a tie.”</a:t>
-            </a:r>
-          </a:p>
-          <a:p>
-            <a:pPr marL="0" indent="0">
-              <a:buNone/>
-            </a:pPr>
-            <a:r>
-              <a:rPr lang="en-US" dirty="0"/>
-              <a:t>else if hare reaches the </a:t>
-            </a:r>
-            <a:r>
-              <a:rPr lang="en-US" dirty="0" err="1"/>
-              <a:t>endline</a:t>
-            </a:r>
-            <a:endParaRPr lang="en-US" dirty="0"/>
-          </a:p>
-          <a:p>
-            <a:pPr marL="0" indent="0">
-              <a:buNone/>
-            </a:pPr>
-            <a:r>
-              <a:rPr lang="en-US" dirty="0"/>
-              <a:t>            print out </a:t>
-            </a:r>
-            <a:r>
-              <a:rPr lang="en-US" dirty="0">
-                <a:solidFill>
-                  <a:srgbClr val="7030A0"/>
-                </a:solidFill>
-              </a:rPr>
-              <a:t>“Hare wins. Yuck.”</a:t>
-            </a:r>
-          </a:p>
-          <a:p>
-            <a:pPr marL="0" indent="0">
-              <a:buNone/>
-            </a:pPr>
-            <a:r>
-              <a:rPr lang="en-US" dirty="0"/>
-              <a:t>        else print out </a:t>
-            </a:r>
-            <a:r>
-              <a:rPr lang="en-US" dirty="0">
-                <a:solidFill>
-                  <a:srgbClr val="FF0000"/>
-                </a:solidFill>
-              </a:rPr>
-              <a:t>“Tortoise wins. Yay!!!”</a:t>
-            </a:r>
-          </a:p>
-          <a:p>
-            <a:pPr marL="0" indent="0">
-              <a:buNone/>
-            </a:pPr>
-            <a:r>
-              <a:rPr lang="en-US" dirty="0"/>
-              <a:t>} </a:t>
-            </a:r>
-            <a:r>
-              <a:rPr lang="en-US" dirty="0">
-                <a:solidFill>
-                  <a:srgbClr val="00B050"/>
-                </a:solidFill>
-              </a:rPr>
-              <a:t>//end of method start</a:t>
-            </a:r>
+              <a:rPr lang="en-US" sz="2800" dirty="0">
+                <a:solidFill>
+                  <a:srgbClr val="3333FF"/>
+                </a:solidFill>
+              </a:rPr>
+              <a:t>//Return a char array to represent the contents of //blocks of the road object.</a:t>
+            </a:r>
+          </a:p>
+          <a:p>
+            <a:pPr marL="0" indent="0">
+              <a:buNone/>
+            </a:pPr>
+            <a:r>
+              <a:rPr lang="en-US" sz="2800" dirty="0">
+                <a:solidFill>
+                  <a:srgbClr val="CC00FF"/>
+                </a:solidFill>
+              </a:rPr>
+              <a:t>char* </a:t>
+            </a:r>
+            <a:r>
+              <a:rPr lang="en-US" sz="2800" dirty="0"/>
+              <a:t>Road::</a:t>
+            </a:r>
+            <a:r>
+              <a:rPr lang="en-US" sz="2800" dirty="0" err="1"/>
+              <a:t>toString</a:t>
+            </a:r>
+            <a:r>
+              <a:rPr lang="en-US" sz="2800" dirty="0"/>
+              <a:t>() </a:t>
+            </a:r>
+            <a:r>
+              <a:rPr lang="en-US" sz="2800" dirty="0">
+                <a:solidFill>
+                  <a:srgbClr val="CC00FF"/>
+                </a:solidFill>
+              </a:rPr>
+              <a:t>const</a:t>
+            </a:r>
+            <a:r>
+              <a:rPr lang="en-US" sz="2800" dirty="0"/>
+              <a:t> {</a:t>
+            </a:r>
+          </a:p>
+          <a:p>
+            <a:pPr marL="0" indent="0">
+              <a:buNone/>
+            </a:pPr>
+            <a:r>
+              <a:rPr lang="en-US" sz="2800" dirty="0"/>
+              <a:t>            …</a:t>
+            </a:r>
+          </a:p>
+          <a:p>
+            <a:pPr marL="0" indent="0">
+              <a:buNone/>
+            </a:pPr>
+            <a:r>
+              <a:rPr lang="en-US" sz="2800" dirty="0"/>
+              <a:t>}</a:t>
+            </a:r>
+          </a:p>
+          <a:p>
+            <a:pPr marL="0" indent="0">
+              <a:buNone/>
+            </a:pPr>
+            <a:endParaRPr lang="en-US" sz="2800" dirty="0"/>
+          </a:p>
+          <a:p>
+            <a:pPr marL="0" indent="0">
+              <a:buNone/>
+            </a:pPr>
+            <a:endParaRPr lang="en-US" sz="2000" dirty="0"/>
           </a:p>
         </p:txBody>
       </p:sp>
     </p:spTree>
     <p:extLst>
       <p:ext uri="{BB962C8B-B14F-4D97-AF65-F5344CB8AC3E}">
-        <p14:creationId xmlns:p14="http://schemas.microsoft.com/office/powerpoint/2010/main" val="4260771423"/>
+        <p14:creationId xmlns:p14="http://schemas.microsoft.com/office/powerpoint/2010/main" val="4052496581"/>
       </p:ext>
     </p:extLst>
   </p:cSld>
@@ -5257,36 +4769,34 @@
             <p:ph type="title"/>
           </p:nvPr>
         </p:nvSpPr>
+        <p:spPr/>
+        <p:txBody>
+          <a:bodyPr/>
+          <a:lstStyle/>
+          <a:p>
+            <a:r>
+              <a:rPr lang="en-US" dirty="0"/>
+              <a:t>Class Competition</a:t>
+            </a:r>
+          </a:p>
+        </p:txBody>
+      </p:sp>
+      <p:sp>
+        <p:nvSpPr>
+          <p:cNvPr id="3" name="Content Placeholder 2"/>
+          <p:cNvSpPr>
+            <a:spLocks noGrp="1"/>
+          </p:cNvSpPr>
+          <p:nvPr>
+            <p:ph idx="1"/>
+          </p:nvPr>
+        </p:nvSpPr>
         <p:spPr>
           <a:xfrm>
-            <a:off x="304800" y="274638"/>
-            <a:ext cx="8534400" cy="1143000"/>
+            <a:off x="457200" y="1447800"/>
+            <a:ext cx="8229600" cy="4678363"/>
           </a:xfrm>
         </p:spPr>
-        <p:txBody>
-          <a:bodyPr>
-            <a:noAutofit/>
-          </a:bodyPr>
-          <a:lstStyle/>
-          <a:p>
-            <a:r>
-              <a:rPr lang="en-US" sz="4000" dirty="0"/>
-              <a:t>Client of Competition – string things up</a:t>
-            </a:r>
-          </a:p>
-        </p:txBody>
-      </p:sp>
-      <p:sp>
-        <p:nvSpPr>
-          <p:cNvPr id="3" name="Content Placeholder 2"/>
-          <p:cNvSpPr>
-            <a:spLocks noGrp="1"/>
-          </p:cNvSpPr>
-          <p:nvPr>
-            <p:ph idx="1"/>
-          </p:nvPr>
-        </p:nvSpPr>
-        <p:spPr/>
         <p:txBody>
           <a:bodyPr>
             <a:normAutofit/>
@@ -5297,97 +4807,35 @@
               <a:buNone/>
             </a:pPr>
             <a:r>
-              <a:rPr lang="en-US" dirty="0">
-                <a:solidFill>
-                  <a:srgbClr val="CC00FF"/>
-                </a:solidFill>
-              </a:rPr>
-              <a:t>public</a:t>
-            </a:r>
-            <a:r>
-              <a:rPr lang="en-US" dirty="0"/>
-              <a:t> class </a:t>
-            </a:r>
-            <a:r>
-              <a:rPr lang="en-US" dirty="0" err="1"/>
-              <a:t>CompetitionClient</a:t>
-            </a:r>
-            <a:r>
-              <a:rPr lang="en-US" dirty="0"/>
-              <a:t> {</a:t>
-            </a:r>
-          </a:p>
-          <a:p>
-            <a:pPr marL="0" indent="0">
-              <a:buNone/>
-            </a:pPr>
-            <a:r>
-              <a:rPr lang="en-US" dirty="0"/>
-              <a:t>      </a:t>
-            </a:r>
-            <a:r>
-              <a:rPr lang="en-US" dirty="0">
-                <a:solidFill>
-                  <a:srgbClr val="CC00FF"/>
-                </a:solidFill>
-              </a:rPr>
-              <a:t>public</a:t>
-            </a:r>
-            <a:r>
-              <a:rPr lang="en-US" dirty="0"/>
-              <a:t> static void main(String[] </a:t>
-            </a:r>
-            <a:r>
-              <a:rPr lang="en-US" dirty="0" err="1"/>
-              <a:t>args</a:t>
-            </a:r>
-            <a:r>
-              <a:rPr lang="en-US" dirty="0"/>
-              <a:t>) {</a:t>
-            </a:r>
-          </a:p>
-          <a:p>
-            <a:pPr marL="0" indent="0">
-              <a:buNone/>
-            </a:pPr>
-            <a:r>
-              <a:rPr lang="en-US" dirty="0"/>
-              <a:t>            Competition race = new Competition();</a:t>
-            </a:r>
-          </a:p>
-          <a:p>
-            <a:pPr marL="0" indent="0">
-              <a:buNone/>
-            </a:pPr>
-            <a:r>
-              <a:rPr lang="en-US" dirty="0"/>
-              <a:t>            </a:t>
-            </a:r>
-            <a:r>
-              <a:rPr lang="en-US" dirty="0" err="1"/>
-              <a:t>race.start</a:t>
-            </a:r>
-            <a:r>
-              <a:rPr lang="en-US" dirty="0"/>
-              <a:t>();</a:t>
-            </a:r>
-          </a:p>
-          <a:p>
-            <a:pPr marL="0" indent="0">
-              <a:buNone/>
-            </a:pPr>
-            <a:r>
-              <a:rPr lang="en-US" dirty="0"/>
-              <a:t>      }</a:t>
-            </a:r>
-          </a:p>
-          <a:p>
-            <a:pPr marL="0" indent="0">
-              <a:buNone/>
-            </a:pPr>
-            <a:r>
-              <a:rPr lang="en-US" dirty="0"/>
-              <a:t>}</a:t>
+              <a:rPr lang="en-US" dirty="0"/>
+              <a:t>Data members</a:t>
+            </a:r>
+          </a:p>
+          <a:p>
+            <a:pPr marL="0" indent="0">
+              <a:buNone/>
+            </a:pPr>
+            <a:r>
+              <a:rPr lang="en-US" dirty="0"/>
+              <a:t>Constructors</a:t>
+            </a:r>
+          </a:p>
+          <a:p>
+            <a:pPr marL="0" indent="0">
+              <a:buNone/>
+            </a:pPr>
+            <a:r>
+              <a:rPr lang="en-US" dirty="0"/>
+              <a:t>Destructor</a:t>
+            </a:r>
+          </a:p>
+          <a:p>
+            <a:pPr marL="0" indent="0">
+              <a:buNone/>
+            </a:pPr>
+            <a:r>
+              <a:rPr lang="en-US" dirty="0"/>
+              <a:t>Operations</a:t>
             </a:r>
           </a:p>
         </p:txBody>
@@ -5395,7 +4843,7 @@
     </p:spTree>
     <p:extLst>
       <p:ext uri="{BB962C8B-B14F-4D97-AF65-F5344CB8AC3E}">
-        <p14:creationId xmlns:p14="http://schemas.microsoft.com/office/powerpoint/2010/main" val="1087920920"/>
+        <p14:creationId xmlns:p14="http://schemas.microsoft.com/office/powerpoint/2010/main" val="97664076"/>
       </p:ext>
     </p:extLst>
   </p:cSld>
@@ -5504,7 +4952,7 @@
             <a:pPr lvl="1"/>
             <a:r>
               <a:rPr lang="en-US" dirty="0" err="1"/>
-              <a:t>CompetitionClient</a:t>
+              <a:t>RunCompetition</a:t>
             </a:r>
             <a:r>
               <a:rPr lang="en-US" dirty="0"/>
@@ -5555,159 +5003,247 @@
         </p:nvSpPr>
         <p:spPr/>
         <p:txBody>
+          <a:bodyPr/>
+          <a:lstStyle/>
+          <a:p>
+            <a:r>
+              <a:rPr lang="en-US" dirty="0"/>
+              <a:t>Class Competition - II</a:t>
+            </a:r>
+          </a:p>
+        </p:txBody>
+      </p:sp>
+      <p:sp>
+        <p:nvSpPr>
+          <p:cNvPr id="3" name="Content Placeholder 2"/>
+          <p:cNvSpPr>
+            <a:spLocks noGrp="1"/>
+          </p:cNvSpPr>
+          <p:nvPr>
+            <p:ph idx="1"/>
+          </p:nvPr>
+        </p:nvSpPr>
+        <p:spPr>
+          <a:xfrm>
+            <a:off x="457200" y="1219200"/>
+            <a:ext cx="8229600" cy="5181600"/>
+          </a:xfrm>
+        </p:spPr>
+        <p:txBody>
           <a:bodyPr>
-            <a:normAutofit fontScale="90000"/>
+            <a:noAutofit/>
           </a:bodyPr>
           <a:lstStyle/>
           <a:p>
-            <a:r>
-              <a:rPr lang="en-US" dirty="0"/>
-              <a:t>Sample output for a road of 10 blocks</a:t>
-            </a:r>
-          </a:p>
-        </p:txBody>
-      </p:sp>
-      <p:sp>
-        <p:nvSpPr>
-          <p:cNvPr id="3" name="Content Placeholder 2"/>
-          <p:cNvSpPr>
-            <a:spLocks noGrp="1"/>
-          </p:cNvSpPr>
-          <p:nvPr>
-            <p:ph idx="1"/>
-          </p:nvPr>
-        </p:nvSpPr>
-        <p:spPr>
-          <a:xfrm>
-            <a:off x="457200" y="1600200"/>
-            <a:ext cx="8229600" cy="4724400"/>
-          </a:xfrm>
-        </p:spPr>
-        <p:txBody>
-          <a:bodyPr>
-            <a:normAutofit lnSpcReduction="10000"/>
-          </a:bodyPr>
-          <a:lstStyle/>
-          <a:p>
-            <a:pPr marL="0" indent="0">
-              <a:buNone/>
-            </a:pPr>
-            <a:r>
-              <a:rPr lang="is-IS" sz="2200" dirty="0"/>
-              <a:t>   1:   T       </a:t>
-            </a:r>
-          </a:p>
-          <a:p>
-            <a:pPr marL="0" indent="0">
-              <a:buNone/>
-            </a:pPr>
-            <a:r>
-              <a:rPr lang="is-IS" sz="2200" dirty="0"/>
-              <a:t>Ouch, tortoise bites hare.</a:t>
-            </a:r>
-          </a:p>
-          <a:p>
-            <a:pPr marL="0" indent="0">
-              <a:buNone/>
-            </a:pPr>
-            <a:r>
-              <a:rPr lang="is-IS" sz="2200" dirty="0"/>
-              <a:t>   2:  H   T    </a:t>
-            </a:r>
-          </a:p>
-          <a:p>
-            <a:pPr marL="0" indent="0">
-              <a:buNone/>
-            </a:pPr>
-            <a:r>
-              <a:rPr lang="is-IS" sz="2200" dirty="0"/>
-              <a:t>   3: H      T  </a:t>
-            </a:r>
-          </a:p>
-          <a:p>
-            <a:pPr marL="0" indent="0">
-              <a:buNone/>
-            </a:pPr>
-            <a:r>
-              <a:rPr lang="is-IS" sz="2200" dirty="0"/>
-              <a:t>   4:    T      </a:t>
-            </a:r>
-          </a:p>
-          <a:p>
-            <a:pPr marL="0" indent="0">
-              <a:buNone/>
-            </a:pPr>
-            <a:r>
-              <a:rPr lang="is-IS" sz="2200" dirty="0"/>
-              <a:t>Ouch, tortoise bites hare.</a:t>
-            </a:r>
-          </a:p>
-          <a:p>
-            <a:pPr marL="0" indent="0">
-              <a:buNone/>
-            </a:pPr>
-            <a:r>
-              <a:rPr lang="is-IS" sz="2200" dirty="0"/>
-              <a:t>   5: T    H    </a:t>
-            </a:r>
-          </a:p>
-          <a:p>
-            <a:pPr marL="0" indent="0">
-              <a:buNone/>
-            </a:pPr>
-            <a:r>
-              <a:rPr lang="is-IS" sz="2200" dirty="0"/>
-              <a:t>   6:   T H     </a:t>
-            </a:r>
-          </a:p>
-          <a:p>
-            <a:pPr marL="0" indent="0">
-              <a:buNone/>
-            </a:pPr>
-            <a:r>
-              <a:rPr lang="is-IS" sz="2200" dirty="0"/>
-              <a:t>   7:   H  T    </a:t>
-            </a:r>
-          </a:p>
-          <a:p>
-            <a:pPr marL="0" indent="0">
-              <a:buNone/>
-            </a:pPr>
-            <a:r>
-              <a:rPr lang="is-IS" sz="2200" dirty="0"/>
-              <a:t>   8:  H     T  </a:t>
-            </a:r>
-          </a:p>
-          <a:p>
-            <a:pPr marL="0" indent="0">
-              <a:buNone/>
-            </a:pPr>
-            <a:r>
-              <a:rPr lang="is-IS" sz="2200" dirty="0"/>
-              <a:t>   9: H        T</a:t>
-            </a:r>
-          </a:p>
-          <a:p>
-            <a:pPr marL="0" indent="0">
-              <a:buNone/>
-            </a:pPr>
-            <a:r>
-              <a:rPr lang="is-IS" sz="2200" dirty="0"/>
-              <a:t>Tortoise wins. Yay!!!</a:t>
-            </a:r>
-          </a:p>
-          <a:p>
-            <a:pPr marL="0" indent="0">
-              <a:buNone/>
-            </a:pPr>
-            <a:endParaRPr lang="en-US" dirty="0"/>
+            <a:pPr marL="0" indent="0">
+              <a:buNone/>
+            </a:pPr>
+            <a:r>
+              <a:rPr lang="en-US" sz="2200" dirty="0"/>
+              <a:t>void </a:t>
+            </a:r>
+            <a:r>
+              <a:rPr lang="en-US" sz="2200" dirty="0" err="1"/>
+              <a:t>Competiton</a:t>
+            </a:r>
+            <a:r>
+              <a:rPr lang="en-US" sz="2200" dirty="0"/>
+              <a:t>::start() {</a:t>
+            </a:r>
+          </a:p>
+          <a:p>
+            <a:pPr marL="0" indent="0">
+              <a:buNone/>
+            </a:pPr>
+            <a:r>
+              <a:rPr lang="en-US" sz="2200" dirty="0"/>
+              <a:t>     </a:t>
+            </a:r>
+            <a:r>
+              <a:rPr lang="en-US" sz="2200" dirty="0">
+                <a:solidFill>
+                  <a:srgbClr val="3333FF"/>
+                </a:solidFill>
+              </a:rPr>
+              <a:t>//find out last block of the road.</a:t>
+            </a:r>
+          </a:p>
+          <a:p>
+            <a:pPr marL="0" indent="0">
+              <a:buNone/>
+            </a:pPr>
+            <a:r>
+              <a:rPr lang="en-US" sz="2200" dirty="0"/>
+              <a:t>     int </a:t>
+            </a:r>
+            <a:r>
+              <a:rPr lang="en-US" sz="2200" dirty="0" err="1"/>
+              <a:t>lastBlock</a:t>
+            </a:r>
+            <a:r>
+              <a:rPr lang="en-US" sz="2200" dirty="0"/>
+              <a:t> = …;</a:t>
+            </a:r>
+          </a:p>
+          <a:p>
+            <a:pPr marL="0" indent="0">
+              <a:buNone/>
+            </a:pPr>
+            <a:endParaRPr lang="en-US" sz="2200" dirty="0"/>
+          </a:p>
+          <a:p>
+            <a:pPr marL="0" indent="0">
+              <a:buNone/>
+            </a:pPr>
+            <a:r>
+              <a:rPr lang="en-US" sz="2200" dirty="0"/>
+              <a:t>     </a:t>
+            </a:r>
+            <a:r>
+              <a:rPr lang="en-US" sz="2200" dirty="0" err="1"/>
+              <a:t>int</a:t>
+            </a:r>
+            <a:r>
+              <a:rPr lang="en-US" sz="2200" dirty="0"/>
+              <a:t> round = 1; </a:t>
+            </a:r>
+            <a:r>
+              <a:rPr lang="en-US" sz="2200" dirty="0">
+                <a:solidFill>
+                  <a:srgbClr val="3333FF"/>
+                </a:solidFill>
+              </a:rPr>
+              <a:t>//Record time to start race.</a:t>
+            </a:r>
+          </a:p>
+          <a:p>
+            <a:pPr marL="0" indent="0">
+              <a:buNone/>
+            </a:pPr>
+            <a:r>
+              <a:rPr lang="en-US" sz="2200" dirty="0"/>
+              <a:t>     as long as neither hare nor tortoise reaches the last block</a:t>
+            </a:r>
+          </a:p>
+          <a:p>
+            <a:pPr marL="0" indent="0">
+              <a:buNone/>
+            </a:pPr>
+            <a:r>
+              <a:rPr lang="en-US" sz="2200" dirty="0"/>
+              <a:t>          </a:t>
+            </a:r>
+            <a:r>
+              <a:rPr lang="en-US" sz="2200" dirty="0">
+                <a:solidFill>
+                  <a:srgbClr val="7030A0"/>
+                </a:solidFill>
+              </a:rPr>
+              <a:t>move hare</a:t>
+            </a:r>
+          </a:p>
+          <a:p>
+            <a:pPr marL="0" indent="0">
+              <a:buNone/>
+            </a:pPr>
+            <a:r>
+              <a:rPr lang="en-US" sz="2200" dirty="0">
+                <a:solidFill>
+                  <a:srgbClr val="7030A0"/>
+                </a:solidFill>
+              </a:rPr>
+              <a:t>          move tortoise </a:t>
+            </a:r>
+          </a:p>
+          <a:p>
+            <a:pPr marL="0" indent="0">
+              <a:buNone/>
+            </a:pPr>
+            <a:r>
+              <a:rPr lang="en-US" sz="2200" dirty="0"/>
+              <a:t>          </a:t>
+            </a:r>
+            <a:r>
+              <a:rPr lang="en-US" sz="2200" dirty="0">
+                <a:solidFill>
+                  <a:srgbClr val="FF0000"/>
+                </a:solidFill>
+              </a:rPr>
+              <a:t>adjust hare’s position if it is too left or too right.</a:t>
+            </a:r>
+          </a:p>
+          <a:p>
+            <a:pPr marL="0" indent="0">
+              <a:buNone/>
+            </a:pPr>
+            <a:r>
+              <a:rPr lang="en-US" sz="2200" dirty="0">
+                <a:solidFill>
+                  <a:srgbClr val="FF0000"/>
+                </a:solidFill>
+              </a:rPr>
+              <a:t>          adjust tortoise’s position if it is too left or too right.</a:t>
+            </a:r>
+          </a:p>
+          <a:p>
+            <a:pPr marL="0" indent="0">
+              <a:buNone/>
+            </a:pPr>
+            <a:r>
+              <a:rPr lang="en-US" sz="2200" dirty="0"/>
+              <a:t>          </a:t>
+            </a:r>
+            <a:r>
+              <a:rPr lang="en-US" sz="2200" dirty="0">
+                <a:solidFill>
+                  <a:srgbClr val="3333FF"/>
+                </a:solidFill>
+              </a:rPr>
+              <a:t>Mark road blocks where hare and tor reach.</a:t>
+            </a:r>
+          </a:p>
+          <a:p>
+            <a:pPr marL="0" indent="0">
+              <a:buNone/>
+            </a:pPr>
+            <a:r>
+              <a:rPr lang="en-US" sz="2200" dirty="0"/>
+              <a:t>          </a:t>
+            </a:r>
+            <a:r>
+              <a:rPr lang="en-US" sz="2200" dirty="0">
+                <a:solidFill>
+                  <a:schemeClr val="accent5">
+                    <a:lumMod val="75000"/>
+                  </a:schemeClr>
+                </a:solidFill>
+              </a:rPr>
+              <a:t>Print out round, then print road as a string.</a:t>
+            </a:r>
+          </a:p>
+          <a:p>
+            <a:pPr marL="0" indent="0">
+              <a:buNone/>
+            </a:pPr>
+            <a:r>
+              <a:rPr lang="en-US" sz="2200" dirty="0"/>
+              <a:t>          </a:t>
+            </a:r>
+            <a:r>
+              <a:rPr lang="en-US" sz="2200" dirty="0">
+                <a:solidFill>
+                  <a:srgbClr val="CC00FF"/>
+                </a:solidFill>
+              </a:rPr>
+              <a:t>Clear road to prepare for the next round.</a:t>
+            </a:r>
           </a:p>
         </p:txBody>
       </p:sp>
     </p:spTree>
     <p:extLst>
       <p:ext uri="{BB962C8B-B14F-4D97-AF65-F5344CB8AC3E}">
-        <p14:creationId xmlns:p14="http://schemas.microsoft.com/office/powerpoint/2010/main" val="1305690052"/>
+        <p14:creationId xmlns:p14="http://schemas.microsoft.com/office/powerpoint/2010/main" val="4206489617"/>
       </p:ext>
     </p:extLst>
   </p:cSld>
@@ -5746,132 +5282,152 @@
         </p:nvSpPr>
         <p:spPr/>
         <p:txBody>
+          <a:bodyPr/>
+          <a:lstStyle/>
+          <a:p>
+            <a:r>
+              <a:rPr lang="en-US" dirty="0"/>
+              <a:t>Class Competition -- III</a:t>
+            </a:r>
+          </a:p>
+        </p:txBody>
+      </p:sp>
+      <p:sp>
+        <p:nvSpPr>
+          <p:cNvPr id="3" name="Content Placeholder 2"/>
+          <p:cNvSpPr>
+            <a:spLocks noGrp="1"/>
+          </p:cNvSpPr>
+          <p:nvPr>
+            <p:ph idx="1"/>
+          </p:nvPr>
+        </p:nvSpPr>
+        <p:spPr>
+          <a:xfrm>
+            <a:off x="457200" y="1447800"/>
+            <a:ext cx="8229600" cy="4678363"/>
+          </a:xfrm>
+        </p:spPr>
+        <p:txBody>
           <a:bodyPr>
-            <a:normAutofit fontScale="90000"/>
+            <a:normAutofit/>
           </a:bodyPr>
           <a:lstStyle/>
           <a:p>
-            <a:r>
-              <a:rPr lang="en-US" dirty="0"/>
-              <a:t>Sample output for a road of 10 blocks</a:t>
-            </a:r>
-          </a:p>
-        </p:txBody>
-      </p:sp>
-      <p:sp>
-        <p:nvSpPr>
-          <p:cNvPr id="3" name="Content Placeholder 2"/>
-          <p:cNvSpPr>
-            <a:spLocks noGrp="1"/>
-          </p:cNvSpPr>
-          <p:nvPr>
-            <p:ph idx="1"/>
-          </p:nvPr>
-        </p:nvSpPr>
-        <p:spPr/>
-        <p:txBody>
-          <a:bodyPr>
-            <a:normAutofit lnSpcReduction="10000"/>
-          </a:bodyPr>
-          <a:lstStyle/>
-          <a:p>
-            <a:pPr marL="0" indent="0">
-              <a:buNone/>
-            </a:pPr>
-            <a:r>
-              <a:rPr lang="is-IS" dirty="0"/>
-              <a:t>   1: H T       </a:t>
-            </a:r>
-          </a:p>
-          <a:p>
-            <a:pPr marL="0" indent="0">
-              <a:buNone/>
-            </a:pPr>
-            <a:r>
-              <a:rPr lang="is-IS" dirty="0"/>
-              <a:t>   2: H    T    </a:t>
-            </a:r>
-          </a:p>
-          <a:p>
-            <a:pPr marL="0" indent="0">
-              <a:buNone/>
-            </a:pPr>
-            <a:r>
-              <a:rPr lang="is-IS" dirty="0"/>
-              <a:t>   3: HT        </a:t>
-            </a:r>
-          </a:p>
-          <a:p>
-            <a:pPr marL="0" indent="0">
-              <a:buNone/>
-            </a:pPr>
-            <a:r>
-              <a:rPr lang="is-IS" dirty="0"/>
-              <a:t>   4: T  H      </a:t>
-            </a:r>
-          </a:p>
-          <a:p>
-            <a:pPr marL="0" indent="0">
-              <a:buNone/>
-            </a:pPr>
-            <a:r>
-              <a:rPr lang="is-IS" dirty="0"/>
-              <a:t>   5:   T  H    </a:t>
-            </a:r>
-          </a:p>
-          <a:p>
-            <a:pPr marL="0" indent="0">
-              <a:buNone/>
-            </a:pPr>
-            <a:r>
-              <a:rPr lang="is-IS" dirty="0"/>
-              <a:t>   6:      T  H </a:t>
-            </a:r>
-          </a:p>
-          <a:p>
-            <a:pPr marL="0" indent="0">
-              <a:buNone/>
-            </a:pPr>
-            <a:r>
-              <a:rPr lang="is-IS" dirty="0"/>
-              <a:t>   7:  T       H</a:t>
-            </a:r>
-          </a:p>
-          <a:p>
-            <a:pPr marL="0" indent="0">
-              <a:buNone/>
-            </a:pPr>
-            <a:r>
-              <a:rPr lang="is-IS" dirty="0"/>
-              <a:t>Hare wins. Yuck.</a:t>
-            </a:r>
-          </a:p>
-          <a:p>
-            <a:pPr marL="0" marR="0" lvl="0" indent="0" defTabSz="914400" eaLnBrk="1" fontAlgn="auto" latinLnBrk="0" hangingPunct="1">
-              <a:lnSpc>
-                <a:spcPct val="100000"/>
-              </a:lnSpc>
-              <a:spcBef>
-                <a:spcPts val="0"/>
-              </a:spcBef>
-              <a:spcAft>
-                <a:spcPts val="0"/>
-              </a:spcAft>
-              <a:buClrTx/>
-              <a:buSzTx/>
-              <a:buFontTx/>
-              <a:buNone/>
-              <a:tabLst/>
-              <a:defRPr/>
-            </a:pPr>
+            <a:pPr marL="0" indent="0">
+              <a:buNone/>
+            </a:pPr>
+            <a:r>
+              <a:rPr lang="en-US" dirty="0">
+                <a:solidFill>
+                  <a:srgbClr val="3333FF"/>
+                </a:solidFill>
+              </a:rPr>
+              <a:t>//Once at least one of hare and tortoise //reaches the last block, report the result.</a:t>
+            </a:r>
+          </a:p>
+          <a:p>
+            <a:pPr marL="0" indent="0">
+              <a:buNone/>
+            </a:pPr>
+            <a:r>
+              <a:rPr lang="en-US" dirty="0"/>
+              <a:t>if both animals reaches the </a:t>
+            </a:r>
+            <a:r>
+              <a:rPr lang="en-US" dirty="0" err="1"/>
+              <a:t>endline</a:t>
+            </a:r>
             <a:endParaRPr lang="en-US" dirty="0"/>
+          </a:p>
+          <a:p>
+            <a:pPr marL="0" indent="0">
+              <a:buNone/>
+            </a:pPr>
+            <a:r>
+              <a:rPr lang="en-US" dirty="0"/>
+              <a:t>    print out </a:t>
+            </a:r>
+            <a:r>
+              <a:rPr lang="en-US" dirty="0">
+                <a:solidFill>
+                  <a:srgbClr val="00B0F0"/>
+                </a:solidFill>
+              </a:rPr>
+              <a:t>“It is a tie.”</a:t>
+            </a:r>
+          </a:p>
+          <a:p>
+            <a:pPr marL="0" indent="0">
+              <a:buNone/>
+            </a:pPr>
+            <a:r>
+              <a:rPr lang="en-US" dirty="0"/>
+              <a:t>else if hare reaches the </a:t>
+            </a:r>
+            <a:r>
+              <a:rPr lang="en-US" dirty="0" err="1"/>
+              <a:t>endline</a:t>
+            </a:r>
+            <a:endParaRPr lang="en-US" dirty="0"/>
+          </a:p>
+          <a:p>
+            <a:pPr marL="0" indent="0">
+              <a:buNone/>
+            </a:pPr>
+            <a:r>
+              <a:rPr lang="en-US" dirty="0"/>
+              <a:t>            print out </a:t>
+            </a:r>
+            <a:r>
+              <a:rPr lang="en-US" dirty="0">
+                <a:solidFill>
+                  <a:srgbClr val="7030A0"/>
+                </a:solidFill>
+              </a:rPr>
+              <a:t>“Yuck. Hare wins.”</a:t>
+            </a:r>
+          </a:p>
+          <a:p>
+            <a:pPr marL="0" indent="0">
+              <a:buNone/>
+            </a:pPr>
+            <a:r>
+              <a:rPr lang="en-US" dirty="0"/>
+              <a:t>        else print out </a:t>
+            </a:r>
+            <a:r>
+              <a:rPr lang="en-US" dirty="0">
+                <a:solidFill>
+                  <a:srgbClr val="FF0000"/>
+                </a:solidFill>
+              </a:rPr>
+              <a:t>“Yay!!! Tortoise wins.”</a:t>
+            </a:r>
+          </a:p>
+          <a:p>
+            <a:pPr marL="0" indent="0">
+              <a:buNone/>
+            </a:pPr>
+            <a:r>
+              <a:rPr lang="en-US" dirty="0"/>
+              <a:t>} </a:t>
+            </a:r>
+            <a:r>
+              <a:rPr lang="en-US" dirty="0">
+                <a:solidFill>
+                  <a:srgbClr val="3333FF"/>
+                </a:solidFill>
+              </a:rPr>
+              <a:t>//end of method start</a:t>
+            </a:r>
           </a:p>
         </p:txBody>
       </p:sp>
     </p:spTree>
     <p:extLst>
       <p:ext uri="{BB962C8B-B14F-4D97-AF65-F5344CB8AC3E}">
-        <p14:creationId xmlns:p14="http://schemas.microsoft.com/office/powerpoint/2010/main" val="730274458"/>
+        <p14:creationId xmlns:p14="http://schemas.microsoft.com/office/powerpoint/2010/main" val="4260771423"/>
       </p:ext>
     </p:extLst>
   </p:cSld>
@@ -5908,16 +5464,21 @@
             <p:ph type="title"/>
           </p:nvPr>
         </p:nvSpPr>
-        <p:spPr/>
+        <p:spPr>
+          <a:xfrm>
+            <a:off x="304800" y="274638"/>
+            <a:ext cx="8534400" cy="1143000"/>
+          </a:xfrm>
+        </p:spPr>
         <p:txBody>
           <a:bodyPr>
-            <a:normAutofit fontScale="90000"/>
+            <a:noAutofit/>
           </a:bodyPr>
           <a:lstStyle/>
           <a:p>
             <a:r>
-              <a:rPr lang="en-US" dirty="0"/>
-              <a:t>Sample output of a road of 10 blocks</a:t>
+              <a:rPr lang="en-US" sz="4000" dirty="0"/>
+              <a:t>Client of Competition – string things up</a:t>
             </a:r>
           </a:p>
         </p:txBody>
@@ -5932,10 +5493,15 @@
             <p:ph idx="1"/>
           </p:nvPr>
         </p:nvSpPr>
-        <p:spPr/>
+        <p:spPr>
+          <a:xfrm>
+            <a:off x="457200" y="1295400"/>
+            <a:ext cx="8229600" cy="4830763"/>
+          </a:xfrm>
+        </p:spPr>
         <p:txBody>
           <a:bodyPr>
-            <a:normAutofit fontScale="47500" lnSpcReduction="20000"/>
+            <a:normAutofit fontScale="92500" lnSpcReduction="20000"/>
           </a:bodyPr>
           <a:lstStyle/>
           <a:p>
@@ -5943,170 +5509,110 @@
               <a:buNone/>
             </a:pPr>
             <a:r>
-              <a:rPr lang="is-IS" dirty="0"/>
-              <a:t>   1: H T       </a:t>
-            </a:r>
-          </a:p>
-          <a:p>
-            <a:pPr marL="0" indent="0">
-              <a:buNone/>
-            </a:pPr>
-            <a:r>
-              <a:rPr lang="is-IS" dirty="0"/>
-              <a:t>   2: T H       </a:t>
-            </a:r>
-          </a:p>
-          <a:p>
-            <a:pPr marL="0" indent="0">
-              <a:buNone/>
-            </a:pPr>
-            <a:r>
-              <a:rPr lang="is-IS" dirty="0"/>
-              <a:t>   3: T         </a:t>
-            </a:r>
-          </a:p>
-          <a:p>
-            <a:pPr marL="0" indent="0">
-              <a:buNone/>
-            </a:pPr>
-            <a:r>
-              <a:rPr lang="is-IS" dirty="0"/>
-              <a:t>Ouch, tortoise bites hare.</a:t>
-            </a:r>
-          </a:p>
-          <a:p>
-            <a:pPr marL="0" indent="0">
-              <a:buNone/>
-            </a:pPr>
-            <a:r>
-              <a:rPr lang="is-IS" dirty="0"/>
-              <a:t>   4: H T       </a:t>
-            </a:r>
-          </a:p>
-          <a:p>
-            <a:pPr marL="0" indent="0">
-              <a:buNone/>
-            </a:pPr>
-            <a:r>
-              <a:rPr lang="is-IS" dirty="0"/>
-              <a:t>   5:    H T    </a:t>
-            </a:r>
-          </a:p>
-          <a:p>
-            <a:pPr marL="0" indent="0">
-              <a:buNone/>
-            </a:pPr>
-            <a:r>
-              <a:rPr lang="is-IS" dirty="0"/>
-              <a:t>   6:  TH       </a:t>
-            </a:r>
-          </a:p>
-          <a:p>
-            <a:pPr marL="0" indent="0">
-              <a:buNone/>
-            </a:pPr>
-            <a:r>
-              <a:rPr lang="is-IS" dirty="0"/>
-              <a:t>   7: TH        </a:t>
-            </a:r>
-          </a:p>
-          <a:p>
-            <a:pPr marL="0" indent="0">
-              <a:buNone/>
-            </a:pPr>
-            <a:r>
-              <a:rPr lang="is-IS" dirty="0"/>
-              <a:t>   8:   T H     </a:t>
-            </a:r>
-          </a:p>
-          <a:p>
-            <a:pPr marL="0" indent="0">
-              <a:buNone/>
-            </a:pPr>
-            <a:r>
-              <a:rPr lang="is-IS" dirty="0"/>
-              <a:t>   9:     HT    </a:t>
-            </a:r>
-          </a:p>
-          <a:p>
-            <a:pPr marL="0" indent="0">
-              <a:buNone/>
-            </a:pPr>
-            <a:r>
-              <a:rPr lang="is-IS" dirty="0"/>
-              <a:t>  10:  T     H  </a:t>
-            </a:r>
-          </a:p>
-          <a:p>
-            <a:pPr marL="0" indent="0">
-              <a:buNone/>
-            </a:pPr>
-            <a:r>
-              <a:rPr lang="is-IS" dirty="0"/>
-              <a:t>  11: T     H   </a:t>
-            </a:r>
-          </a:p>
-          <a:p>
-            <a:pPr marL="0" indent="0">
-              <a:buNone/>
-            </a:pPr>
-            <a:r>
-              <a:rPr lang="is-IS" dirty="0"/>
-              <a:t>  12:    T  H   </a:t>
-            </a:r>
-          </a:p>
-          <a:p>
-            <a:pPr marL="0" indent="0">
-              <a:buNone/>
-            </a:pPr>
-            <a:r>
-              <a:rPr lang="is-IS" dirty="0"/>
-              <a:t>  13:      T    </a:t>
-            </a:r>
-          </a:p>
-          <a:p>
-            <a:pPr marL="0" indent="0">
-              <a:buNone/>
-            </a:pPr>
-            <a:r>
-              <a:rPr lang="is-IS" dirty="0"/>
-              <a:t>Ouch, tortoise bites hare.</a:t>
-            </a:r>
-          </a:p>
-          <a:p>
-            <a:pPr marL="0" indent="0">
-              <a:buNone/>
-            </a:pPr>
-            <a:r>
-              <a:rPr lang="is-IS" dirty="0"/>
-              <a:t>  14:        HT </a:t>
-            </a:r>
-          </a:p>
-          <a:p>
-            <a:pPr marL="0" indent="0">
-              <a:buNone/>
-            </a:pPr>
-            <a:r>
-              <a:rPr lang="is-IS" dirty="0"/>
-              <a:t>  15:          T</a:t>
-            </a:r>
-          </a:p>
-          <a:p>
-            <a:pPr marL="0" indent="0">
-              <a:buNone/>
-            </a:pPr>
-            <a:r>
-              <a:rPr lang="is-IS" dirty="0"/>
-              <a:t>Ouch, tortoise bites hare.</a:t>
-            </a:r>
-          </a:p>
-          <a:p>
-            <a:pPr marL="0" indent="0">
-              <a:buNone/>
-            </a:pPr>
-            <a:r>
-              <a:rPr lang="is-IS" dirty="0"/>
-              <a:t>It is a tie.</a:t>
+              <a:rPr lang="en-US" dirty="0"/>
+              <a:t>int main() {</a:t>
+            </a:r>
+          </a:p>
+          <a:p>
+            <a:pPr marL="0" indent="0">
+              <a:buNone/>
+            </a:pPr>
+            <a:r>
+              <a:rPr lang="en-US" dirty="0"/>
+              <a:t>      Competition race;</a:t>
+            </a:r>
+          </a:p>
+          <a:p>
+            <a:pPr marL="0" indent="0">
+              <a:buNone/>
+            </a:pPr>
+            <a:r>
+              <a:rPr lang="en-US" dirty="0"/>
+              <a:t>      </a:t>
+            </a:r>
+            <a:r>
+              <a:rPr lang="en-US" dirty="0" err="1"/>
+              <a:t>race.start</a:t>
+            </a:r>
+            <a:r>
+              <a:rPr lang="en-US" dirty="0"/>
+              <a:t>();</a:t>
+            </a:r>
+          </a:p>
+          <a:p>
+            <a:pPr marL="0" indent="0">
+              <a:buNone/>
+            </a:pPr>
+            <a:endParaRPr lang="en-US" dirty="0"/>
+          </a:p>
+          <a:p>
+            <a:pPr marL="0" indent="0">
+              <a:buNone/>
+            </a:pPr>
+            <a:r>
+              <a:rPr lang="en-US" dirty="0"/>
+              <a:t>      </a:t>
+            </a:r>
+            <a:r>
+              <a:rPr lang="en-US" dirty="0">
+                <a:solidFill>
+                  <a:srgbClr val="3333FF"/>
+                </a:solidFill>
+              </a:rPr>
+              <a:t>//Create a object of Competition</a:t>
+            </a:r>
+          </a:p>
+          <a:p>
+            <a:pPr marL="0" indent="0">
+              <a:buNone/>
+            </a:pPr>
+            <a:r>
+              <a:rPr lang="en-US" dirty="0">
+                <a:solidFill>
+                  <a:srgbClr val="3333FF"/>
+                </a:solidFill>
+              </a:rPr>
+              <a:t>      //using non-default constructor.</a:t>
+            </a:r>
+          </a:p>
+          <a:p>
+            <a:pPr marL="0" indent="0">
+              <a:buNone/>
+            </a:pPr>
+            <a:r>
+              <a:rPr lang="en-US" dirty="0">
+                <a:solidFill>
+                  <a:srgbClr val="3333FF"/>
+                </a:solidFill>
+              </a:rPr>
+              <a:t>      //Call start method from this object.</a:t>
+            </a:r>
+          </a:p>
+          <a:p>
+            <a:pPr marL="0" indent="0">
+              <a:buNone/>
+            </a:pPr>
+            <a:r>
+              <a:rPr lang="en-US" dirty="0"/>
+              <a:t>      </a:t>
+            </a:r>
+          </a:p>
+          <a:p>
+            <a:pPr marL="0" indent="0">
+              <a:buNone/>
+            </a:pPr>
+            <a:r>
+              <a:rPr lang="en-US" dirty="0"/>
+              <a:t>      return 0;</a:t>
+            </a:r>
+          </a:p>
+          <a:p>
+            <a:pPr marL="0" indent="0">
+              <a:buNone/>
+            </a:pPr>
+            <a:r>
+              <a:rPr lang="en-US" dirty="0"/>
+              <a:t>}</a:t>
             </a:r>
           </a:p>
         </p:txBody>
@@ -6114,7 +5620,7 @@
     </p:spTree>
     <p:extLst>
       <p:ext uri="{BB962C8B-B14F-4D97-AF65-F5344CB8AC3E}">
-        <p14:creationId xmlns:p14="http://schemas.microsoft.com/office/powerpoint/2010/main" val="2024582200"/>
+        <p14:creationId xmlns:p14="http://schemas.microsoft.com/office/powerpoint/2010/main" val="1087920920"/>
       </p:ext>
     </p:extLst>
   </p:cSld>
@@ -6153,6 +5659,604 @@
         </p:nvSpPr>
         <p:spPr/>
         <p:txBody>
+          <a:bodyPr>
+            <a:normAutofit fontScale="90000"/>
+          </a:bodyPr>
+          <a:lstStyle/>
+          <a:p>
+            <a:r>
+              <a:rPr lang="en-US" dirty="0"/>
+              <a:t>Sample output for a road of 10 blocks</a:t>
+            </a:r>
+          </a:p>
+        </p:txBody>
+      </p:sp>
+      <p:sp>
+        <p:nvSpPr>
+          <p:cNvPr id="3" name="Content Placeholder 2"/>
+          <p:cNvSpPr>
+            <a:spLocks noGrp="1"/>
+          </p:cNvSpPr>
+          <p:nvPr>
+            <p:ph idx="1"/>
+          </p:nvPr>
+        </p:nvSpPr>
+        <p:spPr>
+          <a:xfrm>
+            <a:off x="457200" y="1600200"/>
+            <a:ext cx="8229600" cy="4724400"/>
+          </a:xfrm>
+        </p:spPr>
+        <p:txBody>
+          <a:bodyPr>
+            <a:normAutofit lnSpcReduction="10000"/>
+          </a:bodyPr>
+          <a:lstStyle/>
+          <a:p>
+            <a:pPr marL="0" indent="0">
+              <a:buNone/>
+            </a:pPr>
+            <a:r>
+              <a:rPr lang="is-IS" sz="2200" dirty="0"/>
+              <a:t>   1:   T       </a:t>
+            </a:r>
+          </a:p>
+          <a:p>
+            <a:pPr marL="0" indent="0">
+              <a:buNone/>
+            </a:pPr>
+            <a:r>
+              <a:rPr lang="is-IS" sz="2200" dirty="0"/>
+              <a:t>Ouch, tortoise bites hare.</a:t>
+            </a:r>
+          </a:p>
+          <a:p>
+            <a:pPr marL="0" indent="0">
+              <a:buNone/>
+            </a:pPr>
+            <a:r>
+              <a:rPr lang="is-IS" sz="2200" dirty="0"/>
+              <a:t>   2:  H   T    </a:t>
+            </a:r>
+          </a:p>
+          <a:p>
+            <a:pPr marL="0" indent="0">
+              <a:buNone/>
+            </a:pPr>
+            <a:r>
+              <a:rPr lang="is-IS" sz="2200" dirty="0"/>
+              <a:t>   3: H      T  </a:t>
+            </a:r>
+          </a:p>
+          <a:p>
+            <a:pPr marL="0" indent="0">
+              <a:buNone/>
+            </a:pPr>
+            <a:r>
+              <a:rPr lang="is-IS" sz="2200" dirty="0"/>
+              <a:t>   4:    T      </a:t>
+            </a:r>
+          </a:p>
+          <a:p>
+            <a:pPr marL="0" indent="0">
+              <a:buNone/>
+            </a:pPr>
+            <a:r>
+              <a:rPr lang="is-IS" sz="2200" dirty="0"/>
+              <a:t>Ouch, tortoise bites hare.</a:t>
+            </a:r>
+          </a:p>
+          <a:p>
+            <a:pPr marL="0" indent="0">
+              <a:buNone/>
+            </a:pPr>
+            <a:r>
+              <a:rPr lang="is-IS" sz="2200" dirty="0"/>
+              <a:t>   5: T    H    </a:t>
+            </a:r>
+          </a:p>
+          <a:p>
+            <a:pPr marL="0" indent="0">
+              <a:buNone/>
+            </a:pPr>
+            <a:r>
+              <a:rPr lang="is-IS" sz="2200" dirty="0"/>
+              <a:t>   6:   T H     </a:t>
+            </a:r>
+          </a:p>
+          <a:p>
+            <a:pPr marL="0" indent="0">
+              <a:buNone/>
+            </a:pPr>
+            <a:r>
+              <a:rPr lang="is-IS" sz="2200" dirty="0"/>
+              <a:t>   7:   H  T    </a:t>
+            </a:r>
+          </a:p>
+          <a:p>
+            <a:pPr marL="0" indent="0">
+              <a:buNone/>
+            </a:pPr>
+            <a:r>
+              <a:rPr lang="is-IS" sz="2200" dirty="0"/>
+              <a:t>   8:  H     T  </a:t>
+            </a:r>
+          </a:p>
+          <a:p>
+            <a:pPr marL="0" indent="0">
+              <a:buNone/>
+            </a:pPr>
+            <a:r>
+              <a:rPr lang="is-IS" sz="2200" dirty="0"/>
+              <a:t>   9: H        T</a:t>
+            </a:r>
+          </a:p>
+          <a:p>
+            <a:pPr marL="0" indent="0">
+              <a:buNone/>
+            </a:pPr>
+            <a:r>
+              <a:rPr lang="is-IS" sz="2200" dirty="0"/>
+              <a:t>Tortoise wins. Yay!!!</a:t>
+            </a:r>
+          </a:p>
+          <a:p>
+            <a:pPr marL="0" indent="0">
+              <a:buNone/>
+            </a:pPr>
+            <a:endParaRPr lang="en-US" dirty="0"/>
+          </a:p>
+        </p:txBody>
+      </p:sp>
+    </p:spTree>
+    <p:extLst>
+      <p:ext uri="{BB962C8B-B14F-4D97-AF65-F5344CB8AC3E}">
+        <p14:creationId xmlns:p14="http://schemas.microsoft.com/office/powerpoint/2010/main" val="1305690052"/>
+      </p:ext>
+    </p:extLst>
+  </p:cSld>
+  <p:clrMapOvr>
+    <a:masterClrMapping/>
+  </p:clrMapOvr>
+</p:sld>
+</file>
+
+<file path=ppt/slides/slide24.xml><?xml version="1.0" encoding="utf-8"?>
+<p:sld xmlns:a="http://schemas.openxmlformats.org/drawingml/2006/main" xmlns:r="http://schemas.openxmlformats.org/officeDocument/2006/relationships" xmlns:p="http://schemas.openxmlformats.org/presentationml/2006/main">
+  <p:cSld>
+    <p:spTree>
+      <p:nvGrpSpPr>
+        <p:cNvPr id="1" name=""/>
+        <p:cNvGrpSpPr/>
+        <p:nvPr/>
+      </p:nvGrpSpPr>
+      <p:grpSpPr>
+        <a:xfrm>
+          <a:off x="0" y="0"/>
+          <a:ext cx="0" cy="0"/>
+          <a:chOff x="0" y="0"/>
+          <a:chExt cx="0" cy="0"/>
+        </a:xfrm>
+      </p:grpSpPr>
+      <p:sp>
+        <p:nvSpPr>
+          <p:cNvPr id="2" name="Title 1"/>
+          <p:cNvSpPr>
+            <a:spLocks noGrp="1"/>
+          </p:cNvSpPr>
+          <p:nvPr>
+            <p:ph type="title"/>
+          </p:nvPr>
+        </p:nvSpPr>
+        <p:spPr/>
+        <p:txBody>
+          <a:bodyPr>
+            <a:normAutofit fontScale="90000"/>
+          </a:bodyPr>
+          <a:lstStyle/>
+          <a:p>
+            <a:r>
+              <a:rPr lang="en-US" dirty="0"/>
+              <a:t>Sample output for a road of 10 blocks</a:t>
+            </a:r>
+          </a:p>
+        </p:txBody>
+      </p:sp>
+      <p:sp>
+        <p:nvSpPr>
+          <p:cNvPr id="3" name="Content Placeholder 2"/>
+          <p:cNvSpPr>
+            <a:spLocks noGrp="1"/>
+          </p:cNvSpPr>
+          <p:nvPr>
+            <p:ph idx="1"/>
+          </p:nvPr>
+        </p:nvSpPr>
+        <p:spPr/>
+        <p:txBody>
+          <a:bodyPr>
+            <a:normAutofit lnSpcReduction="10000"/>
+          </a:bodyPr>
+          <a:lstStyle/>
+          <a:p>
+            <a:pPr marL="0" indent="0">
+              <a:buNone/>
+            </a:pPr>
+            <a:r>
+              <a:rPr lang="is-IS" dirty="0"/>
+              <a:t>   1: H T       </a:t>
+            </a:r>
+          </a:p>
+          <a:p>
+            <a:pPr marL="0" indent="0">
+              <a:buNone/>
+            </a:pPr>
+            <a:r>
+              <a:rPr lang="is-IS" dirty="0"/>
+              <a:t>   2: H    T    </a:t>
+            </a:r>
+          </a:p>
+          <a:p>
+            <a:pPr marL="0" indent="0">
+              <a:buNone/>
+            </a:pPr>
+            <a:r>
+              <a:rPr lang="is-IS" dirty="0"/>
+              <a:t>   3: HT        </a:t>
+            </a:r>
+          </a:p>
+          <a:p>
+            <a:pPr marL="0" indent="0">
+              <a:buNone/>
+            </a:pPr>
+            <a:r>
+              <a:rPr lang="is-IS" dirty="0"/>
+              <a:t>   4: T  H      </a:t>
+            </a:r>
+          </a:p>
+          <a:p>
+            <a:pPr marL="0" indent="0">
+              <a:buNone/>
+            </a:pPr>
+            <a:r>
+              <a:rPr lang="is-IS" dirty="0"/>
+              <a:t>   5:   T  H    </a:t>
+            </a:r>
+          </a:p>
+          <a:p>
+            <a:pPr marL="0" indent="0">
+              <a:buNone/>
+            </a:pPr>
+            <a:r>
+              <a:rPr lang="is-IS" dirty="0"/>
+              <a:t>   6:      T  H </a:t>
+            </a:r>
+          </a:p>
+          <a:p>
+            <a:pPr marL="0" indent="0">
+              <a:buNone/>
+            </a:pPr>
+            <a:r>
+              <a:rPr lang="is-IS" dirty="0"/>
+              <a:t>   7:  T       H</a:t>
+            </a:r>
+          </a:p>
+          <a:p>
+            <a:pPr marL="0" indent="0">
+              <a:buNone/>
+            </a:pPr>
+            <a:r>
+              <a:rPr lang="is-IS" dirty="0"/>
+              <a:t>Hare wins. Yuck.</a:t>
+            </a:r>
+          </a:p>
+          <a:p>
+            <a:pPr marL="0" marR="0" lvl="0" indent="0" defTabSz="914400" eaLnBrk="1" fontAlgn="auto" latinLnBrk="0" hangingPunct="1">
+              <a:lnSpc>
+                <a:spcPct val="100000"/>
+              </a:lnSpc>
+              <a:spcBef>
+                <a:spcPts val="0"/>
+              </a:spcBef>
+              <a:spcAft>
+                <a:spcPts val="0"/>
+              </a:spcAft>
+              <a:buClrTx/>
+              <a:buSzTx/>
+              <a:buFontTx/>
+              <a:buNone/>
+              <a:tabLst/>
+              <a:defRPr/>
+            </a:pPr>
+            <a:endParaRPr lang="en-US" dirty="0"/>
+          </a:p>
+        </p:txBody>
+      </p:sp>
+    </p:spTree>
+    <p:extLst>
+      <p:ext uri="{BB962C8B-B14F-4D97-AF65-F5344CB8AC3E}">
+        <p14:creationId xmlns:p14="http://schemas.microsoft.com/office/powerpoint/2010/main" val="730274458"/>
+      </p:ext>
+    </p:extLst>
+  </p:cSld>
+  <p:clrMapOvr>
+    <a:masterClrMapping/>
+  </p:clrMapOvr>
+</p:sld>
+</file>
+
+<file path=ppt/slides/slide25.xml><?xml version="1.0" encoding="utf-8"?>
+<p:sld xmlns:a="http://schemas.openxmlformats.org/drawingml/2006/main" xmlns:r="http://schemas.openxmlformats.org/officeDocument/2006/relationships" xmlns:p="http://schemas.openxmlformats.org/presentationml/2006/main">
+  <p:cSld>
+    <p:spTree>
+      <p:nvGrpSpPr>
+        <p:cNvPr id="1" name=""/>
+        <p:cNvGrpSpPr/>
+        <p:nvPr/>
+      </p:nvGrpSpPr>
+      <p:grpSpPr>
+        <a:xfrm>
+          <a:off x="0" y="0"/>
+          <a:ext cx="0" cy="0"/>
+          <a:chOff x="0" y="0"/>
+          <a:chExt cx="0" cy="0"/>
+        </a:xfrm>
+      </p:grpSpPr>
+      <p:sp>
+        <p:nvSpPr>
+          <p:cNvPr id="2" name="Title 1"/>
+          <p:cNvSpPr>
+            <a:spLocks noGrp="1"/>
+          </p:cNvSpPr>
+          <p:nvPr>
+            <p:ph type="title"/>
+          </p:nvPr>
+        </p:nvSpPr>
+        <p:spPr/>
+        <p:txBody>
+          <a:bodyPr>
+            <a:normAutofit fontScale="90000"/>
+          </a:bodyPr>
+          <a:lstStyle/>
+          <a:p>
+            <a:r>
+              <a:rPr lang="en-US" dirty="0"/>
+              <a:t>Sample output of a road of 10 blocks</a:t>
+            </a:r>
+          </a:p>
+        </p:txBody>
+      </p:sp>
+      <p:sp>
+        <p:nvSpPr>
+          <p:cNvPr id="3" name="Content Placeholder 2"/>
+          <p:cNvSpPr>
+            <a:spLocks noGrp="1"/>
+          </p:cNvSpPr>
+          <p:nvPr>
+            <p:ph idx="1"/>
+          </p:nvPr>
+        </p:nvSpPr>
+        <p:spPr/>
+        <p:txBody>
+          <a:bodyPr>
+            <a:normAutofit fontScale="47500" lnSpcReduction="20000"/>
+          </a:bodyPr>
+          <a:lstStyle/>
+          <a:p>
+            <a:pPr marL="0" indent="0">
+              <a:buNone/>
+            </a:pPr>
+            <a:r>
+              <a:rPr lang="is-IS" dirty="0"/>
+              <a:t>   1: H T       </a:t>
+            </a:r>
+          </a:p>
+          <a:p>
+            <a:pPr marL="0" indent="0">
+              <a:buNone/>
+            </a:pPr>
+            <a:r>
+              <a:rPr lang="is-IS" dirty="0"/>
+              <a:t>   2: T H       </a:t>
+            </a:r>
+          </a:p>
+          <a:p>
+            <a:pPr marL="0" indent="0">
+              <a:buNone/>
+            </a:pPr>
+            <a:r>
+              <a:rPr lang="is-IS" dirty="0"/>
+              <a:t>   3: T         </a:t>
+            </a:r>
+          </a:p>
+          <a:p>
+            <a:pPr marL="0" indent="0">
+              <a:buNone/>
+            </a:pPr>
+            <a:r>
+              <a:rPr lang="is-IS" dirty="0"/>
+              <a:t>Ouch, tortoise bites hare.</a:t>
+            </a:r>
+          </a:p>
+          <a:p>
+            <a:pPr marL="0" indent="0">
+              <a:buNone/>
+            </a:pPr>
+            <a:r>
+              <a:rPr lang="is-IS" dirty="0"/>
+              <a:t>   4: H T       </a:t>
+            </a:r>
+          </a:p>
+          <a:p>
+            <a:pPr marL="0" indent="0">
+              <a:buNone/>
+            </a:pPr>
+            <a:r>
+              <a:rPr lang="is-IS" dirty="0"/>
+              <a:t>   5:    H T    </a:t>
+            </a:r>
+          </a:p>
+          <a:p>
+            <a:pPr marL="0" indent="0">
+              <a:buNone/>
+            </a:pPr>
+            <a:r>
+              <a:rPr lang="is-IS" dirty="0"/>
+              <a:t>   6:  TH       </a:t>
+            </a:r>
+          </a:p>
+          <a:p>
+            <a:pPr marL="0" indent="0">
+              <a:buNone/>
+            </a:pPr>
+            <a:r>
+              <a:rPr lang="is-IS" dirty="0"/>
+              <a:t>   7: TH        </a:t>
+            </a:r>
+          </a:p>
+          <a:p>
+            <a:pPr marL="0" indent="0">
+              <a:buNone/>
+            </a:pPr>
+            <a:r>
+              <a:rPr lang="is-IS" dirty="0"/>
+              <a:t>   8:   T H     </a:t>
+            </a:r>
+          </a:p>
+          <a:p>
+            <a:pPr marL="0" indent="0">
+              <a:buNone/>
+            </a:pPr>
+            <a:r>
+              <a:rPr lang="is-IS" dirty="0"/>
+              <a:t>   9:     HT    </a:t>
+            </a:r>
+          </a:p>
+          <a:p>
+            <a:pPr marL="0" indent="0">
+              <a:buNone/>
+            </a:pPr>
+            <a:r>
+              <a:rPr lang="is-IS" dirty="0"/>
+              <a:t>  10:  T     H  </a:t>
+            </a:r>
+          </a:p>
+          <a:p>
+            <a:pPr marL="0" indent="0">
+              <a:buNone/>
+            </a:pPr>
+            <a:r>
+              <a:rPr lang="is-IS" dirty="0"/>
+              <a:t>  11: T     H   </a:t>
+            </a:r>
+          </a:p>
+          <a:p>
+            <a:pPr marL="0" indent="0">
+              <a:buNone/>
+            </a:pPr>
+            <a:r>
+              <a:rPr lang="is-IS" dirty="0"/>
+              <a:t>  12:    T  H   </a:t>
+            </a:r>
+          </a:p>
+          <a:p>
+            <a:pPr marL="0" indent="0">
+              <a:buNone/>
+            </a:pPr>
+            <a:r>
+              <a:rPr lang="is-IS" dirty="0"/>
+              <a:t>  13:      T    </a:t>
+            </a:r>
+          </a:p>
+          <a:p>
+            <a:pPr marL="0" indent="0">
+              <a:buNone/>
+            </a:pPr>
+            <a:r>
+              <a:rPr lang="is-IS" dirty="0"/>
+              <a:t>Ouch, tortoise bites hare.</a:t>
+            </a:r>
+          </a:p>
+          <a:p>
+            <a:pPr marL="0" indent="0">
+              <a:buNone/>
+            </a:pPr>
+            <a:r>
+              <a:rPr lang="is-IS" dirty="0"/>
+              <a:t>  14:        HT </a:t>
+            </a:r>
+          </a:p>
+          <a:p>
+            <a:pPr marL="0" indent="0">
+              <a:buNone/>
+            </a:pPr>
+            <a:r>
+              <a:rPr lang="is-IS" dirty="0"/>
+              <a:t>  15:          T</a:t>
+            </a:r>
+          </a:p>
+          <a:p>
+            <a:pPr marL="0" indent="0">
+              <a:buNone/>
+            </a:pPr>
+            <a:r>
+              <a:rPr lang="is-IS" dirty="0"/>
+              <a:t>Ouch, tortoise bites hare.</a:t>
+            </a:r>
+          </a:p>
+          <a:p>
+            <a:pPr marL="0" indent="0">
+              <a:buNone/>
+            </a:pPr>
+            <a:r>
+              <a:rPr lang="is-IS" dirty="0"/>
+              <a:t>It is a tie.</a:t>
+            </a:r>
+          </a:p>
+        </p:txBody>
+      </p:sp>
+    </p:spTree>
+    <p:extLst>
+      <p:ext uri="{BB962C8B-B14F-4D97-AF65-F5344CB8AC3E}">
+        <p14:creationId xmlns:p14="http://schemas.microsoft.com/office/powerpoint/2010/main" val="2024582200"/>
+      </p:ext>
+    </p:extLst>
+  </p:cSld>
+  <p:clrMapOvr>
+    <a:masterClrMapping/>
+  </p:clrMapOvr>
+</p:sld>
+</file>
+
+<file path=ppt/slides/slide26.xml><?xml version="1.0" encoding="utf-8"?>
+<p:sld xmlns:a="http://schemas.openxmlformats.org/drawingml/2006/main" xmlns:r="http://schemas.openxmlformats.org/officeDocument/2006/relationships" xmlns:p="http://schemas.openxmlformats.org/presentationml/2006/main">
+  <p:cSld>
+    <p:spTree>
+      <p:nvGrpSpPr>
+        <p:cNvPr id="1" name=""/>
+        <p:cNvGrpSpPr/>
+        <p:nvPr/>
+      </p:nvGrpSpPr>
+      <p:grpSpPr>
+        <a:xfrm>
+          <a:off x="0" y="0"/>
+          <a:ext cx="0" cy="0"/>
+          <a:chOff x="0" y="0"/>
+          <a:chExt cx="0" cy="0"/>
+        </a:xfrm>
+      </p:grpSpPr>
+      <p:sp>
+        <p:nvSpPr>
+          <p:cNvPr id="2" name="Title 1"/>
+          <p:cNvSpPr>
+            <a:spLocks noGrp="1"/>
+          </p:cNvSpPr>
+          <p:nvPr>
+            <p:ph type="title"/>
+          </p:nvPr>
+        </p:nvSpPr>
+        <p:spPr/>
+        <p:txBody>
           <a:bodyPr/>
           <a:lstStyle/>
           <a:p>
@@ -6191,12 +6295,8 @@
           </a:p>
           <a:p>
             <a:r>
-              <a:rPr lang="en-US"/>
-              <a:t>We </a:t>
-            </a:r>
-            <a:r>
-              <a:rPr lang="en-US" dirty="0"/>
-              <a:t>use array to represent the moving pattern of animals, and we use an array as data member of a road. </a:t>
+              <a:rPr lang="en-US" dirty="0"/>
+              <a:t>We use array to represent the moving pattern of animals, and we use an array as data member of a road. </a:t>
             </a:r>
           </a:p>
         </p:txBody>
@@ -6274,26 +6374,26 @@
           <a:p>
             <a:r>
               <a:rPr lang="en-US" dirty="0"/>
-              <a:t>A competition involves a hare, a tortoise and a road. Once a road is given, its end line is known.</a:t>
-            </a:r>
-          </a:p>
-          <a:p>
-            <a:r>
-              <a:rPr lang="en-US" dirty="0"/>
-              <a:t>The road can be slippery, so competitors can fall backward (but not further left to square 0, image we put a pad at square 0.)</a:t>
+              <a:t>A competition involves a hare, a tortoise and a road. Once a road is given, its last block is known.</a:t>
+            </a:r>
+          </a:p>
+          <a:p>
+            <a:r>
+              <a:rPr lang="en-US" dirty="0"/>
+              <a:t>The road can be slippery, so competitors can fall backward (but not further left to block 0, image we put a pad at block 0. Similarly, competitors cannot go beyond the last block.)</a:t>
             </a:r>
           </a:p>
           <a:p>
             <a:pPr lvl="1"/>
             <a:r>
               <a:rPr lang="en-US" dirty="0"/>
-              <a:t>Assume that the square starts from 0.</a:t>
-            </a:r>
-          </a:p>
-          <a:p>
-            <a:r>
-              <a:rPr lang="en-US" dirty="0"/>
-              <a:t>A clock ticks once per second. Then each competitor will take its turn to move, until at least one of them reaches the end line. Report result.</a:t>
+              <a:t>Assume that block starts from 0.</a:t>
+            </a:r>
+          </a:p>
+          <a:p>
+            <a:r>
+              <a:rPr lang="en-US" dirty="0"/>
+              <a:t>In each round, each competitor takes its turn to move, until at least one of them reaches the last block. Report result.</a:t>
             </a:r>
           </a:p>
         </p:txBody>
@@ -6381,7 +6481,7 @@
                   <a:srgbClr val="FF0000"/>
                 </a:solidFill>
               </a:rPr>
-              <a:t>Fast plod (3 squares forward)       </a:t>
+              <a:t>Fast plod (3 blocks forward)       </a:t>
             </a:r>
             <a:r>
               <a:rPr lang="en-US" dirty="0"/>
@@ -6407,7 +6507,7 @@
                   <a:srgbClr val="00B0F0"/>
                 </a:solidFill>
               </a:rPr>
-              <a:t>(6 squares backward)              </a:t>
+              <a:t>(6 blocks backward)              </a:t>
             </a:r>
             <a:r>
               <a:rPr lang="en-US" dirty="0"/>
@@ -6421,7 +6521,7 @@
                   <a:srgbClr val="00B050"/>
                 </a:solidFill>
               </a:rPr>
-              <a:t>Slow plod (1 square forward)        </a:t>
+              <a:t>Slow plod (1 block forward)        </a:t>
             </a:r>
             <a:r>
               <a:rPr lang="en-US" dirty="0"/>
@@ -6691,7 +6791,7 @@
                   <a:srgbClr val="FF0000"/>
                 </a:solidFill>
               </a:rPr>
-              <a:t>Fast plod (3 squares forward)      </a:t>
+              <a:t>Fast plod (3 blocks forward)      </a:t>
             </a:r>
             <a:r>
               <a:rPr lang="en-US" dirty="0"/>
@@ -6717,7 +6817,7 @@
                   <a:srgbClr val="00B0F0"/>
                 </a:solidFill>
               </a:rPr>
-              <a:t>(6 squares backward)             </a:t>
+              <a:t>(6 blocks backward)             </a:t>
             </a:r>
             <a:r>
               <a:rPr lang="en-US" dirty="0"/>
@@ -6731,7 +6831,7 @@
                   <a:srgbClr val="00B050"/>
                 </a:solidFill>
               </a:rPr>
-              <a:t>Slow plod (1 square forward)       </a:t>
+              <a:t>Slow plod (1 block forward)       </a:t>
             </a:r>
             <a:r>
               <a:rPr lang="en-US" dirty="0"/>
@@ -7551,7 +7651,7 @@
         </p:spPr>
         <p:txBody>
           <a:bodyPr>
-            <a:normAutofit fontScale="92500" lnSpcReduction="20000"/>
+            <a:normAutofit fontScale="85000" lnSpcReduction="10000"/>
           </a:bodyPr>
           <a:lstStyle/>
           <a:p>
@@ -7639,7 +7739,7 @@
                   <a:srgbClr val="FF0000"/>
                 </a:solidFill>
               </a:rPr>
-              <a:t>move 3 squares;</a:t>
+              <a:t>move 3 blocks;</a:t>
             </a:r>
           </a:p>
           <a:p>
@@ -7676,7 +7776,7 @@
                   <a:srgbClr val="00B0F0"/>
                 </a:solidFill>
               </a:rPr>
-              <a:t> move -6 squares;</a:t>
+              <a:t> move -6 blocks;</a:t>
             </a:r>
           </a:p>
           <a:p>
@@ -7713,7 +7813,7 @@
                   <a:srgbClr val="00B050"/>
                 </a:solidFill>
               </a:rPr>
-              <a:t>move 1 square.</a:t>
+              <a:t>move 1 block.</a:t>
             </a:r>
           </a:p>
           <a:p>
@@ -7777,7 +7877,7 @@
           <a:p>
             <a:r>
               <a:rPr lang="en-US" dirty="0"/>
-              <a:t>Suppose that the tortoise's current position is 25, suppose random number 4 is generated, where 4 represents moving forward 3 squares, then current position is changed to 25 + 3 = 28.</a:t>
+              <a:t>Suppose that the tortoise's current position is 25, suppose random number 4 is generated, where element at index 4 represents moving forward 3 blocks, so current position is changed to 25 + 3 = 28.</a:t>
             </a:r>
             <a:endParaRPr lang="en-US" dirty="0">
               <a:solidFill>
@@ -8433,7 +8533,7 @@
                   <a:srgbClr val="FF0000"/>
                 </a:solidFill>
               </a:rPr>
-              <a:t>Big hop (9 squares forward) 	     </a:t>
+              <a:t>Big hop (9 blocks forward) 	     </a:t>
             </a:r>
             <a:r>
               <a:rPr lang="en-US" dirty="0"/>
@@ -8447,7 +8547,7 @@
                   <a:srgbClr val="3333FF"/>
                 </a:solidFill>
               </a:rPr>
-              <a:t>Big slip (12 squares backward) 	     </a:t>
+              <a:t>Big slip (12 blocks backward) 	     </a:t>
             </a:r>
             <a:r>
               <a:rPr lang="en-US" dirty="0"/>
@@ -8473,7 +8573,7 @@
                   <a:srgbClr val="00B0F0"/>
                 </a:solidFill>
               </a:rPr>
-              <a:t>(1 square forward) 	     </a:t>
+              <a:t>(1 block forward) 	     </a:t>
             </a:r>
             <a:r>
               <a:rPr lang="en-US" dirty="0"/>
@@ -8487,7 +8587,7 @@
                   <a:srgbClr val="00B050"/>
                 </a:solidFill>
               </a:rPr>
-              <a:t>Small slip (2 squares backward)     </a:t>
+              <a:t>Small slip (2 blocks backward)        </a:t>
             </a:r>
             <a:r>
               <a:rPr lang="en-US" dirty="0"/>
@@ -9028,7 +9128,7 @@
         <p:spPr>
           <a:xfrm>
             <a:off x="457200" y="1219200"/>
-            <a:ext cx="8229600" cy="4906963"/>
+            <a:ext cx="8458200" cy="4906963"/>
           </a:xfrm>
         </p:spPr>
         <p:txBody>
@@ -9037,467 +9137,282 @@
           </a:bodyPr>
           <a:lstStyle/>
           <a:p>
-            <a:pPr marL="0" indent="0">
-              <a:buNone/>
-            </a:pPr>
-            <a:r>
-              <a:rPr lang="en-US" sz="2000" dirty="0">
-                <a:solidFill>
-                  <a:srgbClr val="CC00FF"/>
-                </a:solidFill>
-              </a:rPr>
-              <a:t>public class </a:t>
-            </a:r>
-            <a:r>
-              <a:rPr lang="en-US" sz="2000" dirty="0"/>
-              <a:t>Tortoise {</a:t>
-            </a:r>
-          </a:p>
-          <a:p>
-            <a:pPr marL="0" indent="0">
-              <a:buNone/>
-            </a:pPr>
-            <a:r>
-              <a:rPr lang="en-US" sz="2000" dirty="0"/>
-              <a:t>      </a:t>
-            </a:r>
-            <a:r>
-              <a:rPr lang="en-US" sz="2000" dirty="0">
-                <a:solidFill>
-                  <a:srgbClr val="CC00FF"/>
-                </a:solidFill>
-              </a:rPr>
-              <a:t>private</a:t>
-            </a:r>
-            <a:r>
-              <a:rPr lang="en-US" sz="2000" dirty="0"/>
+            <a:r>
+              <a:rPr lang="en-US" sz="2800" dirty="0"/>
+              <a:t>What are data members of Tortoise class?</a:t>
+            </a:r>
+          </a:p>
+          <a:p>
+            <a:r>
+              <a:rPr lang="en-US" sz="2800" dirty="0"/>
+              <a:t>How to define </a:t>
+            </a:r>
+          </a:p>
+          <a:p>
+            <a:r>
+              <a:rPr lang="en-US" sz="2800" dirty="0"/>
+              <a:t>What are function members?</a:t>
+            </a:r>
+            <a:endParaRPr lang="nb-NO" sz="2800" dirty="0"/>
+          </a:p>
+          <a:p>
+            <a:pPr marL="0" indent="0">
+              <a:buNone/>
+            </a:pPr>
+            <a:endParaRPr lang="nb-NO" sz="1600" dirty="0"/>
+          </a:p>
+          <a:p>
+            <a:pPr marL="0" indent="0">
+              <a:buNone/>
+            </a:pPr>
+            <a:r>
+              <a:rPr lang="nb-NO" sz="2800" dirty="0">
+                <a:solidFill>
+                  <a:srgbClr val="3366FF"/>
+                </a:solidFill>
+              </a:rPr>
+              <a:t>//TODO: </a:t>
+            </a:r>
+            <a:r>
+              <a:rPr lang="nb-NO" sz="2800" dirty="0" err="1">
+                <a:solidFill>
+                  <a:srgbClr val="3366FF"/>
+                </a:solidFill>
+              </a:rPr>
+              <a:t>define</a:t>
+            </a:r>
+            <a:r>
+              <a:rPr lang="nb-NO" sz="2800" dirty="0">
+                <a:solidFill>
+                  <a:srgbClr val="3366FF"/>
+                </a:solidFill>
+              </a:rPr>
               <a:t> </a:t>
             </a:r>
             <a:r>
-              <a:rPr lang="en-US" sz="2000" dirty="0" err="1"/>
-              <a:t>int</a:t>
-            </a:r>
-            <a:r>
-              <a:rPr lang="en-US" sz="2000" dirty="0"/>
-              <a:t> position;</a:t>
-            </a:r>
-          </a:p>
-          <a:p>
-            <a:pPr marL="0" indent="0">
-              <a:buNone/>
-            </a:pPr>
-            <a:r>
-              <a:rPr lang="nb-NO" sz="2000" dirty="0"/>
-              <a:t>      </a:t>
-            </a:r>
-            <a:r>
-              <a:rPr lang="nb-NO" sz="2000" dirty="0">
-                <a:solidFill>
-                  <a:srgbClr val="CC00FF"/>
-                </a:solidFill>
-              </a:rPr>
-              <a:t>private</a:t>
-            </a:r>
-            <a:r>
-              <a:rPr lang="nb-NO" sz="2000" dirty="0"/>
-              <a:t> int[] </a:t>
-            </a:r>
-            <a:r>
-              <a:rPr lang="nb-NO" sz="2000" dirty="0" err="1"/>
+              <a:rPr lang="nb-NO" sz="2800" dirty="0" err="1">
+                <a:solidFill>
+                  <a:srgbClr val="3366FF"/>
+                </a:solidFill>
+              </a:rPr>
+              <a:t>constructors</a:t>
+            </a:r>
+            <a:r>
+              <a:rPr lang="nb-NO" sz="2800" dirty="0">
+                <a:solidFill>
+                  <a:srgbClr val="3366FF"/>
+                </a:solidFill>
+              </a:rPr>
+              <a:t>. </a:t>
+            </a:r>
+          </a:p>
+          <a:p>
+            <a:pPr marL="0" indent="0">
+              <a:buNone/>
+            </a:pPr>
+            <a:r>
+              <a:rPr lang="nb-NO" sz="2800" dirty="0">
+                <a:solidFill>
+                  <a:srgbClr val="3366FF"/>
+                </a:solidFill>
+              </a:rPr>
+              <a:t>//1. </a:t>
+            </a:r>
+            <a:r>
+              <a:rPr lang="nb-NO" sz="2800" dirty="0" err="1">
+                <a:solidFill>
+                  <a:srgbClr val="3366FF"/>
+                </a:solidFill>
+              </a:rPr>
+              <a:t>Default</a:t>
+            </a:r>
+            <a:r>
+              <a:rPr lang="nb-NO" sz="2800" dirty="0">
+                <a:solidFill>
+                  <a:srgbClr val="3366FF"/>
+                </a:solidFill>
+              </a:rPr>
+              <a:t> </a:t>
+            </a:r>
+            <a:r>
+              <a:rPr lang="nb-NO" sz="2800" dirty="0" err="1">
+                <a:solidFill>
+                  <a:srgbClr val="3366FF"/>
+                </a:solidFill>
+              </a:rPr>
+              <a:t>constructor</a:t>
+            </a:r>
+            <a:r>
+              <a:rPr lang="nb-NO" sz="2800" dirty="0">
+                <a:solidFill>
+                  <a:srgbClr val="3366FF"/>
+                </a:solidFill>
+              </a:rPr>
+              <a:t> </a:t>
+            </a:r>
+            <a:r>
+              <a:rPr lang="nb-NO" sz="2800" dirty="0" err="1">
+                <a:solidFill>
+                  <a:srgbClr val="3366FF"/>
+                </a:solidFill>
+              </a:rPr>
+              <a:t>initializes</a:t>
+            </a:r>
+            <a:r>
+              <a:rPr lang="nb-NO" sz="2800" dirty="0">
+                <a:solidFill>
+                  <a:srgbClr val="3366FF"/>
+                </a:solidFill>
+              </a:rPr>
+              <a:t> </a:t>
+            </a:r>
+            <a:r>
+              <a:rPr lang="nb-NO" sz="2800" dirty="0" err="1">
+                <a:solidFill>
+                  <a:srgbClr val="3366FF"/>
+                </a:solidFill>
+              </a:rPr>
+              <a:t>position</a:t>
+            </a:r>
+            <a:r>
+              <a:rPr lang="nb-NO" sz="2800" dirty="0">
+                <a:solidFill>
+                  <a:srgbClr val="3366FF"/>
+                </a:solidFill>
+              </a:rPr>
+              <a:t> to be 0,</a:t>
+            </a:r>
+          </a:p>
+          <a:p>
+            <a:pPr marL="0" indent="0">
+              <a:buNone/>
+            </a:pPr>
+            <a:r>
+              <a:rPr lang="nb-NO" sz="2800" dirty="0">
+                <a:solidFill>
+                  <a:srgbClr val="3366FF"/>
+                </a:solidFill>
+              </a:rPr>
+              <a:t>//and </a:t>
+            </a:r>
+            <a:r>
+              <a:rPr lang="nb-NO" sz="2800" dirty="0" err="1">
+                <a:solidFill>
+                  <a:srgbClr val="3366FF"/>
+                </a:solidFill>
+              </a:rPr>
+              <a:t>move</a:t>
+            </a:r>
+            <a:r>
+              <a:rPr lang="nb-NO" sz="2800" dirty="0">
+                <a:solidFill>
+                  <a:srgbClr val="3366FF"/>
+                </a:solidFill>
+              </a:rPr>
+              <a:t> </a:t>
+            </a:r>
+            <a:r>
+              <a:rPr lang="nb-NO" sz="2800" dirty="0" err="1">
+                <a:solidFill>
+                  <a:srgbClr val="3366FF"/>
+                </a:solidFill>
+              </a:rPr>
               <a:t>pattern</a:t>
             </a:r>
             <a:r>
-              <a:rPr lang="nb-NO" sz="2000" dirty="0"/>
-              <a:t>; </a:t>
-            </a:r>
-            <a:r>
-              <a:rPr lang="nb-NO" sz="2000" dirty="0">
-                <a:solidFill>
-                  <a:srgbClr val="00B050"/>
-                </a:solidFill>
-              </a:rPr>
-              <a:t>//</a:t>
-            </a:r>
-            <a:r>
-              <a:rPr lang="nb-NO" sz="2000" dirty="0" err="1">
-                <a:solidFill>
-                  <a:srgbClr val="00B050"/>
-                </a:solidFill>
-              </a:rPr>
-              <a:t>move</a:t>
-            </a:r>
-            <a:r>
-              <a:rPr lang="nb-NO" sz="2000" dirty="0">
-                <a:solidFill>
-                  <a:srgbClr val="00B050"/>
+              <a:rPr lang="nb-NO" sz="2800" dirty="0">
+                <a:solidFill>
+                  <a:srgbClr val="3366FF"/>
+                </a:solidFill>
+              </a:rPr>
+              <a:t> to </a:t>
+            </a:r>
+            <a:r>
+              <a:rPr lang="nb-NO" sz="2800" dirty="0" err="1">
+                <a:solidFill>
+                  <a:srgbClr val="3366FF"/>
+                </a:solidFill>
+              </a:rPr>
+              <a:t>reflect</a:t>
+            </a:r>
+            <a:r>
+              <a:rPr lang="nb-NO" sz="2800" dirty="0">
+                <a:solidFill>
+                  <a:srgbClr val="3366FF"/>
                 </a:solidFill>
               </a:rPr>
               <a:t> </a:t>
             </a:r>
             <a:r>
-              <a:rPr lang="nb-NO" sz="2000" dirty="0" err="1">
-                <a:solidFill>
-                  <a:srgbClr val="00B050"/>
-                </a:solidFill>
-              </a:rPr>
-              <a:t>pattern</a:t>
-            </a:r>
-            <a:r>
-              <a:rPr lang="nb-NO" sz="2000" dirty="0">
-                <a:solidFill>
-                  <a:srgbClr val="00B050"/>
+              <a:rPr lang="nb-NO" sz="2800" dirty="0" err="1">
+                <a:solidFill>
+                  <a:srgbClr val="3366FF"/>
+                </a:solidFill>
+              </a:rPr>
+              <a:t>the</a:t>
+            </a:r>
+            <a:r>
+              <a:rPr lang="nb-NO" sz="2800" dirty="0">
+                <a:solidFill>
+                  <a:srgbClr val="3366FF"/>
                 </a:solidFill>
               </a:rPr>
               <a:t> </a:t>
             </a:r>
             <a:r>
-              <a:rPr lang="nb-NO" sz="2000" dirty="0" err="1">
-                <a:solidFill>
-                  <a:srgbClr val="00B050"/>
-                </a:solidFill>
-              </a:rPr>
-              <a:t>of</a:t>
-            </a:r>
-            <a:r>
-              <a:rPr lang="nb-NO" sz="2000" dirty="0">
-                <a:solidFill>
-                  <a:srgbClr val="00B050"/>
-                </a:solidFill>
-              </a:rPr>
-              <a:t> </a:t>
-            </a:r>
-            <a:r>
-              <a:rPr lang="nb-NO" sz="2000" dirty="0" err="1">
-                <a:solidFill>
-                  <a:srgbClr val="00B050"/>
-                </a:solidFill>
-              </a:rPr>
-              <a:t>the</a:t>
-            </a:r>
-            <a:r>
-              <a:rPr lang="nb-NO" sz="2000" dirty="0">
-                <a:solidFill>
-                  <a:srgbClr val="00B050"/>
-                </a:solidFill>
-              </a:rPr>
-              <a:t> animal</a:t>
-            </a:r>
-          </a:p>
-          <a:p>
-            <a:pPr marL="0" indent="0">
-              <a:buNone/>
-            </a:pPr>
-            <a:endParaRPr lang="nb-NO" sz="2000" dirty="0"/>
-          </a:p>
-          <a:p>
-            <a:pPr marL="0" indent="0">
-              <a:buNone/>
-            </a:pPr>
-            <a:r>
-              <a:rPr lang="nb-NO" sz="2000" dirty="0"/>
-              <a:t>      </a:t>
-            </a:r>
-            <a:r>
-              <a:rPr lang="nb-NO" sz="2000" dirty="0">
+              <a:rPr lang="nb-NO" sz="2800" dirty="0" err="1">
                 <a:solidFill>
                   <a:srgbClr val="3366FF"/>
                 </a:solidFill>
               </a:rPr>
-              <a:t>//TODO: </a:t>
-            </a:r>
-            <a:r>
-              <a:rPr lang="nb-NO" sz="2000" dirty="0" err="1">
+              <a:t>following</a:t>
+            </a:r>
+            <a:r>
+              <a:rPr lang="nb-NO" sz="2800" dirty="0">
                 <a:solidFill>
                   <a:srgbClr val="3366FF"/>
                 </a:solidFill>
               </a:rPr>
-              <a:t>write</a:t>
-            </a:r>
-            <a:r>
-              <a:rPr lang="nb-NO" sz="2000" dirty="0">
+              <a:t> data. </a:t>
+            </a:r>
+          </a:p>
+          <a:p>
+            <a:pPr marL="0" indent="0">
+              <a:buNone/>
+            </a:pPr>
+            <a:r>
+              <a:rPr lang="en-US" sz="2800" dirty="0">
                 <a:solidFill>
                   <a:srgbClr val="3366FF"/>
                 </a:solidFill>
               </a:rPr>
-              <a:t> </a:t>
-            </a:r>
-            <a:r>
-              <a:rPr lang="nb-NO" sz="2000" dirty="0" err="1">
+              <a:t>//50% of the time, tortoise moves forward 3 blocks.</a:t>
+            </a:r>
+          </a:p>
+          <a:p>
+            <a:pPr marL="0" indent="0">
+              <a:buNone/>
+            </a:pPr>
+            <a:r>
+              <a:rPr lang="en-US" sz="2800" dirty="0">
                 <a:solidFill>
                   <a:srgbClr val="3366FF"/>
                 </a:solidFill>
               </a:rPr>
-              <a:t>constructors</a:t>
-            </a:r>
-            <a:r>
-              <a:rPr lang="nb-NO" sz="2000" dirty="0">
+              <a:t>//20% of the time, tortoise moves 6 blocks backward.</a:t>
+            </a:r>
+          </a:p>
+          <a:p>
+            <a:pPr marL="0" indent="0">
+              <a:buNone/>
+            </a:pPr>
+            <a:r>
+              <a:rPr lang="en-US" sz="2800" dirty="0">
                 <a:solidFill>
                   <a:srgbClr val="3366FF"/>
                 </a:solidFill>
               </a:rPr>
-              <a:t>, a </a:t>
-            </a:r>
-            <a:r>
-              <a:rPr lang="nb-NO" sz="2000" dirty="0" err="1">
-                <a:solidFill>
-                  <a:srgbClr val="3366FF"/>
-                </a:solidFill>
-              </a:rPr>
-              <a:t>default</a:t>
-            </a:r>
-            <a:r>
-              <a:rPr lang="nb-NO" sz="2000" dirty="0">
-                <a:solidFill>
-                  <a:srgbClr val="3366FF"/>
-                </a:solidFill>
-              </a:rPr>
-              <a:t> </a:t>
-            </a:r>
-            <a:r>
-              <a:rPr lang="nb-NO" sz="2000" dirty="0" err="1">
-                <a:solidFill>
-                  <a:srgbClr val="3366FF"/>
-                </a:solidFill>
-              </a:rPr>
-              <a:t>constructor</a:t>
-            </a:r>
-            <a:r>
-              <a:rPr lang="nb-NO" sz="2000" dirty="0">
-                <a:solidFill>
-                  <a:srgbClr val="3366FF"/>
-                </a:solidFill>
-              </a:rPr>
-              <a:t> </a:t>
-            </a:r>
-            <a:r>
-              <a:rPr lang="nb-NO" sz="2000" dirty="0" err="1">
-                <a:solidFill>
-                  <a:srgbClr val="3366FF"/>
-                </a:solidFill>
-              </a:rPr>
-              <a:t>with</a:t>
-            </a:r>
-            <a:r>
-              <a:rPr lang="nb-NO" sz="2000" dirty="0">
-                <a:solidFill>
-                  <a:srgbClr val="3366FF"/>
-                </a:solidFill>
-              </a:rPr>
-              <a:t> </a:t>
-            </a:r>
-            <a:r>
-              <a:rPr lang="nb-NO" sz="2000" dirty="0" err="1">
-                <a:solidFill>
-                  <a:srgbClr val="3366FF"/>
-                </a:solidFill>
-              </a:rPr>
-              <a:t>position</a:t>
-            </a:r>
-            <a:endParaRPr lang="nb-NO" sz="2000" dirty="0">
-              <a:solidFill>
-                <a:srgbClr val="3366FF"/>
-              </a:solidFill>
-            </a:endParaRPr>
-          </a:p>
-          <a:p>
-            <a:pPr marL="0" indent="0">
-              <a:buNone/>
-            </a:pPr>
-            <a:r>
-              <a:rPr lang="nb-NO" sz="2000" dirty="0">
-                <a:solidFill>
-                  <a:srgbClr val="3366FF"/>
-                </a:solidFill>
-              </a:rPr>
-              <a:t>      //</a:t>
-            </a:r>
-            <a:r>
-              <a:rPr lang="nb-NO" sz="2000" dirty="0" err="1">
-                <a:solidFill>
-                  <a:srgbClr val="3366FF"/>
-                </a:solidFill>
-              </a:rPr>
-              <a:t>initialized</a:t>
-            </a:r>
-            <a:r>
-              <a:rPr lang="nb-NO" sz="2000" dirty="0">
-                <a:solidFill>
-                  <a:srgbClr val="3366FF"/>
-                </a:solidFill>
-              </a:rPr>
-              <a:t> to be 0, and </a:t>
-            </a:r>
-            <a:r>
-              <a:rPr lang="nb-NO" sz="2000" dirty="0" err="1">
-                <a:solidFill>
-                  <a:srgbClr val="3366FF"/>
-                </a:solidFill>
-              </a:rPr>
-              <a:t>move</a:t>
-            </a:r>
-            <a:r>
-              <a:rPr lang="nb-NO" sz="2000" dirty="0">
-                <a:solidFill>
-                  <a:srgbClr val="3366FF"/>
-                </a:solidFill>
-              </a:rPr>
-              <a:t> </a:t>
-            </a:r>
-            <a:r>
-              <a:rPr lang="nb-NO" sz="2000" dirty="0" err="1">
-                <a:solidFill>
-                  <a:srgbClr val="3366FF"/>
-                </a:solidFill>
-              </a:rPr>
-              <a:t>pattern</a:t>
-            </a:r>
-            <a:r>
-              <a:rPr lang="nb-NO" sz="2000" dirty="0">
-                <a:solidFill>
-                  <a:srgbClr val="3366FF"/>
-                </a:solidFill>
-              </a:rPr>
-              <a:t> to </a:t>
-            </a:r>
-            <a:r>
-              <a:rPr lang="nb-NO" sz="2000" dirty="0" err="1">
-                <a:solidFill>
-                  <a:srgbClr val="3366FF"/>
-                </a:solidFill>
-              </a:rPr>
-              <a:t>reflect</a:t>
-            </a:r>
-            <a:r>
-              <a:rPr lang="nb-NO" sz="2000" dirty="0">
-                <a:solidFill>
-                  <a:srgbClr val="3366FF"/>
-                </a:solidFill>
-              </a:rPr>
-              <a:t> </a:t>
-            </a:r>
-            <a:r>
-              <a:rPr lang="nb-NO" sz="2000" dirty="0" err="1">
-                <a:solidFill>
-                  <a:srgbClr val="3366FF"/>
-                </a:solidFill>
-              </a:rPr>
-              <a:t>the</a:t>
-            </a:r>
-            <a:r>
-              <a:rPr lang="nb-NO" sz="2000" dirty="0">
-                <a:solidFill>
-                  <a:srgbClr val="3366FF"/>
-                </a:solidFill>
-              </a:rPr>
-              <a:t> </a:t>
-            </a:r>
-            <a:r>
-              <a:rPr lang="nb-NO" sz="2000" dirty="0" err="1">
-                <a:solidFill>
-                  <a:srgbClr val="3366FF"/>
-                </a:solidFill>
-              </a:rPr>
-              <a:t>following</a:t>
-            </a:r>
-            <a:r>
-              <a:rPr lang="nb-NO" sz="2000" dirty="0">
-                <a:solidFill>
-                  <a:srgbClr val="3366FF"/>
-                </a:solidFill>
-              </a:rPr>
-              <a:t> data. </a:t>
-            </a:r>
-          </a:p>
-          <a:p>
-            <a:pPr marL="0" indent="0">
-              <a:buNone/>
-            </a:pPr>
-            <a:r>
-              <a:rPr lang="en-US" sz="2000" dirty="0"/>
-              <a:t>      </a:t>
-            </a:r>
-            <a:r>
-              <a:rPr lang="en-US" sz="2000" dirty="0">
-                <a:solidFill>
-                  <a:srgbClr val="00B050"/>
-                </a:solidFill>
-              </a:rPr>
-              <a:t>//50% of the time, the tortoise moves forward 3 squares.</a:t>
-            </a:r>
-          </a:p>
-          <a:p>
-            <a:pPr marL="0" indent="0">
-              <a:buNone/>
-            </a:pPr>
-            <a:r>
-              <a:rPr lang="en-US" sz="2000" dirty="0">
-                <a:solidFill>
-                  <a:srgbClr val="00B050"/>
-                </a:solidFill>
-              </a:rPr>
-              <a:t>      //20% of the time, the tortoise moves 6 steps backward.</a:t>
-            </a:r>
-          </a:p>
-          <a:p>
-            <a:pPr marL="0" indent="0">
-              <a:buNone/>
-            </a:pPr>
-            <a:r>
-              <a:rPr lang="en-US" sz="2000" dirty="0">
-                <a:solidFill>
-                  <a:srgbClr val="00B050"/>
-                </a:solidFill>
-              </a:rPr>
-              <a:t>      //30% of the time, the hare moves 1 steps forward.</a:t>
-            </a:r>
-          </a:p>
-          <a:p>
-            <a:pPr marL="0" indent="0">
-              <a:buNone/>
-            </a:pPr>
-            <a:endParaRPr lang="en-US" sz="2000" dirty="0">
-              <a:solidFill>
-                <a:srgbClr val="00B050"/>
-              </a:solidFill>
-            </a:endParaRPr>
-          </a:p>
-          <a:p>
-            <a:pPr marL="0" indent="0">
-              <a:buNone/>
-            </a:pPr>
-            <a:r>
-              <a:rPr lang="en-US" sz="2000" dirty="0">
-                <a:solidFill>
-                  <a:srgbClr val="00B050"/>
-                </a:solidFill>
-              </a:rPr>
-              <a:t>      //TODO: non-default constructor with given position and </a:t>
-            </a:r>
-          </a:p>
-          <a:p>
-            <a:pPr marL="0" indent="0">
-              <a:buNone/>
-            </a:pPr>
-            <a:r>
-              <a:rPr lang="en-US" sz="2000" dirty="0">
-                <a:solidFill>
-                  <a:srgbClr val="00B050"/>
-                </a:solidFill>
-              </a:rPr>
-              <a:t>      //given move pattern, use give parameter to initialize the</a:t>
-            </a:r>
-          </a:p>
-          <a:p>
-            <a:pPr marL="0" indent="0">
-              <a:buNone/>
-            </a:pPr>
-            <a:r>
-              <a:rPr lang="en-US" sz="2000" dirty="0">
-                <a:solidFill>
-                  <a:srgbClr val="00B050"/>
-                </a:solidFill>
-              </a:rPr>
-              <a:t>      //data member appropriately.</a:t>
+              <a:t>//30% of the time, tortoise moves 1 block forward.</a:t>
             </a:r>
           </a:p>
           <a:p>
@@ -9570,7 +9485,7 @@
           <a:p>
             <a:r>
               <a:rPr lang="en-US" dirty="0"/>
-              <a:t>Class Tortoise</a:t>
+              <a:t>Class Tortoise: II</a:t>
             </a:r>
           </a:p>
         </p:txBody>
@@ -9600,6 +9515,29 @@
             <a:pPr marL="0" indent="0">
               <a:buNone/>
             </a:pPr>
+            <a:endParaRPr lang="en-US" sz="2000" dirty="0">
+              <a:solidFill>
+                <a:srgbClr val="00B050"/>
+              </a:solidFill>
+            </a:endParaRPr>
+          </a:p>
+          <a:p>
+            <a:pPr marL="0" indent="0">
+              <a:buNone/>
+            </a:pPr>
+            <a:r>
+              <a:rPr lang="en-US" sz="2800" dirty="0">
+                <a:solidFill>
+                  <a:srgbClr val="3366FF"/>
+                </a:solidFill>
+              </a:rPr>
+              <a:t>//TODO: non-default constructor with given move //pattern together with pattern size, and given //position, use give parameter to initialize //corresponding data members.</a:t>
+            </a:r>
+          </a:p>
+          <a:p>
+            <a:pPr marL="0" indent="0">
+              <a:buNone/>
+            </a:pPr>
             <a:endParaRPr lang="en-US" sz="2000" dirty="0"/>
           </a:p>
           <a:p>
@@ -9608,184 +9546,16 @@
             </a:pPr>
             <a:r>
               <a:rPr lang="en-US" sz="2000" dirty="0"/>
-              <a:t>      </a:t>
-            </a:r>
-            <a:r>
-              <a:rPr lang="en-US" sz="2000" dirty="0">
-                <a:solidFill>
-                  <a:srgbClr val="00B050"/>
-                </a:solidFill>
-              </a:rPr>
-              <a:t>//Move the tortoise by generating a random number </a:t>
-            </a:r>
-          </a:p>
-          <a:p>
-            <a:pPr marL="0" indent="0">
-              <a:buNone/>
-            </a:pPr>
-            <a:r>
-              <a:rPr lang="en-US" sz="2000" dirty="0">
-                <a:solidFill>
-                  <a:srgbClr val="00B050"/>
-                </a:solidFill>
-              </a:rPr>
-              <a:t>      //in [0, </a:t>
-            </a:r>
-            <a:r>
-              <a:rPr lang="en-US" sz="2000" dirty="0">
-                <a:solidFill>
-                  <a:srgbClr val="FF0000"/>
-                </a:solidFill>
-              </a:rPr>
-              <a:t>pattern.length-1</a:t>
-            </a:r>
-            <a:r>
-              <a:rPr lang="en-US" sz="2000" dirty="0">
-                <a:solidFill>
-                  <a:srgbClr val="00B050"/>
-                </a:solidFill>
-              </a:rPr>
-              <a:t>], </a:t>
-            </a:r>
-          </a:p>
-          <a:p>
-            <a:pPr marL="0" indent="0">
-              <a:buNone/>
-            </a:pPr>
-            <a:r>
-              <a:rPr lang="en-US" sz="2000" dirty="0">
-                <a:solidFill>
-                  <a:srgbClr val="00B050"/>
-                </a:solidFill>
-              </a:rPr>
-              <a:t>      //then move the animal according to its move pattern. </a:t>
-            </a:r>
-          </a:p>
-          <a:p>
-            <a:pPr marL="0" indent="0">
-              <a:buNone/>
-            </a:pPr>
-            <a:r>
-              <a:rPr lang="en-US" sz="2000" dirty="0">
-                <a:solidFill>
-                  <a:srgbClr val="00B050"/>
-                </a:solidFill>
-              </a:rPr>
-              <a:t>      //The position will be validated once we have the road length.</a:t>
-            </a:r>
-          </a:p>
-          <a:p>
-            <a:pPr marL="0" indent="0">
-              <a:buNone/>
-            </a:pPr>
-            <a:r>
-              <a:rPr lang="en-US" sz="2000" dirty="0"/>
-              <a:t>      public void move()  {</a:t>
-            </a:r>
-          </a:p>
-          <a:p>
-            <a:pPr marL="0" indent="0">
-              <a:buNone/>
-            </a:pPr>
-            <a:r>
-              <a:rPr lang="en-US" sz="2000" dirty="0"/>
-              <a:t>            </a:t>
-            </a:r>
-            <a:r>
-              <a:rPr lang="en-US" sz="2000" dirty="0">
-                <a:solidFill>
-                  <a:srgbClr val="FF0000"/>
-                </a:solidFill>
-              </a:rPr>
-              <a:t>//Your code goes here.</a:t>
-            </a:r>
-          </a:p>
-          <a:p>
-            <a:pPr marL="0" indent="0">
-              <a:buNone/>
-            </a:pPr>
-            <a:r>
-              <a:rPr lang="en-US" sz="2000" dirty="0"/>
-              <a:t>      }</a:t>
-            </a:r>
-          </a:p>
-          <a:p>
-            <a:pPr marL="0" indent="0">
-              <a:buNone/>
-            </a:pPr>
-            <a:r>
-              <a:rPr lang="en-US" sz="1500" dirty="0"/>
-              <a:t>      </a:t>
-            </a:r>
-          </a:p>
-        </p:txBody>
-      </p:sp>
-      <p:sp>
-        <p:nvSpPr>
-          <p:cNvPr id="4" name="Rounded Rectangle 3"/>
-          <p:cNvSpPr/>
-          <p:nvPr/>
-        </p:nvSpPr>
-        <p:spPr>
-          <a:xfrm>
-            <a:off x="3581400" y="3810000"/>
-            <a:ext cx="3810000" cy="990600"/>
-          </a:xfrm>
-          <a:prstGeom prst="roundRect">
-            <a:avLst/>
-          </a:prstGeom>
-        </p:spPr>
-        <p:style>
-          <a:lnRef idx="2">
-            <a:schemeClr val="accent1">
-              <a:shade val="50000"/>
-            </a:schemeClr>
-          </a:lnRef>
-          <a:fillRef idx="1">
-            <a:schemeClr val="accent1"/>
-          </a:fillRef>
-          <a:effectRef idx="0">
-            <a:schemeClr val="accent1"/>
-          </a:effectRef>
-          <a:fontRef idx="minor">
-            <a:schemeClr val="lt1"/>
-          </a:fontRef>
-        </p:style>
-        <p:txBody>
-          <a:bodyPr rtlCol="0" anchor="ctr"/>
-          <a:lstStyle/>
-          <a:p>
-            <a:r>
-              <a:rPr lang="en-US" dirty="0"/>
-              <a:t>Hints: </a:t>
-            </a:r>
-          </a:p>
-          <a:p>
-            <a:pPr marL="285750" indent="-285750">
-              <a:buFont typeface="Arial" charset="0"/>
-              <a:buChar char="•"/>
-            </a:pPr>
-            <a:r>
-              <a:rPr lang="en-US" dirty="0"/>
-              <a:t>No need to use if-else statement. </a:t>
-            </a:r>
-          </a:p>
-          <a:p>
-            <a:pPr marL="285750" indent="-285750">
-              <a:buFont typeface="Arial" charset="0"/>
-              <a:buChar char="•"/>
-            </a:pPr>
-            <a:r>
-              <a:rPr lang="en-US" dirty="0"/>
-              <a:t>Use index of array instead.</a:t>
-            </a:r>
+              <a:t>     </a:t>
+            </a:r>
+            <a:endParaRPr lang="en-US" sz="1500" dirty="0"/>
           </a:p>
         </p:txBody>
       </p:sp>
     </p:spTree>
     <p:extLst>
       <p:ext uri="{BB962C8B-B14F-4D97-AF65-F5344CB8AC3E}">
-        <p14:creationId xmlns:p14="http://schemas.microsoft.com/office/powerpoint/2010/main" val="3006548673"/>
+        <p14:creationId xmlns:p14="http://schemas.microsoft.com/office/powerpoint/2010/main" val="3238074520"/>
       </p:ext>
     </p:extLst>
   </p:cSld>

--- a/135/projects/project3/project3_HareTortoiseCompetition.pptx
+++ b/135/projects/project3/project3_HareTortoiseCompetition.pptx
@@ -12,25 +12,27 @@
     <p:sldId id="264" r:id="rId6"/>
     <p:sldId id="268" r:id="rId7"/>
     <p:sldId id="265" r:id="rId8"/>
-    <p:sldId id="266" r:id="rId9"/>
-    <p:sldId id="287" r:id="rId10"/>
-    <p:sldId id="277" r:id="rId11"/>
-    <p:sldId id="267" r:id="rId12"/>
-    <p:sldId id="289" r:id="rId13"/>
-    <p:sldId id="269" r:id="rId14"/>
-    <p:sldId id="282" r:id="rId15"/>
-    <p:sldId id="270" r:id="rId16"/>
-    <p:sldId id="288" r:id="rId17"/>
-    <p:sldId id="280" r:id="rId18"/>
-    <p:sldId id="271" r:id="rId19"/>
-    <p:sldId id="273" r:id="rId20"/>
-    <p:sldId id="274" r:id="rId21"/>
-    <p:sldId id="275" r:id="rId22"/>
-    <p:sldId id="276" r:id="rId23"/>
-    <p:sldId id="284" r:id="rId24"/>
-    <p:sldId id="285" r:id="rId25"/>
-    <p:sldId id="286" r:id="rId26"/>
-    <p:sldId id="283" r:id="rId27"/>
+    <p:sldId id="290" r:id="rId9"/>
+    <p:sldId id="291" r:id="rId10"/>
+    <p:sldId id="266" r:id="rId11"/>
+    <p:sldId id="287" r:id="rId12"/>
+    <p:sldId id="277" r:id="rId13"/>
+    <p:sldId id="267" r:id="rId14"/>
+    <p:sldId id="289" r:id="rId15"/>
+    <p:sldId id="269" r:id="rId16"/>
+    <p:sldId id="282" r:id="rId17"/>
+    <p:sldId id="270" r:id="rId18"/>
+    <p:sldId id="288" r:id="rId19"/>
+    <p:sldId id="280" r:id="rId20"/>
+    <p:sldId id="271" r:id="rId21"/>
+    <p:sldId id="273" r:id="rId22"/>
+    <p:sldId id="274" r:id="rId23"/>
+    <p:sldId id="275" r:id="rId24"/>
+    <p:sldId id="276" r:id="rId25"/>
+    <p:sldId id="284" r:id="rId26"/>
+    <p:sldId id="285" r:id="rId27"/>
+    <p:sldId id="286" r:id="rId28"/>
+    <p:sldId id="283" r:id="rId29"/>
   </p:sldIdLst>
   <p:sldSz cx="9144000" cy="6858000" type="screen4x3"/>
   <p:notesSz cx="6858000" cy="9144000"/>
@@ -327,7 +329,7 @@
           <a:p>
             <a:fld id="{4F09AFFE-0D94-4082-85FD-CD67B60CD492}" type="datetimeFigureOut">
               <a:rPr lang="en-US" smtClean="0"/>
-              <a:t>11/10/20</a:t>
+              <a:t>11/12/20</a:t>
             </a:fld>
             <a:endParaRPr lang="en-US"/>
           </a:p>
@@ -495,7 +497,7 @@
           <a:p>
             <a:fld id="{4F09AFFE-0D94-4082-85FD-CD67B60CD492}" type="datetimeFigureOut">
               <a:rPr lang="en-US" smtClean="0"/>
-              <a:t>11/10/20</a:t>
+              <a:t>11/12/20</a:t>
             </a:fld>
             <a:endParaRPr lang="en-US"/>
           </a:p>
@@ -673,7 +675,7 @@
           <a:p>
             <a:fld id="{4F09AFFE-0D94-4082-85FD-CD67B60CD492}" type="datetimeFigureOut">
               <a:rPr lang="en-US" smtClean="0"/>
-              <a:t>11/10/20</a:t>
+              <a:t>11/12/20</a:t>
             </a:fld>
             <a:endParaRPr lang="en-US"/>
           </a:p>
@@ -841,7 +843,7 @@
           <a:p>
             <a:fld id="{4F09AFFE-0D94-4082-85FD-CD67B60CD492}" type="datetimeFigureOut">
               <a:rPr lang="en-US" smtClean="0"/>
-              <a:t>11/10/20</a:t>
+              <a:t>11/12/20</a:t>
             </a:fld>
             <a:endParaRPr lang="en-US"/>
           </a:p>
@@ -1086,7 +1088,7 @@
           <a:p>
             <a:fld id="{4F09AFFE-0D94-4082-85FD-CD67B60CD492}" type="datetimeFigureOut">
               <a:rPr lang="en-US" smtClean="0"/>
-              <a:t>11/10/20</a:t>
+              <a:t>11/12/20</a:t>
             </a:fld>
             <a:endParaRPr lang="en-US"/>
           </a:p>
@@ -1371,7 +1373,7 @@
           <a:p>
             <a:fld id="{4F09AFFE-0D94-4082-85FD-CD67B60CD492}" type="datetimeFigureOut">
               <a:rPr lang="en-US" smtClean="0"/>
-              <a:t>11/10/20</a:t>
+              <a:t>11/12/20</a:t>
             </a:fld>
             <a:endParaRPr lang="en-US"/>
           </a:p>
@@ -1790,7 +1792,7 @@
           <a:p>
             <a:fld id="{4F09AFFE-0D94-4082-85FD-CD67B60CD492}" type="datetimeFigureOut">
               <a:rPr lang="en-US" smtClean="0"/>
-              <a:t>11/10/20</a:t>
+              <a:t>11/12/20</a:t>
             </a:fld>
             <a:endParaRPr lang="en-US"/>
           </a:p>
@@ -1907,7 +1909,7 @@
           <a:p>
             <a:fld id="{4F09AFFE-0D94-4082-85FD-CD67B60CD492}" type="datetimeFigureOut">
               <a:rPr lang="en-US" smtClean="0"/>
-              <a:t>11/10/20</a:t>
+              <a:t>11/12/20</a:t>
             </a:fld>
             <a:endParaRPr lang="en-US"/>
           </a:p>
@@ -2002,7 +2004,7 @@
           <a:p>
             <a:fld id="{4F09AFFE-0D94-4082-85FD-CD67B60CD492}" type="datetimeFigureOut">
               <a:rPr lang="en-US" smtClean="0"/>
-              <a:t>11/10/20</a:t>
+              <a:t>11/12/20</a:t>
             </a:fld>
             <a:endParaRPr lang="en-US"/>
           </a:p>
@@ -2277,7 +2279,7 @@
           <a:p>
             <a:fld id="{4F09AFFE-0D94-4082-85FD-CD67B60CD492}" type="datetimeFigureOut">
               <a:rPr lang="en-US" smtClean="0"/>
-              <a:t>11/10/20</a:t>
+              <a:t>11/12/20</a:t>
             </a:fld>
             <a:endParaRPr lang="en-US"/>
           </a:p>
@@ -2529,7 +2531,7 @@
           <a:p>
             <a:fld id="{4F09AFFE-0D94-4082-85FD-CD67B60CD492}" type="datetimeFigureOut">
               <a:rPr lang="en-US" smtClean="0"/>
-              <a:t>11/10/20</a:t>
+              <a:t>11/12/20</a:t>
             </a:fld>
             <a:endParaRPr lang="en-US"/>
           </a:p>
@@ -2740,7 +2742,7 @@
           <a:p>
             <a:fld id="{4F09AFFE-0D94-4082-85FD-CD67B60CD492}" type="datetimeFigureOut">
               <a:rPr lang="en-US" smtClean="0"/>
-              <a:t>11/10/20</a:t>
+              <a:t>11/12/20</a:t>
             </a:fld>
             <a:endParaRPr lang="en-US"/>
           </a:p>
@@ -3217,7 +3219,7 @@
           <a:p>
             <a:r>
               <a:rPr lang="en-US" dirty="0"/>
-              <a:t>Class Tortoise: III</a:t>
+              <a:t>Class Tortoise</a:t>
             </a:r>
           </a:p>
         </p:txBody>
@@ -3235,7 +3237,7 @@
         <p:spPr>
           <a:xfrm>
             <a:off x="457200" y="1219200"/>
-            <a:ext cx="8229600" cy="4906963"/>
+            <a:ext cx="8458200" cy="4906963"/>
           </a:xfrm>
         </p:spPr>
         <p:txBody>
@@ -3244,6 +3246,246 @@
           </a:bodyPr>
           <a:lstStyle/>
           <a:p>
+            <a:r>
+              <a:rPr lang="en-US" sz="2800" dirty="0"/>
+              <a:t>What are data members of Tortoise class?</a:t>
+            </a:r>
+          </a:p>
+          <a:p>
+            <a:r>
+              <a:rPr lang="en-US" sz="2800" dirty="0"/>
+              <a:t>How to define </a:t>
+            </a:r>
+          </a:p>
+          <a:p>
+            <a:r>
+              <a:rPr lang="en-US" sz="2800" dirty="0"/>
+              <a:t>What are function members?</a:t>
+            </a:r>
+            <a:endParaRPr lang="nb-NO" sz="2800" dirty="0"/>
+          </a:p>
+          <a:p>
+            <a:pPr marL="0" indent="0">
+              <a:buNone/>
+            </a:pPr>
+            <a:endParaRPr lang="nb-NO" sz="1600" dirty="0"/>
+          </a:p>
+          <a:p>
+            <a:pPr marL="0" indent="0">
+              <a:buNone/>
+            </a:pPr>
+            <a:r>
+              <a:rPr lang="nb-NO" sz="2800" dirty="0">
+                <a:solidFill>
+                  <a:srgbClr val="3366FF"/>
+                </a:solidFill>
+              </a:rPr>
+              <a:t>//TODO: </a:t>
+            </a:r>
+            <a:r>
+              <a:rPr lang="nb-NO" sz="2800" dirty="0" err="1">
+                <a:solidFill>
+                  <a:srgbClr val="3366FF"/>
+                </a:solidFill>
+              </a:rPr>
+              <a:t>define</a:t>
+            </a:r>
+            <a:r>
+              <a:rPr lang="nb-NO" sz="2800" dirty="0">
+                <a:solidFill>
+                  <a:srgbClr val="3366FF"/>
+                </a:solidFill>
+              </a:rPr>
+              <a:t> </a:t>
+            </a:r>
+            <a:r>
+              <a:rPr lang="nb-NO" sz="2800" dirty="0" err="1">
+                <a:solidFill>
+                  <a:srgbClr val="3366FF"/>
+                </a:solidFill>
+              </a:rPr>
+              <a:t>constructors</a:t>
+            </a:r>
+            <a:r>
+              <a:rPr lang="nb-NO" sz="2800" dirty="0">
+                <a:solidFill>
+                  <a:srgbClr val="3366FF"/>
+                </a:solidFill>
+              </a:rPr>
+              <a:t>. </a:t>
+            </a:r>
+          </a:p>
+          <a:p>
+            <a:pPr marL="0" indent="0">
+              <a:buNone/>
+            </a:pPr>
+            <a:r>
+              <a:rPr lang="nb-NO" sz="2800" dirty="0">
+                <a:solidFill>
+                  <a:srgbClr val="3366FF"/>
+                </a:solidFill>
+              </a:rPr>
+              <a:t>//1. </a:t>
+            </a:r>
+            <a:r>
+              <a:rPr lang="nb-NO" sz="2800" dirty="0" err="1">
+                <a:solidFill>
+                  <a:srgbClr val="3366FF"/>
+                </a:solidFill>
+              </a:rPr>
+              <a:t>Default</a:t>
+            </a:r>
+            <a:r>
+              <a:rPr lang="nb-NO" sz="2800" dirty="0">
+                <a:solidFill>
+                  <a:srgbClr val="3366FF"/>
+                </a:solidFill>
+              </a:rPr>
+              <a:t> </a:t>
+            </a:r>
+            <a:r>
+              <a:rPr lang="nb-NO" sz="2800" dirty="0" err="1">
+                <a:solidFill>
+                  <a:srgbClr val="3366FF"/>
+                </a:solidFill>
+              </a:rPr>
+              <a:t>constructor</a:t>
+            </a:r>
+            <a:r>
+              <a:rPr lang="nb-NO" sz="2800" dirty="0">
+                <a:solidFill>
+                  <a:srgbClr val="3366FF"/>
+                </a:solidFill>
+              </a:rPr>
+              <a:t> </a:t>
+            </a:r>
+            <a:r>
+              <a:rPr lang="nb-NO" sz="2800" dirty="0" err="1">
+                <a:solidFill>
+                  <a:srgbClr val="3366FF"/>
+                </a:solidFill>
+              </a:rPr>
+              <a:t>initializes</a:t>
+            </a:r>
+            <a:r>
+              <a:rPr lang="nb-NO" sz="2800" dirty="0">
+                <a:solidFill>
+                  <a:srgbClr val="3366FF"/>
+                </a:solidFill>
+              </a:rPr>
+              <a:t> </a:t>
+            </a:r>
+            <a:r>
+              <a:rPr lang="nb-NO" sz="2800" dirty="0" err="1">
+                <a:solidFill>
+                  <a:srgbClr val="3366FF"/>
+                </a:solidFill>
+              </a:rPr>
+              <a:t>position</a:t>
+            </a:r>
+            <a:r>
+              <a:rPr lang="nb-NO" sz="2800" dirty="0">
+                <a:solidFill>
+                  <a:srgbClr val="3366FF"/>
+                </a:solidFill>
+              </a:rPr>
+              <a:t> to be 0,</a:t>
+            </a:r>
+          </a:p>
+          <a:p>
+            <a:pPr marL="0" indent="0">
+              <a:buNone/>
+            </a:pPr>
+            <a:r>
+              <a:rPr lang="nb-NO" sz="2800" dirty="0">
+                <a:solidFill>
+                  <a:srgbClr val="3366FF"/>
+                </a:solidFill>
+              </a:rPr>
+              <a:t>//and </a:t>
+            </a:r>
+            <a:r>
+              <a:rPr lang="nb-NO" sz="2800" dirty="0" err="1">
+                <a:solidFill>
+                  <a:srgbClr val="3366FF"/>
+                </a:solidFill>
+              </a:rPr>
+              <a:t>move</a:t>
+            </a:r>
+            <a:r>
+              <a:rPr lang="nb-NO" sz="2800" dirty="0">
+                <a:solidFill>
+                  <a:srgbClr val="3366FF"/>
+                </a:solidFill>
+              </a:rPr>
+              <a:t> </a:t>
+            </a:r>
+            <a:r>
+              <a:rPr lang="nb-NO" sz="2800" dirty="0" err="1">
+                <a:solidFill>
+                  <a:srgbClr val="3366FF"/>
+                </a:solidFill>
+              </a:rPr>
+              <a:t>pattern</a:t>
+            </a:r>
+            <a:r>
+              <a:rPr lang="nb-NO" sz="2800" dirty="0">
+                <a:solidFill>
+                  <a:srgbClr val="3366FF"/>
+                </a:solidFill>
+              </a:rPr>
+              <a:t> to </a:t>
+            </a:r>
+            <a:r>
+              <a:rPr lang="nb-NO" sz="2800" dirty="0" err="1">
+                <a:solidFill>
+                  <a:srgbClr val="3366FF"/>
+                </a:solidFill>
+              </a:rPr>
+              <a:t>reflect</a:t>
+            </a:r>
+            <a:r>
+              <a:rPr lang="nb-NO" sz="2800" dirty="0">
+                <a:solidFill>
+                  <a:srgbClr val="3366FF"/>
+                </a:solidFill>
+              </a:rPr>
+              <a:t> </a:t>
+            </a:r>
+            <a:r>
+              <a:rPr lang="nb-NO" sz="2800" dirty="0" err="1">
+                <a:solidFill>
+                  <a:srgbClr val="3366FF"/>
+                </a:solidFill>
+              </a:rPr>
+              <a:t>the</a:t>
+            </a:r>
+            <a:r>
+              <a:rPr lang="nb-NO" sz="2800" dirty="0">
+                <a:solidFill>
+                  <a:srgbClr val="3366FF"/>
+                </a:solidFill>
+              </a:rPr>
+              <a:t> </a:t>
+            </a:r>
+            <a:r>
+              <a:rPr lang="nb-NO" sz="2800" dirty="0" err="1">
+                <a:solidFill>
+                  <a:srgbClr val="3366FF"/>
+                </a:solidFill>
+              </a:rPr>
+              <a:t>following</a:t>
+            </a:r>
+            <a:r>
+              <a:rPr lang="nb-NO" sz="2800" dirty="0">
+                <a:solidFill>
+                  <a:srgbClr val="3366FF"/>
+                </a:solidFill>
+              </a:rPr>
+              <a:t> data. </a:t>
+            </a:r>
+          </a:p>
+          <a:p>
             <a:pPr marL="0" indent="0">
               <a:buNone/>
             </a:pPr>
@@ -3253,7 +3495,7 @@
                   <a:srgbClr val="3366FF"/>
                 </a:solidFill>
               </a:rPr>
-              <a:t>//Move the tortoise by generating a random number </a:t>
+              <a:t>//50% of the time, tortoise moves forward 3 blocks.</a:t>
             </a:r>
           </a:p>
           <a:p>
@@ -3266,203 +3508,44 @@
                   <a:srgbClr val="3366FF"/>
                 </a:solidFill>
               </a:rPr>
-              <a:t>//in </a:t>
-            </a:r>
+              <a:t>//20% of the time, tortoise moves 6 blocks backward.</a:t>
+            </a:r>
+          </a:p>
+          <a:p>
+            <a:pPr marL="0" indent="0">
+              <a:buNone/>
+            </a:pPr>
             <a:r>
               <a:rPr lang="en-US" sz="2800" dirty="0">
                 <a:solidFill>
                   <a:srgbClr val="3366FF"/>
                 </a:solidFill>
-                <a:highlight>
-                  <a:srgbClr val="FFFF00"/>
-                </a:highlight>
-              </a:rPr>
-              <a:t>[0, size of array pattern)</a:t>
-            </a:r>
-            <a:r>
-              <a:rPr lang="en-US" sz="2800" dirty="0">
-                <a:solidFill>
-                  <a:srgbClr val="3366FF"/>
-                </a:solidFill>
-              </a:rPr>
-              <a:t>, </a:t>
-            </a:r>
-          </a:p>
-          <a:p>
-            <a:pPr marL="0" indent="0">
-              <a:buNone/>
-            </a:pPr>
-            <a:r>
-              <a:rPr lang="en-US" sz="2800" dirty="0">
-                <a:solidFill>
-                  <a:srgbClr val="3366FF"/>
-                </a:solidFill>
-              </a:rPr>
-              <a:t>//then move the animal according to its move pattern. </a:t>
-            </a:r>
-          </a:p>
-          <a:p>
-            <a:pPr marL="0" indent="0">
-              <a:buNone/>
-            </a:pPr>
-            <a:r>
-              <a:rPr lang="en-US" sz="2800" dirty="0">
-                <a:solidFill>
-                  <a:srgbClr val="3366FF"/>
-                </a:solidFill>
-              </a:rPr>
-              <a:t>//The position will be further validated once the animal //participates in a competition and knows road length.</a:t>
-            </a:r>
-          </a:p>
-          <a:p>
-            <a:pPr marL="0" indent="0">
-              <a:buNone/>
-            </a:pPr>
-            <a:r>
-              <a:rPr lang="en-US" sz="2800" dirty="0">
-                <a:solidFill>
-                  <a:srgbClr val="3366FF"/>
-                </a:solidFill>
-              </a:rPr>
-              <a:t>//Competitor call fall of roads (suppose we have pads </a:t>
-            </a:r>
-          </a:p>
-          <a:p>
-            <a:pPr marL="0" indent="0">
-              <a:buNone/>
-            </a:pPr>
-            <a:r>
-              <a:rPr lang="en-US" sz="2800" dirty="0">
-                <a:solidFill>
-                  <a:srgbClr val="3366FF"/>
-                </a:solidFill>
-              </a:rPr>
-              <a:t>//at both ends of the road.</a:t>
-            </a:r>
-          </a:p>
-          <a:p>
-            <a:pPr marL="0" indent="0">
-              <a:buNone/>
-            </a:pPr>
-            <a:r>
-              <a:rPr lang="en-US" sz="2800" dirty="0">
-                <a:latin typeface="Calibri" panose="020F0502020204030204" pitchFamily="34" charset="0"/>
-                <a:cs typeface="Calibri" panose="020F0502020204030204" pitchFamily="34" charset="0"/>
-              </a:rPr>
-              <a:t>void Tortoise::move()  {</a:t>
-            </a:r>
-          </a:p>
-          <a:p>
-            <a:pPr marL="0" indent="0">
-              <a:buNone/>
-            </a:pPr>
-            <a:r>
-              <a:rPr lang="en-US" sz="2800" dirty="0">
-                <a:latin typeface="Calibri" panose="020F0502020204030204" pitchFamily="34" charset="0"/>
-                <a:cs typeface="Calibri" panose="020F0502020204030204" pitchFamily="34" charset="0"/>
-              </a:rPr>
-              <a:t>        </a:t>
-            </a:r>
-            <a:r>
-              <a:rPr lang="en-US" sz="2800" dirty="0">
-                <a:solidFill>
-                  <a:srgbClr val="FF0000"/>
-                </a:solidFill>
-                <a:latin typeface="Calibri" panose="020F0502020204030204" pitchFamily="34" charset="0"/>
-                <a:cs typeface="Calibri" panose="020F0502020204030204" pitchFamily="34" charset="0"/>
-              </a:rPr>
-              <a:t>//Your code goes here.</a:t>
-            </a:r>
-          </a:p>
-          <a:p>
-            <a:pPr marL="0" indent="0">
-              <a:buNone/>
-            </a:pPr>
-            <a:r>
-              <a:rPr lang="en-US" sz="2800" dirty="0">
-                <a:latin typeface="Calibri" panose="020F0502020204030204" pitchFamily="34" charset="0"/>
-                <a:cs typeface="Calibri" panose="020F0502020204030204" pitchFamily="34" charset="0"/>
-              </a:rPr>
-              <a:t>}</a:t>
-            </a:r>
-          </a:p>
-          <a:p>
-            <a:pPr marL="0" indent="0">
-              <a:buNone/>
-            </a:pPr>
-            <a:r>
-              <a:rPr lang="en-US" sz="1500" dirty="0"/>
-              <a:t>      </a:t>
-            </a:r>
-          </a:p>
-        </p:txBody>
-      </p:sp>
-      <p:sp>
-        <p:nvSpPr>
-          <p:cNvPr id="4" name="Rounded Rectangle 3"/>
-          <p:cNvSpPr/>
-          <p:nvPr/>
-        </p:nvSpPr>
-        <p:spPr>
-          <a:xfrm>
-            <a:off x="4648200" y="5081486"/>
-            <a:ext cx="3810000" cy="990600"/>
-          </a:xfrm>
-          <a:prstGeom prst="roundRect">
-            <a:avLst/>
-          </a:prstGeom>
-        </p:spPr>
-        <p:style>
-          <a:lnRef idx="2">
-            <a:schemeClr val="accent1">
-              <a:shade val="50000"/>
-            </a:schemeClr>
-          </a:lnRef>
-          <a:fillRef idx="1">
-            <a:schemeClr val="accent1"/>
-          </a:fillRef>
-          <a:effectRef idx="0">
-            <a:schemeClr val="accent1"/>
-          </a:effectRef>
-          <a:fontRef idx="minor">
-            <a:schemeClr val="lt1"/>
-          </a:fontRef>
-        </p:style>
-        <p:txBody>
-          <a:bodyPr rtlCol="0" anchor="ctr"/>
-          <a:lstStyle/>
-          <a:p>
-            <a:r>
-              <a:rPr lang="en-US" dirty="0"/>
-              <a:t>Hints: </a:t>
-            </a:r>
-          </a:p>
-          <a:p>
-            <a:pPr marL="285750" indent="-285750">
-              <a:buFont typeface="Arial" charset="0"/>
-              <a:buChar char="•"/>
-            </a:pPr>
-            <a:r>
-              <a:rPr lang="en-US" dirty="0"/>
-              <a:t>No need to use if-else statement. </a:t>
-            </a:r>
-          </a:p>
-          <a:p>
-            <a:pPr marL="285750" indent="-285750">
-              <a:buFont typeface="Arial" charset="0"/>
-              <a:buChar char="•"/>
-            </a:pPr>
-            <a:r>
-              <a:rPr lang="en-US" dirty="0"/>
-              <a:t>Use index of array instead.</a:t>
-            </a:r>
+              </a:rPr>
+              <a:t>//30% of the time, tortoise moves 1 block forward.</a:t>
+            </a:r>
+          </a:p>
+          <a:p>
+            <a:pPr marL="0" indent="0">
+              <a:buNone/>
+            </a:pPr>
+            <a:endParaRPr lang="en-US" sz="2000" dirty="0"/>
+          </a:p>
+          <a:p>
+            <a:pPr marL="0" indent="0">
+              <a:buNone/>
+            </a:pPr>
+            <a:r>
+              <a:rPr lang="en-US" sz="2000" dirty="0"/>
+              <a:t>     </a:t>
+            </a:r>
+            <a:endParaRPr lang="en-US" sz="1500" dirty="0"/>
           </a:p>
         </p:txBody>
       </p:sp>
     </p:spTree>
     <p:extLst>
       <p:ext uri="{BB962C8B-B14F-4D97-AF65-F5344CB8AC3E}">
-        <p14:creationId xmlns:p14="http://schemas.microsoft.com/office/powerpoint/2010/main" val="3006548673"/>
+        <p14:creationId xmlns:p14="http://schemas.microsoft.com/office/powerpoint/2010/main" val="3713409477"/>
       </p:ext>
     </p:extLst>
   </p:cSld>
@@ -3499,14 +3582,19 @@
             <p:ph type="title"/>
           </p:nvPr>
         </p:nvSpPr>
-        <p:spPr/>
+        <p:spPr>
+          <a:xfrm>
+            <a:off x="533400" y="381000"/>
+            <a:ext cx="8229600" cy="1143000"/>
+          </a:xfrm>
+        </p:spPr>
         <p:txBody>
           <a:bodyPr/>
           <a:lstStyle/>
           <a:p>
             <a:r>
               <a:rPr lang="en-US" dirty="0"/>
-              <a:t>Class Tortoise: IV</a:t>
+              <a:t>Class Tortoise: II</a:t>
             </a:r>
           </a:p>
         </p:txBody>
@@ -3524,7 +3612,7 @@
         <p:spPr>
           <a:xfrm>
             <a:off x="457200" y="1219200"/>
-            <a:ext cx="8458200" cy="4906963"/>
+            <a:ext cx="8229600" cy="4906963"/>
           </a:xfrm>
         </p:spPr>
         <p:txBody>
@@ -3536,173 +3624,47 @@
             <a:pPr marL="0" indent="0">
               <a:buNone/>
             </a:pPr>
+            <a:endParaRPr lang="en-US" sz="2000" dirty="0">
+              <a:solidFill>
+                <a:srgbClr val="00B050"/>
+              </a:solidFill>
+            </a:endParaRPr>
+          </a:p>
+          <a:p>
+            <a:pPr marL="0" indent="0">
+              <a:buNone/>
+            </a:pPr>
             <a:r>
               <a:rPr lang="en-US" sz="2800" dirty="0">
                 <a:solidFill>
-                  <a:srgbClr val="CC00FF"/>
-                </a:solidFill>
-              </a:rPr>
-              <a:t>int</a:t>
-            </a:r>
-            <a:r>
-              <a:rPr lang="en-US" sz="2800" dirty="0"/>
-              <a:t> Tortoise::</a:t>
-            </a:r>
-            <a:r>
-              <a:rPr lang="en-US" sz="2800" dirty="0" err="1"/>
-              <a:t>getPosition</a:t>
-            </a:r>
-            <a:r>
-              <a:rPr lang="en-US" sz="2800" dirty="0"/>
-              <a:t>() </a:t>
-            </a:r>
-            <a:r>
-              <a:rPr lang="en-US" sz="2800" dirty="0">
-                <a:solidFill>
-                  <a:srgbClr val="CC00FF"/>
-                </a:solidFill>
-              </a:rPr>
-              <a:t>const</a:t>
-            </a:r>
-            <a:r>
-              <a:rPr lang="en-US" sz="2800" dirty="0"/>
-              <a:t>  {</a:t>
-            </a:r>
-          </a:p>
-          <a:p>
-            <a:pPr marL="0" indent="0">
-              <a:buNone/>
-            </a:pPr>
-            <a:r>
-              <a:rPr lang="en-US" sz="2800" dirty="0"/>
-              <a:t>       </a:t>
-            </a:r>
-            <a:r>
-              <a:rPr lang="en-US" sz="2800" dirty="0">
-                <a:solidFill>
-                  <a:srgbClr val="FF0000"/>
-                </a:solidFill>
-              </a:rPr>
-              <a:t>//Your code goes here.</a:t>
-            </a:r>
-          </a:p>
-          <a:p>
-            <a:pPr marL="0" indent="0">
-              <a:buNone/>
-            </a:pPr>
-            <a:r>
-              <a:rPr lang="en-US" sz="2800" dirty="0"/>
-              <a:t>}</a:t>
-            </a:r>
-          </a:p>
-          <a:p>
-            <a:pPr marL="0" indent="0">
-              <a:buNone/>
-            </a:pPr>
-            <a:endParaRPr lang="en-US" sz="1000" dirty="0"/>
-          </a:p>
-          <a:p>
-            <a:pPr marL="0" indent="0">
-              <a:buNone/>
-            </a:pPr>
-            <a:r>
-              <a:rPr lang="en-US" sz="2800" dirty="0">
-                <a:solidFill>
-                  <a:srgbClr val="3333FF"/>
-                </a:solidFill>
-              </a:rPr>
-              <a:t>//Position generated by move() might be out of //boundary of the road (slip pass the leftmost block or </a:t>
-            </a:r>
-          </a:p>
-          <a:p>
-            <a:pPr marL="0" indent="0">
-              <a:buNone/>
-            </a:pPr>
-            <a:r>
-              <a:rPr lang="en-US" sz="2800" dirty="0">
-                <a:solidFill>
-                  <a:srgbClr val="3333FF"/>
-                </a:solidFill>
-              </a:rPr>
-              <a:t>//slop past the rightmost block of the road),</a:t>
-            </a:r>
-          </a:p>
-          <a:p>
-            <a:pPr marL="0" indent="0">
-              <a:buNone/>
-            </a:pPr>
-            <a:r>
-              <a:rPr lang="en-US" sz="2800" dirty="0">
-                <a:solidFill>
-                  <a:srgbClr val="3333FF"/>
-                </a:solidFill>
-              </a:rPr>
-              <a:t>//reset the position to an appropriate number.</a:t>
-            </a:r>
-          </a:p>
-          <a:p>
-            <a:pPr marL="0" indent="0">
-              <a:buNone/>
-            </a:pPr>
-            <a:r>
-              <a:rPr lang="en-US" sz="2800" dirty="0"/>
-              <a:t>void Tortoise::</a:t>
-            </a:r>
-            <a:r>
-              <a:rPr lang="en-US" sz="2800" dirty="0" err="1"/>
-              <a:t>setPosition</a:t>
-            </a:r>
-            <a:r>
-              <a:rPr lang="en-US" sz="2800" dirty="0"/>
-              <a:t>(int </a:t>
-            </a:r>
-            <a:r>
-              <a:rPr lang="en-US" sz="2800" dirty="0" err="1"/>
-              <a:t>newPosition</a:t>
-            </a:r>
-            <a:r>
-              <a:rPr lang="en-US" sz="2800" dirty="0"/>
-              <a:t>) {</a:t>
-            </a:r>
-          </a:p>
-          <a:p>
-            <a:pPr marL="0" indent="0">
-              <a:buNone/>
-            </a:pPr>
-            <a:r>
-              <a:rPr lang="en-US" sz="2800" dirty="0"/>
-              <a:t>        </a:t>
-            </a:r>
-            <a:r>
-              <a:rPr lang="en-US" sz="2800" dirty="0">
-                <a:solidFill>
-                  <a:srgbClr val="FF0000"/>
-                </a:solidFill>
-              </a:rPr>
-              <a:t>//Your code goes here.</a:t>
-            </a:r>
-          </a:p>
-          <a:p>
-            <a:pPr marL="0" indent="0">
-              <a:buNone/>
-            </a:pPr>
-            <a:r>
-              <a:rPr lang="en-US" sz="2800" dirty="0"/>
-              <a:t>}</a:t>
-            </a:r>
-          </a:p>
-          <a:p>
-            <a:pPr marL="0" indent="0">
-              <a:buNone/>
-            </a:pPr>
-            <a:endParaRPr lang="en-US" sz="2100" dirty="0"/>
+                  <a:srgbClr val="3366FF"/>
+                </a:solidFill>
+              </a:rPr>
+              <a:t>//TODO: non-default constructor with given move //pattern together with pattern size, and given //position, use give parameter to initialize //corresponding data members.</a:t>
+            </a:r>
+          </a:p>
+          <a:p>
+            <a:pPr marL="0" indent="0">
+              <a:buNone/>
+            </a:pPr>
+            <a:endParaRPr lang="en-US" sz="2000" dirty="0"/>
+          </a:p>
+          <a:p>
+            <a:pPr marL="0" indent="0">
+              <a:buNone/>
+            </a:pPr>
+            <a:r>
+              <a:rPr lang="en-US" sz="2000" dirty="0"/>
+              <a:t>     </a:t>
+            </a:r>
+            <a:endParaRPr lang="en-US" sz="1500" dirty="0"/>
           </a:p>
         </p:txBody>
       </p:sp>
     </p:spTree>
     <p:extLst>
       <p:ext uri="{BB962C8B-B14F-4D97-AF65-F5344CB8AC3E}">
-        <p14:creationId xmlns:p14="http://schemas.microsoft.com/office/powerpoint/2010/main" val="3184585254"/>
+        <p14:creationId xmlns:p14="http://schemas.microsoft.com/office/powerpoint/2010/main" val="3238074520"/>
       </p:ext>
     </p:extLst>
   </p:cSld>
@@ -3731,13 +3693,7 @@
       </p:grpSpPr>
       <p:sp>
         <p:nvSpPr>
-          <p:cNvPr id="2" name="Title 1">
-            <a:extLst>
-              <a:ext uri="{FF2B5EF4-FFF2-40B4-BE49-F238E27FC236}">
-                <a16:creationId xmlns:a16="http://schemas.microsoft.com/office/drawing/2014/main" id="{36F18AD7-EB51-B84D-B28D-8128F9AF5FBC}"/>
-              </a:ext>
-            </a:extLst>
-          </p:cNvPr>
+          <p:cNvPr id="2" name="Title 1"/>
           <p:cNvSpPr>
             <a:spLocks noGrp="1"/>
           </p:cNvSpPr>
@@ -3745,27 +3701,26 @@
             <p:ph type="title"/>
           </p:nvPr>
         </p:nvSpPr>
-        <p:spPr/>
+        <p:spPr>
+          <a:xfrm>
+            <a:off x="533400" y="381000"/>
+            <a:ext cx="8229600" cy="1143000"/>
+          </a:xfrm>
+        </p:spPr>
         <p:txBody>
           <a:bodyPr/>
           <a:lstStyle/>
           <a:p>
             <a:r>
               <a:rPr lang="en-US" dirty="0"/>
-              <a:t>Class Tortoise: V</a:t>
-            </a:r>
-          </a:p>
-        </p:txBody>
-      </p:sp>
-      <p:sp>
-        <p:nvSpPr>
-          <p:cNvPr id="3" name="Content Placeholder 2">
-            <a:extLst>
-              <a:ext uri="{FF2B5EF4-FFF2-40B4-BE49-F238E27FC236}">
-                <a16:creationId xmlns:a16="http://schemas.microsoft.com/office/drawing/2014/main" id="{F06D0AD1-AAC5-6C44-BF5C-EA52622CF29A}"/>
-              </a:ext>
-            </a:extLst>
-          </p:cNvPr>
+              <a:t>Class Tortoise: III</a:t>
+            </a:r>
+          </a:p>
+        </p:txBody>
+      </p:sp>
+      <p:sp>
+        <p:nvSpPr>
+          <p:cNvPr id="3" name="Content Placeholder 2"/>
           <p:cNvSpPr>
             <a:spLocks noGrp="1"/>
           </p:cNvSpPr>
@@ -3773,94 +3728,237 @@
             <p:ph idx="1"/>
           </p:nvPr>
         </p:nvSpPr>
-        <p:spPr/>
-        <p:txBody>
-          <a:bodyPr/>
+        <p:spPr>
+          <a:xfrm>
+            <a:off x="457200" y="1219200"/>
+            <a:ext cx="8229600" cy="4906963"/>
+          </a:xfrm>
+        </p:spPr>
+        <p:txBody>
+          <a:bodyPr>
+            <a:noAutofit/>
+          </a:bodyPr>
           <a:lstStyle/>
           <a:p>
             <a:pPr marL="0" indent="0">
               <a:buNone/>
             </a:pPr>
             <a:r>
-              <a:rPr lang="en-US" dirty="0">
-                <a:solidFill>
-                  <a:srgbClr val="3333FF"/>
-                </a:solidFill>
-              </a:rPr>
-              <a:t>//Return move pattern.</a:t>
-            </a:r>
-          </a:p>
-          <a:p>
-            <a:pPr marL="0" indent="0">
-              <a:buNone/>
-            </a:pPr>
-            <a:r>
-              <a:rPr lang="en-US" dirty="0">
-                <a:solidFill>
-                  <a:srgbClr val="3333FF"/>
-                </a:solidFill>
-              </a:rPr>
-              <a:t>//What is the method header?</a:t>
-            </a:r>
-          </a:p>
-          <a:p>
-            <a:pPr marL="0" indent="0">
-              <a:buNone/>
-            </a:pPr>
-            <a:endParaRPr lang="en-US" dirty="0">
-              <a:solidFill>
-                <a:srgbClr val="3333FF"/>
-              </a:solidFill>
-            </a:endParaRPr>
-          </a:p>
-          <a:p>
-            <a:pPr marL="0" indent="0">
-              <a:buNone/>
-            </a:pPr>
-            <a:endParaRPr lang="en-US" dirty="0">
-              <a:solidFill>
-                <a:srgbClr val="3333FF"/>
-              </a:solidFill>
-            </a:endParaRPr>
-          </a:p>
-          <a:p>
-            <a:pPr marL="0" indent="0">
-              <a:buNone/>
-            </a:pPr>
-            <a:r>
-              <a:rPr lang="en-US" dirty="0">
-                <a:solidFill>
-                  <a:srgbClr val="3333FF"/>
-                </a:solidFill>
-              </a:rPr>
-              <a:t>//Return pattern length.</a:t>
-            </a:r>
-          </a:p>
-          <a:p>
-            <a:pPr marL="0" indent="0">
-              <a:buNone/>
-            </a:pPr>
-            <a:r>
-              <a:rPr lang="en-US" dirty="0">
-                <a:solidFill>
-                  <a:srgbClr val="3333FF"/>
-                </a:solidFill>
-              </a:rPr>
-              <a:t>//What is the method header?</a:t>
-            </a:r>
-          </a:p>
-          <a:p>
-            <a:pPr marL="0" indent="0">
-              <a:buNone/>
-            </a:pPr>
-            <a:endParaRPr lang="en-US" dirty="0"/>
+              <a:rPr lang="en-US" sz="2800" dirty="0">
+                <a:solidFill>
+                  <a:srgbClr val="3366FF"/>
+                </a:solidFill>
+              </a:rPr>
+              <a:t>//Move the tortoise by generating a random number </a:t>
+            </a:r>
+          </a:p>
+          <a:p>
+            <a:pPr marL="0" indent="0">
+              <a:buNone/>
+            </a:pPr>
+            <a:r>
+              <a:rPr lang="en-US" sz="2800" dirty="0">
+                <a:solidFill>
+                  <a:srgbClr val="3366FF"/>
+                </a:solidFill>
+              </a:rPr>
+              <a:t>//in </a:t>
+            </a:r>
+            <a:r>
+              <a:rPr lang="en-US" sz="2800" dirty="0">
+                <a:solidFill>
+                  <a:srgbClr val="3366FF"/>
+                </a:solidFill>
+                <a:highlight>
+                  <a:srgbClr val="FFFF00"/>
+                </a:highlight>
+              </a:rPr>
+              <a:t>[0, size of array pattern)</a:t>
+            </a:r>
+            <a:r>
+              <a:rPr lang="en-US" sz="2800" dirty="0">
+                <a:solidFill>
+                  <a:srgbClr val="3366FF"/>
+                </a:solidFill>
+              </a:rPr>
+              <a:t>, </a:t>
+            </a:r>
+          </a:p>
+          <a:p>
+            <a:pPr marL="0" indent="0">
+              <a:buNone/>
+            </a:pPr>
+            <a:r>
+              <a:rPr lang="en-US" sz="2800" dirty="0">
+                <a:solidFill>
+                  <a:srgbClr val="3366FF"/>
+                </a:solidFill>
+              </a:rPr>
+              <a:t>//then move the animal according to its move pattern. </a:t>
+            </a:r>
+          </a:p>
+          <a:p>
+            <a:pPr marL="0" indent="0">
+              <a:buNone/>
+            </a:pPr>
+            <a:r>
+              <a:rPr lang="en-US" sz="2800" dirty="0">
+                <a:solidFill>
+                  <a:srgbClr val="3366FF"/>
+                </a:solidFill>
+              </a:rPr>
+              <a:t>//The position will be further validated once the animal //participates in a competition and knows road length.</a:t>
+            </a:r>
+          </a:p>
+          <a:p>
+            <a:pPr marL="0" indent="0">
+              <a:buNone/>
+            </a:pPr>
+            <a:r>
+              <a:rPr lang="en-US" sz="2800" dirty="0">
+                <a:solidFill>
+                  <a:srgbClr val="3366FF"/>
+                </a:solidFill>
+              </a:rPr>
+              <a:t>//Competitor call fall of roads (suppose we have pads </a:t>
+            </a:r>
+          </a:p>
+          <a:p>
+            <a:pPr marL="0" indent="0">
+              <a:buNone/>
+            </a:pPr>
+            <a:r>
+              <a:rPr lang="en-US" sz="2800" dirty="0">
+                <a:solidFill>
+                  <a:srgbClr val="3366FF"/>
+                </a:solidFill>
+              </a:rPr>
+              <a:t>//at both ends of the road.</a:t>
+            </a:r>
+          </a:p>
+          <a:p>
+            <a:pPr marL="0" indent="0">
+              <a:buNone/>
+            </a:pPr>
+            <a:r>
+              <a:rPr lang="en-US" sz="2800" dirty="0">
+                <a:latin typeface="Calibri" panose="020F0502020204030204" pitchFamily="34" charset="0"/>
+                <a:cs typeface="Calibri" panose="020F0502020204030204" pitchFamily="34" charset="0"/>
+              </a:rPr>
+              <a:t>void Tortoise::move()  {</a:t>
+            </a:r>
+          </a:p>
+          <a:p>
+            <a:pPr marL="0" indent="0">
+              <a:buNone/>
+            </a:pPr>
+            <a:r>
+              <a:rPr lang="en-US" sz="2800" dirty="0">
+                <a:latin typeface="Calibri" panose="020F0502020204030204" pitchFamily="34" charset="0"/>
+                <a:cs typeface="Calibri" panose="020F0502020204030204" pitchFamily="34" charset="0"/>
+              </a:rPr>
+              <a:t>        </a:t>
+            </a:r>
+            <a:r>
+              <a:rPr lang="en-US" sz="2800" dirty="0">
+                <a:solidFill>
+                  <a:srgbClr val="FF0000"/>
+                </a:solidFill>
+                <a:latin typeface="Calibri" panose="020F0502020204030204" pitchFamily="34" charset="0"/>
+                <a:cs typeface="Calibri" panose="020F0502020204030204" pitchFamily="34" charset="0"/>
+              </a:rPr>
+              <a:t>//Your code goes here.</a:t>
+            </a:r>
+          </a:p>
+          <a:p>
+            <a:pPr marL="0" indent="0">
+              <a:buNone/>
+            </a:pPr>
+            <a:r>
+              <a:rPr lang="en-US" sz="2800" dirty="0">
+                <a:latin typeface="Calibri" panose="020F0502020204030204" pitchFamily="34" charset="0"/>
+                <a:cs typeface="Calibri" panose="020F0502020204030204" pitchFamily="34" charset="0"/>
+              </a:rPr>
+              <a:t>}</a:t>
+            </a:r>
+          </a:p>
+          <a:p>
+            <a:pPr marL="0" indent="0">
+              <a:buNone/>
+            </a:pPr>
+            <a:r>
+              <a:rPr lang="en-US" sz="1500" dirty="0"/>
+              <a:t>      </a:t>
+            </a:r>
+          </a:p>
+        </p:txBody>
+      </p:sp>
+      <p:sp>
+        <p:nvSpPr>
+          <p:cNvPr id="4" name="Rounded Rectangle 3"/>
+          <p:cNvSpPr/>
+          <p:nvPr/>
+        </p:nvSpPr>
+        <p:spPr>
+          <a:xfrm>
+            <a:off x="4648200" y="5081486"/>
+            <a:ext cx="3810000" cy="990600"/>
+          </a:xfrm>
+          <a:prstGeom prst="roundRect">
+            <a:avLst/>
+          </a:prstGeom>
+        </p:spPr>
+        <p:style>
+          <a:lnRef idx="2">
+            <a:schemeClr val="accent1">
+              <a:shade val="50000"/>
+            </a:schemeClr>
+          </a:lnRef>
+          <a:fillRef idx="1">
+            <a:schemeClr val="accent1"/>
+          </a:fillRef>
+          <a:effectRef idx="0">
+            <a:schemeClr val="accent1"/>
+          </a:effectRef>
+          <a:fontRef idx="minor">
+            <a:schemeClr val="lt1"/>
+          </a:fontRef>
+        </p:style>
+        <p:txBody>
+          <a:bodyPr rtlCol="0" anchor="ctr"/>
+          <a:lstStyle/>
+          <a:p>
+            <a:r>
+              <a:rPr lang="en-US" dirty="0"/>
+              <a:t>Hints: </a:t>
+            </a:r>
+          </a:p>
+          <a:p>
+            <a:pPr marL="285750" indent="-285750">
+              <a:buFont typeface="Arial" charset="0"/>
+              <a:buChar char="•"/>
+            </a:pPr>
+            <a:r>
+              <a:rPr lang="en-US" dirty="0"/>
+              <a:t>No need to use if-else statement. </a:t>
+            </a:r>
+          </a:p>
+          <a:p>
+            <a:pPr marL="285750" indent="-285750">
+              <a:buFont typeface="Arial" charset="0"/>
+              <a:buChar char="•"/>
+            </a:pPr>
+            <a:r>
+              <a:rPr lang="en-US" dirty="0"/>
+              <a:t>Use index of array instead.</a:t>
+            </a:r>
           </a:p>
         </p:txBody>
       </p:sp>
     </p:spTree>
     <p:extLst>
       <p:ext uri="{BB962C8B-B14F-4D97-AF65-F5344CB8AC3E}">
-        <p14:creationId xmlns:p14="http://schemas.microsoft.com/office/powerpoint/2010/main" val="3940968033"/>
+        <p14:creationId xmlns:p14="http://schemas.microsoft.com/office/powerpoint/2010/main" val="3006548673"/>
       </p:ext>
     </p:extLst>
   </p:cSld>
@@ -3904,7 +4002,7 @@
           <a:p>
             <a:r>
               <a:rPr lang="en-US" dirty="0"/>
-              <a:t>Class Hare</a:t>
+              <a:t>Class Tortoise: IV</a:t>
             </a:r>
           </a:p>
         </p:txBody>
@@ -3919,22 +4017,188 @@
             <p:ph idx="1"/>
           </p:nvPr>
         </p:nvSpPr>
-        <p:spPr/>
-        <p:txBody>
-          <a:bodyPr/>
+        <p:spPr>
+          <a:xfrm>
+            <a:off x="457200" y="1219200"/>
+            <a:ext cx="8458200" cy="4906963"/>
+          </a:xfrm>
+        </p:spPr>
+        <p:txBody>
+          <a:bodyPr>
+            <a:noAutofit/>
+          </a:bodyPr>
           <a:lstStyle/>
           <a:p>
-            <a:r>
-              <a:rPr lang="en-US" dirty="0"/>
-              <a:t>Design Hare class similarly.</a:t>
-            </a:r>
+            <a:pPr marL="0" indent="0">
+              <a:buNone/>
+            </a:pPr>
+            <a:r>
+              <a:rPr lang="en-US" sz="2800" dirty="0">
+                <a:solidFill>
+                  <a:srgbClr val="CC00FF"/>
+                </a:solidFill>
+              </a:rPr>
+              <a:t>int</a:t>
+            </a:r>
+            <a:r>
+              <a:rPr lang="en-US" sz="2800" dirty="0"/>
+              <a:t> Tortoise::</a:t>
+            </a:r>
+            <a:r>
+              <a:rPr lang="en-US" sz="2800" dirty="0" err="1"/>
+              <a:t>getPosition</a:t>
+            </a:r>
+            <a:r>
+              <a:rPr lang="en-US" sz="2800" dirty="0"/>
+              <a:t>() </a:t>
+            </a:r>
+            <a:r>
+              <a:rPr lang="en-US" sz="2800" dirty="0">
+                <a:solidFill>
+                  <a:srgbClr val="CC00FF"/>
+                </a:solidFill>
+              </a:rPr>
+              <a:t>const</a:t>
+            </a:r>
+            <a:r>
+              <a:rPr lang="en-US" sz="2800" dirty="0"/>
+              <a:t>  {</a:t>
+            </a:r>
+          </a:p>
+          <a:p>
+            <a:pPr marL="0" indent="0">
+              <a:buNone/>
+            </a:pPr>
+            <a:r>
+              <a:rPr lang="en-US" sz="2800" dirty="0"/>
+              <a:t>       </a:t>
+            </a:r>
+            <a:r>
+              <a:rPr lang="en-US" sz="2800" dirty="0">
+                <a:solidFill>
+                  <a:srgbClr val="FF0000"/>
+                </a:solidFill>
+              </a:rPr>
+              <a:t>//Your code goes here.</a:t>
+            </a:r>
+          </a:p>
+          <a:p>
+            <a:pPr marL="0" indent="0">
+              <a:buNone/>
+            </a:pPr>
+            <a:r>
+              <a:rPr lang="en-US" sz="2800" dirty="0"/>
+              <a:t>}</a:t>
+            </a:r>
+          </a:p>
+          <a:p>
+            <a:pPr marL="0" indent="0">
+              <a:buNone/>
+            </a:pPr>
+            <a:endParaRPr lang="en-US" sz="1000" dirty="0"/>
+          </a:p>
+          <a:p>
+            <a:pPr marL="0" indent="0">
+              <a:buNone/>
+            </a:pPr>
+            <a:r>
+              <a:rPr lang="en-US" sz="2800" dirty="0">
+                <a:solidFill>
+                  <a:srgbClr val="3333FF"/>
+                </a:solidFill>
+              </a:rPr>
+              <a:t>//Position generated by move() might be out of //boundary of the road (slip pass the leftmost block or </a:t>
+            </a:r>
+          </a:p>
+          <a:p>
+            <a:pPr marL="0" indent="0">
+              <a:buNone/>
+            </a:pPr>
+            <a:r>
+              <a:rPr lang="en-US" sz="2800" dirty="0">
+                <a:solidFill>
+                  <a:srgbClr val="3333FF"/>
+                </a:solidFill>
+              </a:rPr>
+              <a:t>//slop past the rightmost block of the road),</a:t>
+            </a:r>
+          </a:p>
+          <a:p>
+            <a:pPr marL="0" indent="0">
+              <a:buNone/>
+            </a:pPr>
+            <a:r>
+              <a:rPr lang="en-US" sz="2800" dirty="0">
+                <a:solidFill>
+                  <a:srgbClr val="3333FF"/>
+                </a:solidFill>
+              </a:rPr>
+              <a:t>//reset the position to an appropriate number.</a:t>
+            </a:r>
+          </a:p>
+          <a:p>
+            <a:pPr marL="0" indent="0">
+              <a:buNone/>
+            </a:pPr>
+            <a:r>
+              <a:rPr lang="en-US" sz="2800" dirty="0"/>
+              <a:t>void Tortoise::</a:t>
+            </a:r>
+            <a:r>
+              <a:rPr lang="en-US" sz="2800" dirty="0" err="1"/>
+              <a:t>setPosition</a:t>
+            </a:r>
+            <a:r>
+              <a:rPr lang="en-US" sz="2800" dirty="0"/>
+              <a:t>(int </a:t>
+            </a:r>
+            <a:r>
+              <a:rPr lang="en-US" sz="2800" dirty="0" err="1"/>
+              <a:t>newPosition</a:t>
+            </a:r>
+            <a:r>
+              <a:rPr lang="en-US" sz="2800" dirty="0"/>
+              <a:t>) {</a:t>
+            </a:r>
+          </a:p>
+          <a:p>
+            <a:pPr marL="0" indent="0">
+              <a:buNone/>
+            </a:pPr>
+            <a:r>
+              <a:rPr lang="en-US" sz="2800" dirty="0"/>
+              <a:t>        </a:t>
+            </a:r>
+            <a:r>
+              <a:rPr lang="en-US" sz="2800" dirty="0">
+                <a:solidFill>
+                  <a:srgbClr val="FF0000"/>
+                </a:solidFill>
+              </a:rPr>
+              <a:t>//Your code goes here.</a:t>
+            </a:r>
+          </a:p>
+          <a:p>
+            <a:pPr marL="0" indent="0">
+              <a:buNone/>
+            </a:pPr>
+            <a:r>
+              <a:rPr lang="en-US" sz="2800" dirty="0"/>
+              <a:t>}</a:t>
+            </a:r>
+          </a:p>
+          <a:p>
+            <a:pPr marL="0" indent="0">
+              <a:buNone/>
+            </a:pPr>
+            <a:endParaRPr lang="en-US" sz="2100" dirty="0"/>
           </a:p>
         </p:txBody>
       </p:sp>
     </p:spTree>
     <p:extLst>
       <p:ext uri="{BB962C8B-B14F-4D97-AF65-F5344CB8AC3E}">
-        <p14:creationId xmlns:p14="http://schemas.microsoft.com/office/powerpoint/2010/main" val="2478810376"/>
+        <p14:creationId xmlns:p14="http://schemas.microsoft.com/office/powerpoint/2010/main" val="3184585254"/>
       </p:ext>
     </p:extLst>
   </p:cSld>
@@ -3963,7 +4227,13 @@
       </p:grpSpPr>
       <p:sp>
         <p:nvSpPr>
-          <p:cNvPr id="2" name="Title 1"/>
+          <p:cNvPr id="2" name="Title 1">
+            <a:extLst>
+              <a:ext uri="{FF2B5EF4-FFF2-40B4-BE49-F238E27FC236}">
+                <a16:creationId xmlns:a16="http://schemas.microsoft.com/office/drawing/2014/main" id="{36F18AD7-EB51-B84D-B28D-8128F9AF5FBC}"/>
+              </a:ext>
+            </a:extLst>
+          </p:cNvPr>
           <p:cNvSpPr>
             <a:spLocks noGrp="1"/>
           </p:cNvSpPr>
@@ -3978,14 +4248,20 @@
           <a:p>
             <a:r>
               <a:rPr lang="en-US" dirty="0"/>
-              <a:t>Road</a:t>
-            </a:r>
-          </a:p>
-        </p:txBody>
-      </p:sp>
-      <p:sp>
-        <p:nvSpPr>
-          <p:cNvPr id="3" name="Content Placeholder 2"/>
+              <a:t>Class Tortoise: V</a:t>
+            </a:r>
+          </a:p>
+        </p:txBody>
+      </p:sp>
+      <p:sp>
+        <p:nvSpPr>
+          <p:cNvPr id="3" name="Content Placeholder 2">
+            <a:extLst>
+              <a:ext uri="{FF2B5EF4-FFF2-40B4-BE49-F238E27FC236}">
+                <a16:creationId xmlns:a16="http://schemas.microsoft.com/office/drawing/2014/main" id="{F06D0AD1-AAC5-6C44-BF5C-EA52622CF29A}"/>
+              </a:ext>
+            </a:extLst>
+          </p:cNvPr>
           <p:cNvSpPr>
             <a:spLocks noGrp="1"/>
           </p:cNvSpPr>
@@ -3995,35 +4271,92 @@
         </p:nvSpPr>
         <p:spPr/>
         <p:txBody>
-          <a:bodyPr>
-            <a:normAutofit/>
-          </a:bodyPr>
+          <a:bodyPr/>
           <a:lstStyle/>
           <a:p>
-            <a:r>
-              <a:rPr lang="en-US" dirty="0"/>
-              <a:t>Road can be thought as adjacent blocks (squares) of mud, when an animal step on a block, the animal will leave a mark.</a:t>
-            </a:r>
-          </a:p>
-          <a:p>
-            <a:pPr lvl="1"/>
-            <a:r>
-              <a:rPr lang="en-US" dirty="0"/>
-              <a:t>A hare leaves letter ‘H’, while a tortoise leaves letter ‘T’. An untouched block is represented by a space.</a:t>
-            </a:r>
-          </a:p>
-          <a:p>
-            <a:r>
-              <a:rPr lang="en-US" dirty="0"/>
-              <a:t>Use an array of char to represent a road. It remains to find operations for this data member.</a:t>
-            </a:r>
+            <a:pPr marL="0" indent="0">
+              <a:buNone/>
+            </a:pPr>
+            <a:r>
+              <a:rPr lang="en-US" dirty="0">
+                <a:solidFill>
+                  <a:srgbClr val="3333FF"/>
+                </a:solidFill>
+              </a:rPr>
+              <a:t>//Return move pattern.</a:t>
+            </a:r>
+          </a:p>
+          <a:p>
+            <a:pPr marL="0" indent="0">
+              <a:buNone/>
+            </a:pPr>
+            <a:r>
+              <a:rPr lang="en-US" dirty="0">
+                <a:solidFill>
+                  <a:srgbClr val="3333FF"/>
+                </a:solidFill>
+              </a:rPr>
+              <a:t>//What is the method header?</a:t>
+            </a:r>
+          </a:p>
+          <a:p>
+            <a:pPr marL="0" indent="0">
+              <a:buNone/>
+            </a:pPr>
+            <a:endParaRPr lang="en-US" dirty="0">
+              <a:solidFill>
+                <a:srgbClr val="3333FF"/>
+              </a:solidFill>
+            </a:endParaRPr>
+          </a:p>
+          <a:p>
+            <a:pPr marL="0" indent="0">
+              <a:buNone/>
+            </a:pPr>
+            <a:endParaRPr lang="en-US" dirty="0">
+              <a:solidFill>
+                <a:srgbClr val="3333FF"/>
+              </a:solidFill>
+            </a:endParaRPr>
+          </a:p>
+          <a:p>
+            <a:pPr marL="0" indent="0">
+              <a:buNone/>
+            </a:pPr>
+            <a:r>
+              <a:rPr lang="en-US" dirty="0">
+                <a:solidFill>
+                  <a:srgbClr val="3333FF"/>
+                </a:solidFill>
+              </a:rPr>
+              <a:t>//Return pattern length.</a:t>
+            </a:r>
+          </a:p>
+          <a:p>
+            <a:pPr marL="0" indent="0">
+              <a:buNone/>
+            </a:pPr>
+            <a:r>
+              <a:rPr lang="en-US" dirty="0">
+                <a:solidFill>
+                  <a:srgbClr val="3333FF"/>
+                </a:solidFill>
+              </a:rPr>
+              <a:t>//What is the method header?</a:t>
+            </a:r>
+          </a:p>
+          <a:p>
+            <a:pPr marL="0" indent="0">
+              <a:buNone/>
+            </a:pPr>
+            <a:endParaRPr lang="en-US" dirty="0"/>
           </a:p>
         </p:txBody>
       </p:sp>
     </p:spTree>
     <p:extLst>
       <p:ext uri="{BB962C8B-B14F-4D97-AF65-F5344CB8AC3E}">
-        <p14:creationId xmlns:p14="http://schemas.microsoft.com/office/powerpoint/2010/main" val="852921097"/>
+        <p14:creationId xmlns:p14="http://schemas.microsoft.com/office/powerpoint/2010/main" val="3940968033"/>
       </p:ext>
     </p:extLst>
   </p:cSld>
@@ -4067,7 +4400,7 @@
           <a:p>
             <a:r>
               <a:rPr lang="en-US" dirty="0"/>
-              <a:t>Class Road</a:t>
+              <a:t>Class Hare</a:t>
             </a:r>
           </a:p>
         </p:txBody>
@@ -4082,98 +4415,14 @@
             <p:ph idx="1"/>
           </p:nvPr>
         </p:nvSpPr>
-        <p:spPr>
-          <a:xfrm>
-            <a:off x="457200" y="1219200"/>
-            <a:ext cx="8382000" cy="5105400"/>
-          </a:xfrm>
-        </p:spPr>
-        <p:txBody>
-          <a:bodyPr>
-            <a:noAutofit/>
-          </a:bodyPr>
+        <p:spPr/>
+        <p:txBody>
+          <a:bodyPr/>
           <a:lstStyle/>
           <a:p>
             <a:r>
-              <a:rPr lang="en-US" sz="2800" dirty="0"/>
-              <a:t>What are data members?</a:t>
-            </a:r>
-          </a:p>
-          <a:p>
-            <a:r>
-              <a:rPr lang="en-US" sz="2800" dirty="0"/>
-              <a:t>What are operations on data members?</a:t>
-            </a:r>
-          </a:p>
-          <a:p>
-            <a:r>
-              <a:rPr lang="en-US" sz="2800" dirty="0"/>
-              <a:t>How to define constructor?</a:t>
-            </a:r>
-          </a:p>
-          <a:p>
-            <a:pPr marL="0" indent="0">
-              <a:buNone/>
-            </a:pPr>
-            <a:endParaRPr lang="en-US" sz="2800" dirty="0"/>
-          </a:p>
-          <a:p>
-            <a:pPr marL="0" indent="0">
-              <a:buNone/>
-            </a:pPr>
-            <a:r>
-              <a:rPr lang="en-US" sz="2800" dirty="0">
-                <a:solidFill>
-                  <a:srgbClr val="3366FF"/>
-                </a:solidFill>
-              </a:rPr>
-              <a:t>//Default constructor to create a road with 70 blocks, //each block is initialized with a space char.</a:t>
-            </a:r>
-          </a:p>
-          <a:p>
-            <a:pPr marL="0" indent="0">
-              <a:buNone/>
-            </a:pPr>
-            <a:endParaRPr lang="en-US" sz="2800" dirty="0">
-              <a:solidFill>
-                <a:srgbClr val="3366FF"/>
-              </a:solidFill>
-            </a:endParaRPr>
-          </a:p>
-          <a:p>
-            <a:pPr marL="0" indent="0">
-              <a:buNone/>
-            </a:pPr>
-            <a:r>
-              <a:rPr lang="en-US" sz="2800" dirty="0">
-                <a:solidFill>
-                  <a:srgbClr val="3366FF"/>
-                </a:solidFill>
-              </a:rPr>
-              <a:t>//A non-default constructor to create a road with proper //length. A parameter representing length is provided.</a:t>
-            </a:r>
-          </a:p>
-          <a:p>
-            <a:pPr marL="0" indent="0">
-              <a:buNone/>
-            </a:pPr>
-            <a:r>
-              <a:rPr lang="en-US" sz="2800" dirty="0"/>
-              <a:t>     </a:t>
-            </a:r>
-            <a:endParaRPr lang="en-US" sz="2300" dirty="0">
-              <a:solidFill>
-                <a:srgbClr val="3366FF"/>
-              </a:solidFill>
-            </a:endParaRPr>
-          </a:p>
-          <a:p>
-            <a:pPr marL="0" indent="0">
-              <a:buNone/>
-            </a:pPr>
-            <a:r>
-              <a:rPr lang="en-US" sz="2300" dirty="0"/>
-              <a:t>      </a:t>
+              <a:rPr lang="en-US" dirty="0"/>
+              <a:t>Design Hare class similarly.</a:t>
             </a:r>
           </a:p>
         </p:txBody>
@@ -4181,7 +4430,7 @@
     </p:spTree>
     <p:extLst>
       <p:ext uri="{BB962C8B-B14F-4D97-AF65-F5344CB8AC3E}">
-        <p14:creationId xmlns:p14="http://schemas.microsoft.com/office/powerpoint/2010/main" val="991397948"/>
+        <p14:creationId xmlns:p14="http://schemas.microsoft.com/office/powerpoint/2010/main" val="2478810376"/>
       </p:ext>
     </p:extLst>
   </p:cSld>
@@ -4225,7 +4474,7 @@
           <a:p>
             <a:r>
               <a:rPr lang="en-US" dirty="0"/>
-              <a:t>Class Road: II</a:t>
+              <a:t>Road</a:t>
             </a:r>
           </a:p>
         </p:txBody>
@@ -4240,109 +4489,29 @@
             <p:ph idx="1"/>
           </p:nvPr>
         </p:nvSpPr>
-        <p:spPr>
-          <a:xfrm>
-            <a:off x="457200" y="1219200"/>
-            <a:ext cx="8382000" cy="5105400"/>
-          </a:xfrm>
-        </p:spPr>
+        <p:spPr/>
         <p:txBody>
           <a:bodyPr>
-            <a:noAutofit/>
+            <a:normAutofit/>
           </a:bodyPr>
           <a:lstStyle/>
           <a:p>
-            <a:pPr marL="0" indent="0">
-              <a:buNone/>
-            </a:pPr>
-            <a:r>
-              <a:rPr lang="en-US" sz="2800" dirty="0">
-                <a:solidFill>
-                  <a:srgbClr val="3366FF"/>
-                </a:solidFill>
-              </a:rPr>
-              <a:t>//Clear each block of road to be space char.</a:t>
-            </a:r>
-          </a:p>
-          <a:p>
-            <a:pPr marL="0" indent="0">
-              <a:buNone/>
-            </a:pPr>
-            <a:r>
-              <a:rPr lang="en-US" sz="2800" dirty="0">
-                <a:solidFill>
-                  <a:srgbClr val="3366FF"/>
-                </a:solidFill>
-              </a:rPr>
-              <a:t>//It is equivalent to clean the road. </a:t>
-            </a:r>
-          </a:p>
-          <a:p>
-            <a:pPr marL="0" indent="0">
-              <a:buNone/>
-            </a:pPr>
-            <a:r>
-              <a:rPr lang="en-US" sz="2800" dirty="0">
-                <a:solidFill>
-                  <a:srgbClr val="3366FF"/>
-                </a:solidFill>
-              </a:rPr>
-              <a:t>//This method is called by constructors.</a:t>
-            </a:r>
-          </a:p>
-          <a:p>
-            <a:pPr marL="0" indent="0">
-              <a:buNone/>
-            </a:pPr>
-            <a:r>
-              <a:rPr lang="en-US" sz="2800" dirty="0"/>
-              <a:t>void Road::clear() {</a:t>
-            </a:r>
-          </a:p>
-          <a:p>
-            <a:pPr marL="0" indent="0">
-              <a:buNone/>
-            </a:pPr>
-            <a:r>
-              <a:rPr lang="en-US" sz="2800" dirty="0"/>
-              <a:t>         </a:t>
-            </a:r>
-            <a:r>
-              <a:rPr lang="en-US" sz="2800" dirty="0">
-                <a:solidFill>
-                  <a:srgbClr val="FF0000"/>
-                </a:solidFill>
-              </a:rPr>
-              <a:t>//Your code goes here.</a:t>
-            </a:r>
-            <a:endParaRPr lang="en-US" sz="2800" dirty="0"/>
-          </a:p>
-          <a:p>
-            <a:pPr marL="0" indent="0">
-              <a:buNone/>
-            </a:pPr>
-            <a:r>
-              <a:rPr lang="en-US" sz="2800" dirty="0"/>
-              <a:t>}</a:t>
-            </a:r>
-          </a:p>
-          <a:p>
-            <a:pPr marL="0" indent="0">
-              <a:buNone/>
-            </a:pPr>
-            <a:endParaRPr lang="en-US" sz="2300" dirty="0">
-              <a:solidFill>
-                <a:srgbClr val="3366FF"/>
-              </a:solidFill>
-            </a:endParaRPr>
-          </a:p>
-          <a:p>
-            <a:pPr marL="0" indent="0">
-              <a:buNone/>
-            </a:pPr>
-            <a:r>
-              <a:rPr lang="en-US" sz="2300" dirty="0"/>
-              <a:t>      </a:t>
+            <a:r>
+              <a:rPr lang="en-US" dirty="0"/>
+              <a:t>Road can be thought as adjacent blocks (squares) of mud, when an animal step on a block, the animal will leave a mark.</a:t>
+            </a:r>
+          </a:p>
+          <a:p>
+            <a:pPr lvl="1"/>
+            <a:r>
+              <a:rPr lang="en-US" dirty="0"/>
+              <a:t>A hare leaves letter ‘H’, while a tortoise leaves letter ‘T’. An untouched block is represented by a space.</a:t>
+            </a:r>
+          </a:p>
+          <a:p>
+            <a:r>
+              <a:rPr lang="en-US" dirty="0"/>
+              <a:t>Use an array of char to represent a road. It remains to find operations for this data member.</a:t>
             </a:r>
           </a:p>
         </p:txBody>
@@ -4350,7 +4519,7 @@
     </p:spTree>
     <p:extLst>
       <p:ext uri="{BB962C8B-B14F-4D97-AF65-F5344CB8AC3E}">
-        <p14:creationId xmlns:p14="http://schemas.microsoft.com/office/powerpoint/2010/main" val="3947270246"/>
+        <p14:creationId xmlns:p14="http://schemas.microsoft.com/office/powerpoint/2010/main" val="852921097"/>
       </p:ext>
     </p:extLst>
   </p:cSld>
@@ -4394,7 +4563,7 @@
           <a:p>
             <a:r>
               <a:rPr lang="en-US" dirty="0"/>
-              <a:t>Class road: III</a:t>
+              <a:t>Class Road</a:t>
             </a:r>
           </a:p>
         </p:txBody>
@@ -4411,8 +4580,8 @@
         </p:nvSpPr>
         <p:spPr>
           <a:xfrm>
-            <a:off x="152400" y="1219200"/>
-            <a:ext cx="8763000" cy="5105400"/>
+            <a:off x="457200" y="1219200"/>
+            <a:ext cx="8382000" cy="5105400"/>
           </a:xfrm>
         </p:spPr>
         <p:txBody>
@@ -4421,17 +4590,46 @@
           </a:bodyPr>
           <a:lstStyle/>
           <a:p>
+            <a:r>
+              <a:rPr lang="en-US" sz="2800" dirty="0"/>
+              <a:t>What are data members?</a:t>
+            </a:r>
+          </a:p>
+          <a:p>
+            <a:r>
+              <a:rPr lang="en-US" sz="2800" dirty="0"/>
+              <a:t>What are operations on data members?</a:t>
+            </a:r>
+          </a:p>
+          <a:p>
+            <a:r>
+              <a:rPr lang="en-US" sz="2800" dirty="0"/>
+              <a:t>How to define constructor?</a:t>
+            </a:r>
+          </a:p>
+          <a:p>
+            <a:pPr marL="0" indent="0">
+              <a:buNone/>
+            </a:pPr>
+            <a:endParaRPr lang="en-US" sz="2800" dirty="0"/>
+          </a:p>
+          <a:p>
             <a:pPr marL="0" indent="0">
               <a:buNone/>
             </a:pPr>
             <a:r>
               <a:rPr lang="en-US" sz="2800" dirty="0">
                 <a:solidFill>
-                  <a:srgbClr val="3333FF"/>
-                </a:solidFill>
-              </a:rPr>
-              <a:t>//Suppose the first block starts from zero.</a:t>
-            </a:r>
+                  <a:srgbClr val="3366FF"/>
+                </a:solidFill>
+              </a:rPr>
+              <a:t>//Default constructor to create a road with 70 blocks, //each block is initialized with a space char.</a:t>
+            </a:r>
+          </a:p>
+          <a:p>
+            <a:pPr marL="0" indent="0">
+              <a:buNone/>
+            </a:pPr>
             <a:endParaRPr lang="en-US" sz="2800" dirty="0">
               <a:solidFill>
                 <a:srgbClr val="3366FF"/>
@@ -4445,10 +4643,10 @@
             <a:r>
               <a:rPr lang="en-US" sz="2800" dirty="0">
                 <a:solidFill>
-                  <a:srgbClr val="3333FF"/>
-                </a:solidFill>
-              </a:rPr>
-              <a:t>//Get the last block of the road.</a:t>
+                  <a:srgbClr val="3366FF"/>
+                </a:solidFill>
+              </a:rPr>
+              <a:t>//A non-default constructor to create a road with proper //length. A parameter representing length is provided.</a:t>
             </a:r>
           </a:p>
           <a:p>
@@ -4457,119 +4655,21 @@
             </a:pPr>
             <a:r>
               <a:rPr lang="en-US" sz="2800" dirty="0"/>
-              <a:t>int Road::</a:t>
-            </a:r>
-            <a:r>
-              <a:rPr lang="en-US" sz="2800" dirty="0" err="1"/>
-              <a:t>getLastBlock</a:t>
-            </a:r>
-            <a:r>
-              <a:rPr lang="en-US" sz="2800" dirty="0"/>
-              <a:t>(){</a:t>
-            </a:r>
-          </a:p>
-          <a:p>
-            <a:pPr marL="0" indent="0">
-              <a:buNone/>
-            </a:pPr>
-            <a:r>
-              <a:rPr lang="en-US" sz="2800" dirty="0"/>
+              <a:t>     </a:t>
+            </a:r>
+            <a:endParaRPr lang="en-US" sz="2300" dirty="0">
+              <a:solidFill>
+                <a:srgbClr val="3366FF"/>
+              </a:solidFill>
+            </a:endParaRPr>
+          </a:p>
+          <a:p>
+            <a:pPr marL="0" indent="0">
+              <a:buNone/>
+            </a:pPr>
+            <a:r>
+              <a:rPr lang="en-US" sz="2300" dirty="0"/>
               <a:t>      </a:t>
-            </a:r>
-            <a:r>
-              <a:rPr lang="en-US" sz="2800" dirty="0">
-                <a:solidFill>
-                  <a:srgbClr val="FF0000"/>
-                </a:solidFill>
-              </a:rPr>
-              <a:t>//Your code goes here.</a:t>
-            </a:r>
-          </a:p>
-          <a:p>
-            <a:pPr marL="0" indent="0">
-              <a:buNone/>
-            </a:pPr>
-            <a:r>
-              <a:rPr lang="en-US" sz="2800" dirty="0"/>
-              <a:t>}</a:t>
-            </a:r>
-          </a:p>
-          <a:p>
-            <a:pPr marL="0" indent="0">
-              <a:buNone/>
-            </a:pPr>
-            <a:endParaRPr lang="en-US" sz="2800" dirty="0"/>
-          </a:p>
-          <a:p>
-            <a:pPr marL="0" indent="0">
-              <a:buNone/>
-            </a:pPr>
-            <a:r>
-              <a:rPr lang="en-US" sz="2800" dirty="0">
-                <a:solidFill>
-                  <a:srgbClr val="3333FF"/>
-                </a:solidFill>
-              </a:rPr>
-              <a:t>//Put </a:t>
-            </a:r>
-            <a:r>
-              <a:rPr lang="en-US" sz="2800" dirty="0" err="1">
-                <a:solidFill>
-                  <a:srgbClr val="3333FF"/>
-                </a:solidFill>
-              </a:rPr>
-              <a:t>ch</a:t>
-            </a:r>
-            <a:r>
-              <a:rPr lang="en-US" sz="2800" dirty="0">
-                <a:solidFill>
-                  <a:srgbClr val="3333FF"/>
-                </a:solidFill>
-              </a:rPr>
-              <a:t> into position (representing index) of array blocks.</a:t>
-            </a:r>
-          </a:p>
-          <a:p>
-            <a:pPr marL="0" indent="0">
-              <a:buNone/>
-            </a:pPr>
-            <a:r>
-              <a:rPr lang="en-US" sz="2800" dirty="0"/>
-              <a:t>void Road::mark(int position, char </a:t>
-            </a:r>
-            <a:r>
-              <a:rPr lang="en-US" sz="2800" dirty="0" err="1"/>
-              <a:t>ch</a:t>
-            </a:r>
-            <a:r>
-              <a:rPr lang="en-US" sz="2800" dirty="0"/>
-              <a:t>){</a:t>
-            </a:r>
-          </a:p>
-          <a:p>
-            <a:pPr marL="0" indent="0">
-              <a:buNone/>
-            </a:pPr>
-            <a:r>
-              <a:rPr lang="en-US" sz="2800" dirty="0"/>
-              <a:t>         </a:t>
-            </a:r>
-            <a:r>
-              <a:rPr lang="en-US" sz="2800" dirty="0">
-                <a:solidFill>
-                  <a:srgbClr val="FF0000"/>
-                </a:solidFill>
-              </a:rPr>
-              <a:t>//Your code goes here.</a:t>
-            </a:r>
-          </a:p>
-          <a:p>
-            <a:pPr marL="0" indent="0">
-              <a:buNone/>
-            </a:pPr>
-            <a:r>
-              <a:rPr lang="en-US" sz="2800" dirty="0"/>
-              <a:t>}</a:t>
             </a:r>
           </a:p>
         </p:txBody>
@@ -4577,7 +4677,7 @@
     </p:spTree>
     <p:extLst>
       <p:ext uri="{BB962C8B-B14F-4D97-AF65-F5344CB8AC3E}">
-        <p14:creationId xmlns:p14="http://schemas.microsoft.com/office/powerpoint/2010/main" val="1728149069"/>
+        <p14:creationId xmlns:p14="http://schemas.microsoft.com/office/powerpoint/2010/main" val="991397948"/>
       </p:ext>
     </p:extLst>
   </p:cSld>
@@ -4621,7 +4721,7 @@
           <a:p>
             <a:r>
               <a:rPr lang="en-US" dirty="0"/>
-              <a:t>Class road: IV</a:t>
+              <a:t>Class Road: II</a:t>
             </a:r>
           </a:p>
         </p:txBody>
@@ -4639,7 +4739,7 @@
         <p:spPr>
           <a:xfrm>
             <a:off x="457200" y="1219200"/>
-            <a:ext cx="8229600" cy="5105400"/>
+            <a:ext cx="8382000" cy="5105400"/>
           </a:xfrm>
         </p:spPr>
         <p:txBody>
@@ -4654,10 +4754,10 @@
             <a:r>
               <a:rPr lang="en-US" sz="2800" dirty="0">
                 <a:solidFill>
-                  <a:srgbClr val="3333FF"/>
-                </a:solidFill>
-              </a:rPr>
-              <a:t>//Return a char array to represent the contents of //blocks of the road object.</a:t>
+                  <a:srgbClr val="3366FF"/>
+                </a:solidFill>
+              </a:rPr>
+              <a:t>//Clear each block of road to be space char.</a:t>
             </a:r>
           </a:p>
           <a:p>
@@ -4667,44 +4767,51 @@
             <a:r>
               <a:rPr lang="en-US" sz="2800" dirty="0">
                 <a:solidFill>
-                  <a:srgbClr val="CC00FF"/>
-                </a:solidFill>
-              </a:rPr>
-              <a:t>char* </a:t>
-            </a:r>
+                  <a:srgbClr val="3366FF"/>
+                </a:solidFill>
+              </a:rPr>
+              <a:t>//It is equivalent to clean the road. </a:t>
+            </a:r>
+          </a:p>
+          <a:p>
+            <a:pPr marL="0" indent="0">
+              <a:buNone/>
+            </a:pPr>
+            <a:r>
+              <a:rPr lang="en-US" sz="2800" dirty="0">
+                <a:solidFill>
+                  <a:srgbClr val="3366FF"/>
+                </a:solidFill>
+              </a:rPr>
+              <a:t>//This method is called by constructors.</a:t>
+            </a:r>
+          </a:p>
+          <a:p>
+            <a:pPr marL="0" indent="0">
+              <a:buNone/>
+            </a:pPr>
             <a:r>
               <a:rPr lang="en-US" sz="2800" dirty="0"/>
-              <a:t>Road::</a:t>
-            </a:r>
-            <a:r>
-              <a:rPr lang="en-US" sz="2800" dirty="0" err="1"/>
-              <a:t>toString</a:t>
-            </a:r>
+              <a:t>void Road::clear() {</a:t>
+            </a:r>
+          </a:p>
+          <a:p>
+            <a:pPr marL="0" indent="0">
+              <a:buNone/>
+            </a:pPr>
             <a:r>
               <a:rPr lang="en-US" sz="2800" dirty="0"/>
-              <a:t>() </a:t>
+              <a:t>         </a:t>
             </a:r>
             <a:r>
               <a:rPr lang="en-US" sz="2800" dirty="0">
                 <a:solidFill>
-                  <a:srgbClr val="CC00FF"/>
-                </a:solidFill>
-              </a:rPr>
-              <a:t>const</a:t>
-            </a:r>
-            <a:r>
-              <a:rPr lang="en-US" sz="2800" dirty="0"/>
-              <a:t> {</a:t>
-            </a:r>
-          </a:p>
-          <a:p>
-            <a:pPr marL="0" indent="0">
-              <a:buNone/>
-            </a:pPr>
-            <a:r>
-              <a:rPr lang="en-US" sz="2800" dirty="0"/>
-              <a:t>            …</a:t>
-            </a:r>
+                  <a:srgbClr val="FF0000"/>
+                </a:solidFill>
+              </a:rPr>
+              <a:t>//Your code goes here.</a:t>
+            </a:r>
+            <a:endParaRPr lang="en-US" sz="2800" dirty="0"/>
           </a:p>
           <a:p>
             <a:pPr marL="0" indent="0">
@@ -4719,20 +4826,27 @@
             <a:pPr marL="0" indent="0">
               <a:buNone/>
             </a:pPr>
-            <a:endParaRPr lang="en-US" sz="2800" dirty="0"/>
-          </a:p>
-          <a:p>
-            <a:pPr marL="0" indent="0">
-              <a:buNone/>
-            </a:pPr>
-            <a:endParaRPr lang="en-US" sz="2000" dirty="0"/>
+            <a:endParaRPr lang="en-US" sz="2300" dirty="0">
+              <a:solidFill>
+                <a:srgbClr val="3366FF"/>
+              </a:solidFill>
+            </a:endParaRPr>
+          </a:p>
+          <a:p>
+            <a:pPr marL="0" indent="0">
+              <a:buNone/>
+            </a:pPr>
+            <a:r>
+              <a:rPr lang="en-US" sz="2300" dirty="0"/>
+              <a:t>      </a:t>
+            </a:r>
           </a:p>
         </p:txBody>
       </p:sp>
     </p:spTree>
     <p:extLst>
       <p:ext uri="{BB962C8B-B14F-4D97-AF65-F5344CB8AC3E}">
-        <p14:creationId xmlns:p14="http://schemas.microsoft.com/office/powerpoint/2010/main" val="4052496581"/>
+        <p14:creationId xmlns:p14="http://schemas.microsoft.com/office/powerpoint/2010/main" val="3947270246"/>
       </p:ext>
     </p:extLst>
   </p:cSld>
@@ -4776,7 +4890,7 @@
           <a:p>
             <a:r>
               <a:rPr lang="en-US" dirty="0"/>
-              <a:t>Class Competition</a:t>
+              <a:t>Class road: III</a:t>
             </a:r>
           </a:p>
         </p:txBody>
@@ -4793,13 +4907,13 @@
         </p:nvSpPr>
         <p:spPr>
           <a:xfrm>
-            <a:off x="457200" y="1447800"/>
-            <a:ext cx="8229600" cy="4678363"/>
+            <a:off x="152400" y="1219200"/>
+            <a:ext cx="8763000" cy="5105400"/>
           </a:xfrm>
         </p:spPr>
         <p:txBody>
           <a:bodyPr>
-            <a:normAutofit/>
+            <a:noAutofit/>
           </a:bodyPr>
           <a:lstStyle/>
           <a:p>
@@ -4807,35 +4921,151 @@
               <a:buNone/>
             </a:pPr>
             <a:r>
-              <a:rPr lang="en-US" dirty="0"/>
-              <a:t>Data members</a:t>
-            </a:r>
-          </a:p>
-          <a:p>
-            <a:pPr marL="0" indent="0">
-              <a:buNone/>
-            </a:pPr>
-            <a:r>
-              <a:rPr lang="en-US" dirty="0"/>
-              <a:t>Constructors</a:t>
-            </a:r>
-          </a:p>
-          <a:p>
-            <a:pPr marL="0" indent="0">
-              <a:buNone/>
-            </a:pPr>
-            <a:r>
-              <a:rPr lang="en-US" dirty="0"/>
-              <a:t>Destructor</a:t>
-            </a:r>
-          </a:p>
-          <a:p>
-            <a:pPr marL="0" indent="0">
-              <a:buNone/>
-            </a:pPr>
-            <a:r>
-              <a:rPr lang="en-US" dirty="0"/>
-              <a:t>Operations</a:t>
+              <a:rPr lang="en-US" sz="2800" dirty="0">
+                <a:solidFill>
+                  <a:srgbClr val="3333FF"/>
+                </a:solidFill>
+              </a:rPr>
+              <a:t>//Suppose the first block starts from zero.</a:t>
+            </a:r>
+            <a:endParaRPr lang="en-US" sz="2800" dirty="0">
+              <a:solidFill>
+                <a:srgbClr val="3366FF"/>
+              </a:solidFill>
+            </a:endParaRPr>
+          </a:p>
+          <a:p>
+            <a:pPr marL="0" indent="0">
+              <a:buNone/>
+            </a:pPr>
+            <a:r>
+              <a:rPr lang="en-US" sz="2800" dirty="0">
+                <a:solidFill>
+                  <a:srgbClr val="3333FF"/>
+                </a:solidFill>
+              </a:rPr>
+              <a:t>//Get the last block of the road.</a:t>
+            </a:r>
+          </a:p>
+          <a:p>
+            <a:pPr marL="0" indent="0">
+              <a:buNone/>
+            </a:pPr>
+            <a:r>
+              <a:rPr lang="en-US" sz="2800" dirty="0"/>
+              <a:t>int Road::</a:t>
+            </a:r>
+            <a:r>
+              <a:rPr lang="en-US" sz="2800" dirty="0" err="1"/>
+              <a:t>getLastBlock</a:t>
+            </a:r>
+            <a:r>
+              <a:rPr lang="en-US" sz="2800" dirty="0"/>
+              <a:t>(){</a:t>
+            </a:r>
+          </a:p>
+          <a:p>
+            <a:pPr marL="0" indent="0">
+              <a:buNone/>
+            </a:pPr>
+            <a:r>
+              <a:rPr lang="en-US" sz="2800" dirty="0"/>
+              <a:t>      </a:t>
+            </a:r>
+            <a:r>
+              <a:rPr lang="en-US" sz="2800" dirty="0">
+                <a:solidFill>
+                  <a:srgbClr val="FF0000"/>
+                </a:solidFill>
+              </a:rPr>
+              <a:t>//Your code goes here.</a:t>
+            </a:r>
+          </a:p>
+          <a:p>
+            <a:pPr marL="0" indent="0">
+              <a:buNone/>
+            </a:pPr>
+            <a:r>
+              <a:rPr lang="en-US" sz="2800" dirty="0"/>
+              <a:t>}</a:t>
+            </a:r>
+          </a:p>
+          <a:p>
+            <a:pPr marL="0" indent="0">
+              <a:buNone/>
+            </a:pPr>
+            <a:endParaRPr lang="en-US" sz="2800" dirty="0"/>
+          </a:p>
+          <a:p>
+            <a:pPr marL="0" indent="0">
+              <a:buNone/>
+            </a:pPr>
+            <a:r>
+              <a:rPr lang="en-US" sz="2800" dirty="0">
+                <a:solidFill>
+                  <a:srgbClr val="3333FF"/>
+                </a:solidFill>
+              </a:rPr>
+              <a:t>//Put </a:t>
+            </a:r>
+            <a:r>
+              <a:rPr lang="en-US" sz="2800" dirty="0" err="1">
+                <a:solidFill>
+                  <a:srgbClr val="3333FF"/>
+                </a:solidFill>
+              </a:rPr>
+              <a:t>ch</a:t>
+            </a:r>
+            <a:r>
+              <a:rPr lang="en-US" sz="2800" dirty="0">
+                <a:solidFill>
+                  <a:srgbClr val="3333FF"/>
+                </a:solidFill>
+              </a:rPr>
+              <a:t> into position (representing index) of array blocks.</a:t>
+            </a:r>
+          </a:p>
+          <a:p>
+            <a:pPr marL="0" indent="0">
+              <a:buNone/>
+            </a:pPr>
+            <a:r>
+              <a:rPr lang="en-US" sz="2800" dirty="0"/>
+              <a:t>void Road::mark(int position, char </a:t>
+            </a:r>
+            <a:r>
+              <a:rPr lang="en-US" sz="2800" dirty="0" err="1"/>
+              <a:t>ch</a:t>
+            </a:r>
+            <a:r>
+              <a:rPr lang="en-US" sz="2800" dirty="0"/>
+              <a:t>){</a:t>
+            </a:r>
+          </a:p>
+          <a:p>
+            <a:pPr marL="0" indent="0">
+              <a:buNone/>
+            </a:pPr>
+            <a:r>
+              <a:rPr lang="en-US" sz="2800" dirty="0"/>
+              <a:t>         </a:t>
+            </a:r>
+            <a:r>
+              <a:rPr lang="en-US" sz="2800" dirty="0">
+                <a:solidFill>
+                  <a:srgbClr val="FF0000"/>
+                </a:solidFill>
+              </a:rPr>
+              <a:t>//Your code goes here.</a:t>
+            </a:r>
+          </a:p>
+          <a:p>
+            <a:pPr marL="0" indent="0">
+              <a:buNone/>
+            </a:pPr>
+            <a:r>
+              <a:rPr lang="en-US" sz="2800" dirty="0"/>
+              <a:t>}</a:t>
             </a:r>
           </a:p>
         </p:txBody>
@@ -4843,7 +5073,7 @@
     </p:spTree>
     <p:extLst>
       <p:ext uri="{BB962C8B-B14F-4D97-AF65-F5344CB8AC3E}">
-        <p14:creationId xmlns:p14="http://schemas.microsoft.com/office/powerpoint/2010/main" val="97664076"/>
+        <p14:creationId xmlns:p14="http://schemas.microsoft.com/office/powerpoint/2010/main" val="1728149069"/>
       </p:ext>
     </p:extLst>
   </p:cSld>
@@ -5008,7 +5238,7 @@
           <a:p>
             <a:r>
               <a:rPr lang="en-US" dirty="0"/>
-              <a:t>Class Competition - II</a:t>
+              <a:t>Class road: IV</a:t>
             </a:r>
           </a:p>
         </p:txBody>
@@ -5026,7 +5256,7 @@
         <p:spPr>
           <a:xfrm>
             <a:off x="457200" y="1219200"/>
-            <a:ext cx="8229600" cy="5181600"/>
+            <a:ext cx="8229600" cy="5105400"/>
           </a:xfrm>
         </p:spPr>
         <p:txBody>
@@ -5039,211 +5269,87 @@
               <a:buNone/>
             </a:pPr>
             <a:r>
-              <a:rPr lang="en-US" sz="2200" dirty="0"/>
-              <a:t>void </a:t>
-            </a:r>
-            <a:r>
-              <a:rPr lang="en-US" sz="2200" dirty="0" err="1"/>
-              <a:t>Competiton</a:t>
-            </a:r>
-            <a:r>
-              <a:rPr lang="en-US" sz="2200" dirty="0"/>
-              <a:t>::start() {</a:t>
-            </a:r>
-          </a:p>
-          <a:p>
-            <a:pPr marL="0" indent="0">
-              <a:buNone/>
-            </a:pPr>
-            <a:r>
-              <a:rPr lang="en-US" sz="2200" dirty="0"/>
-              <a:t>     </a:t>
-            </a:r>
-            <a:r>
-              <a:rPr lang="en-US" sz="2200" dirty="0">
+              <a:rPr lang="en-US" sz="2800" dirty="0">
                 <a:solidFill>
                   <a:srgbClr val="3333FF"/>
                 </a:solidFill>
               </a:rPr>
-              <a:t>//find out last block of the road.</a:t>
-            </a:r>
-          </a:p>
-          <a:p>
-            <a:pPr marL="0" indent="0">
-              <a:buNone/>
-            </a:pPr>
-            <a:r>
-              <a:rPr lang="en-US" sz="2200" dirty="0"/>
-              <a:t>     int </a:t>
-            </a:r>
-            <a:r>
-              <a:rPr lang="en-US" sz="2200" dirty="0" err="1"/>
-              <a:t>lastBlock</a:t>
-            </a:r>
-            <a:r>
-              <a:rPr lang="en-US" sz="2200" dirty="0"/>
-              <a:t> = …;</a:t>
-            </a:r>
-          </a:p>
-          <a:p>
-            <a:pPr marL="0" indent="0">
-              <a:buNone/>
-            </a:pPr>
-            <a:endParaRPr lang="en-US" sz="2200" dirty="0"/>
-          </a:p>
-          <a:p>
-            <a:pPr marL="0" indent="0">
-              <a:buNone/>
-            </a:pPr>
-            <a:r>
-              <a:rPr lang="en-US" sz="2200" dirty="0"/>
-              <a:t>     </a:t>
-            </a:r>
-            <a:r>
-              <a:rPr lang="en-US" sz="2200" dirty="0" err="1"/>
-              <a:t>int</a:t>
-            </a:r>
-            <a:r>
-              <a:rPr lang="en-US" sz="2200" dirty="0"/>
-              <a:t> round = 1; </a:t>
-            </a:r>
-            <a:r>
-              <a:rPr lang="en-US" sz="2200" dirty="0">
-                <a:solidFill>
-                  <a:srgbClr val="3333FF"/>
-                </a:solidFill>
-              </a:rPr>
-              <a:t>//Record time to start race.</a:t>
-            </a:r>
-          </a:p>
-          <a:p>
-            <a:pPr marL="0" indent="0">
-              <a:buNone/>
-            </a:pPr>
-            <a:r>
-              <a:rPr lang="en-US" sz="2200" dirty="0"/>
-              <a:t>     as long as neither hare nor tortoise reaches the last block</a:t>
-            </a:r>
-          </a:p>
-          <a:p>
-            <a:pPr marL="0" indent="0">
-              <a:buNone/>
-            </a:pPr>
-            <a:r>
-              <a:rPr lang="en-US" sz="2200" dirty="0"/>
-              <a:t>          </a:t>
-            </a:r>
-            <a:r>
-              <a:rPr lang="en-US" sz="2200" dirty="0">
-                <a:solidFill>
-                  <a:srgbClr val="7030A0"/>
-                </a:solidFill>
-              </a:rPr>
-              <a:t>move hare</a:t>
-            </a:r>
-          </a:p>
-          <a:p>
-            <a:pPr marL="0" indent="0">
-              <a:buNone/>
-            </a:pPr>
-            <a:r>
-              <a:rPr lang="en-US" sz="2200" dirty="0">
-                <a:solidFill>
-                  <a:srgbClr val="7030A0"/>
-                </a:solidFill>
-              </a:rPr>
-              <a:t>          move tortoise </a:t>
-            </a:r>
-          </a:p>
-          <a:p>
-            <a:pPr marL="0" indent="0">
-              <a:buNone/>
-            </a:pPr>
-            <a:r>
-              <a:rPr lang="en-US" sz="2200" dirty="0"/>
-              <a:t>          </a:t>
-            </a:r>
-            <a:r>
-              <a:rPr lang="en-US" sz="2200" dirty="0">
-                <a:solidFill>
-                  <a:srgbClr val="FF0000"/>
-                </a:solidFill>
-              </a:rPr>
-              <a:t>adjust hare’s position if it is too left or too right.</a:t>
-            </a:r>
-          </a:p>
-          <a:p>
-            <a:pPr marL="0" indent="0">
-              <a:buNone/>
-            </a:pPr>
-            <a:r>
-              <a:rPr lang="en-US" sz="2200" dirty="0">
-                <a:solidFill>
-                  <a:srgbClr val="FF0000"/>
-                </a:solidFill>
-              </a:rPr>
-              <a:t>          adjust tortoise’s position if it is too left or too right.</a:t>
-            </a:r>
-          </a:p>
-          <a:p>
-            <a:pPr marL="0" indent="0">
-              <a:buNone/>
-            </a:pPr>
-            <a:r>
-              <a:rPr lang="en-US" sz="2200" dirty="0"/>
-              <a:t>          </a:t>
-            </a:r>
-            <a:r>
-              <a:rPr lang="en-US" sz="2200" dirty="0">
-                <a:solidFill>
-                  <a:srgbClr val="3333FF"/>
-                </a:solidFill>
-              </a:rPr>
-              <a:t>Mark road blocks where hare and tor reach.</a:t>
-            </a:r>
-          </a:p>
-          <a:p>
-            <a:pPr marL="0" indent="0">
-              <a:buNone/>
-            </a:pPr>
-            <a:r>
-              <a:rPr lang="en-US" sz="2200" dirty="0"/>
-              <a:t>          </a:t>
-            </a:r>
-            <a:r>
-              <a:rPr lang="en-US" sz="2200" dirty="0">
-                <a:solidFill>
-                  <a:schemeClr val="accent5">
-                    <a:lumMod val="75000"/>
-                  </a:schemeClr>
-                </a:solidFill>
-              </a:rPr>
-              <a:t>Print out round, then print road as a string.</a:t>
-            </a:r>
-          </a:p>
-          <a:p>
-            <a:pPr marL="0" indent="0">
-              <a:buNone/>
-            </a:pPr>
-            <a:r>
-              <a:rPr lang="en-US" sz="2200" dirty="0"/>
-              <a:t>          </a:t>
-            </a:r>
-            <a:r>
-              <a:rPr lang="en-US" sz="2200" dirty="0">
+              <a:t>//Return a char array to represent the contents of //blocks of the road object.</a:t>
+            </a:r>
+          </a:p>
+          <a:p>
+            <a:pPr marL="0" indent="0">
+              <a:buNone/>
+            </a:pPr>
+            <a:r>
+              <a:rPr lang="en-US" sz="2800" dirty="0">
                 <a:solidFill>
                   <a:srgbClr val="CC00FF"/>
                 </a:solidFill>
               </a:rPr>
-              <a:t>Clear road to prepare for the next round.</a:t>
-            </a:r>
+              <a:t>char* </a:t>
+            </a:r>
+            <a:r>
+              <a:rPr lang="en-US" sz="2800" dirty="0"/>
+              <a:t>Road::</a:t>
+            </a:r>
+            <a:r>
+              <a:rPr lang="en-US" sz="2800" dirty="0" err="1"/>
+              <a:t>toString</a:t>
+            </a:r>
+            <a:r>
+              <a:rPr lang="en-US" sz="2800" dirty="0"/>
+              <a:t>() </a:t>
+            </a:r>
+            <a:r>
+              <a:rPr lang="en-US" sz="2800" dirty="0">
+                <a:solidFill>
+                  <a:srgbClr val="CC00FF"/>
+                </a:solidFill>
+              </a:rPr>
+              <a:t>const</a:t>
+            </a:r>
+            <a:r>
+              <a:rPr lang="en-US" sz="2800" dirty="0"/>
+              <a:t> {</a:t>
+            </a:r>
+          </a:p>
+          <a:p>
+            <a:pPr marL="0" indent="0">
+              <a:buNone/>
+            </a:pPr>
+            <a:r>
+              <a:rPr lang="en-US" sz="2800" dirty="0"/>
+              <a:t>            …</a:t>
+            </a:r>
+          </a:p>
+          <a:p>
+            <a:pPr marL="0" indent="0">
+              <a:buNone/>
+            </a:pPr>
+            <a:r>
+              <a:rPr lang="en-US" sz="2800" dirty="0"/>
+              <a:t>}</a:t>
+            </a:r>
+          </a:p>
+          <a:p>
+            <a:pPr marL="0" indent="0">
+              <a:buNone/>
+            </a:pPr>
+            <a:endParaRPr lang="en-US" sz="2800" dirty="0"/>
+          </a:p>
+          <a:p>
+            <a:pPr marL="0" indent="0">
+              <a:buNone/>
+            </a:pPr>
+            <a:endParaRPr lang="en-US" sz="2000" dirty="0"/>
           </a:p>
         </p:txBody>
       </p:sp>
     </p:spTree>
     <p:extLst>
       <p:ext uri="{BB962C8B-B14F-4D97-AF65-F5344CB8AC3E}">
-        <p14:creationId xmlns:p14="http://schemas.microsoft.com/office/powerpoint/2010/main" val="4206489617"/>
+        <p14:creationId xmlns:p14="http://schemas.microsoft.com/office/powerpoint/2010/main" val="4052496581"/>
       </p:ext>
     </p:extLst>
   </p:cSld>
@@ -5287,7 +5393,7 @@
           <a:p>
             <a:r>
               <a:rPr lang="en-US" dirty="0"/>
-              <a:t>Class Competition -- III</a:t>
+              <a:t>Class Competition</a:t>
             </a:r>
           </a:p>
         </p:txBody>
@@ -5318,108 +5424,35 @@
               <a:buNone/>
             </a:pPr>
             <a:r>
-              <a:rPr lang="en-US" dirty="0">
-                <a:solidFill>
-                  <a:srgbClr val="3333FF"/>
-                </a:solidFill>
-              </a:rPr>
-              <a:t>//Once at least one of hare and tortoise //reaches the last block, report the result.</a:t>
-            </a:r>
-          </a:p>
-          <a:p>
-            <a:pPr marL="0" indent="0">
-              <a:buNone/>
-            </a:pPr>
-            <a:r>
-              <a:rPr lang="en-US" dirty="0"/>
-              <a:t>if both animals reaches the </a:t>
-            </a:r>
-            <a:r>
-              <a:rPr lang="en-US" dirty="0" err="1"/>
-              <a:t>endline</a:t>
-            </a:r>
-            <a:endParaRPr lang="en-US" dirty="0"/>
-          </a:p>
-          <a:p>
-            <a:pPr marL="0" indent="0">
-              <a:buNone/>
-            </a:pPr>
-            <a:r>
-              <a:rPr lang="en-US" dirty="0"/>
-              <a:t>    print out </a:t>
-            </a:r>
-            <a:r>
-              <a:rPr lang="en-US" dirty="0">
-                <a:solidFill>
-                  <a:srgbClr val="00B0F0"/>
-                </a:solidFill>
-              </a:rPr>
-              <a:t>“It is a tie.”</a:t>
-            </a:r>
-          </a:p>
-          <a:p>
-            <a:pPr marL="0" indent="0">
-              <a:buNone/>
-            </a:pPr>
-            <a:r>
-              <a:rPr lang="en-US" dirty="0"/>
-              <a:t>else if hare reaches the </a:t>
-            </a:r>
-            <a:r>
-              <a:rPr lang="en-US" dirty="0" err="1"/>
-              <a:t>endline</a:t>
-            </a:r>
-            <a:endParaRPr lang="en-US" dirty="0"/>
-          </a:p>
-          <a:p>
-            <a:pPr marL="0" indent="0">
-              <a:buNone/>
-            </a:pPr>
-            <a:r>
-              <a:rPr lang="en-US" dirty="0"/>
-              <a:t>            print out </a:t>
-            </a:r>
-            <a:r>
-              <a:rPr lang="en-US" dirty="0">
-                <a:solidFill>
-                  <a:srgbClr val="7030A0"/>
-                </a:solidFill>
-              </a:rPr>
-              <a:t>“Yuck. Hare wins.”</a:t>
-            </a:r>
-          </a:p>
-          <a:p>
-            <a:pPr marL="0" indent="0">
-              <a:buNone/>
-            </a:pPr>
-            <a:r>
-              <a:rPr lang="en-US" dirty="0"/>
-              <a:t>        else print out </a:t>
-            </a:r>
-            <a:r>
-              <a:rPr lang="en-US" dirty="0">
-                <a:solidFill>
-                  <a:srgbClr val="FF0000"/>
-                </a:solidFill>
-              </a:rPr>
-              <a:t>“Yay!!! Tortoise wins.”</a:t>
-            </a:r>
-          </a:p>
-          <a:p>
-            <a:pPr marL="0" indent="0">
-              <a:buNone/>
-            </a:pPr>
-            <a:r>
-              <a:rPr lang="en-US" dirty="0"/>
-              <a:t>} </a:t>
-            </a:r>
-            <a:r>
-              <a:rPr lang="en-US" dirty="0">
-                <a:solidFill>
-                  <a:srgbClr val="3333FF"/>
-                </a:solidFill>
-              </a:rPr>
-              <a:t>//end of method start</a:t>
+              <a:rPr lang="en-US" dirty="0"/>
+              <a:t>Data members</a:t>
+            </a:r>
+          </a:p>
+          <a:p>
+            <a:pPr marL="0" indent="0">
+              <a:buNone/>
+            </a:pPr>
+            <a:r>
+              <a:rPr lang="en-US" dirty="0"/>
+              <a:t>Constructors</a:t>
+            </a:r>
+          </a:p>
+          <a:p>
+            <a:pPr marL="0" indent="0">
+              <a:buNone/>
+            </a:pPr>
+            <a:r>
+              <a:rPr lang="en-US" dirty="0"/>
+              <a:t>Destructor</a:t>
+            </a:r>
+          </a:p>
+          <a:p>
+            <a:pPr marL="0" indent="0">
+              <a:buNone/>
+            </a:pPr>
+            <a:r>
+              <a:rPr lang="en-US" dirty="0"/>
+              <a:t>Operations</a:t>
             </a:r>
           </a:p>
         </p:txBody>
@@ -5427,7 +5460,7 @@
     </p:spTree>
     <p:extLst>
       <p:ext uri="{BB962C8B-B14F-4D97-AF65-F5344CB8AC3E}">
-        <p14:creationId xmlns:p14="http://schemas.microsoft.com/office/powerpoint/2010/main" val="4260771423"/>
+        <p14:creationId xmlns:p14="http://schemas.microsoft.com/office/powerpoint/2010/main" val="97664076"/>
       </p:ext>
     </p:extLst>
   </p:cSld>
@@ -5464,10 +5497,32 @@
             <p:ph type="title"/>
           </p:nvPr>
         </p:nvSpPr>
+        <p:spPr/>
+        <p:txBody>
+          <a:bodyPr/>
+          <a:lstStyle/>
+          <a:p>
+            <a:r>
+              <a:rPr lang="en-US" dirty="0"/>
+              <a:t>Class Competition - II</a:t>
+            </a:r>
+          </a:p>
+        </p:txBody>
+      </p:sp>
+      <p:sp>
+        <p:nvSpPr>
+          <p:cNvPr id="3" name="Content Placeholder 2"/>
+          <p:cNvSpPr>
+            <a:spLocks noGrp="1"/>
+          </p:cNvSpPr>
+          <p:nvPr>
+            <p:ph idx="1"/>
+          </p:nvPr>
+        </p:nvSpPr>
         <p:spPr>
           <a:xfrm>
-            <a:off x="304800" y="274638"/>
-            <a:ext cx="8534400" cy="1143000"/>
+            <a:off x="457200" y="1219200"/>
+            <a:ext cx="8229600" cy="5181600"/>
           </a:xfrm>
         </p:spPr>
         <p:txBody>
@@ -5476,143 +5531,207 @@
           </a:bodyPr>
           <a:lstStyle/>
           <a:p>
-            <a:r>
-              <a:rPr lang="en-US" sz="4000" dirty="0"/>
-              <a:t>Client of Competition – string things up</a:t>
-            </a:r>
-          </a:p>
-        </p:txBody>
-      </p:sp>
-      <p:sp>
-        <p:nvSpPr>
-          <p:cNvPr id="3" name="Content Placeholder 2"/>
-          <p:cNvSpPr>
-            <a:spLocks noGrp="1"/>
-          </p:cNvSpPr>
-          <p:nvPr>
-            <p:ph idx="1"/>
-          </p:nvPr>
-        </p:nvSpPr>
-        <p:spPr>
-          <a:xfrm>
-            <a:off x="457200" y="1295400"/>
-            <a:ext cx="8229600" cy="4830763"/>
-          </a:xfrm>
-        </p:spPr>
-        <p:txBody>
-          <a:bodyPr>
-            <a:normAutofit fontScale="92500" lnSpcReduction="20000"/>
-          </a:bodyPr>
-          <a:lstStyle/>
-          <a:p>
-            <a:pPr marL="0" indent="0">
-              <a:buNone/>
-            </a:pPr>
-            <a:r>
-              <a:rPr lang="en-US" dirty="0"/>
-              <a:t>int main() {</a:t>
-            </a:r>
-          </a:p>
-          <a:p>
-            <a:pPr marL="0" indent="0">
-              <a:buNone/>
-            </a:pPr>
-            <a:r>
-              <a:rPr lang="en-US" dirty="0"/>
-              <a:t>      Competition race;</a:t>
-            </a:r>
-          </a:p>
-          <a:p>
-            <a:pPr marL="0" indent="0">
-              <a:buNone/>
-            </a:pPr>
-            <a:r>
-              <a:rPr lang="en-US" dirty="0"/>
-              <a:t>      </a:t>
-            </a:r>
-            <a:r>
-              <a:rPr lang="en-US" dirty="0" err="1"/>
-              <a:t>race.start</a:t>
-            </a:r>
-            <a:r>
-              <a:rPr lang="en-US" dirty="0"/>
-              <a:t>();</a:t>
-            </a:r>
-          </a:p>
-          <a:p>
-            <a:pPr marL="0" indent="0">
-              <a:buNone/>
-            </a:pPr>
-            <a:endParaRPr lang="en-US" dirty="0"/>
-          </a:p>
-          <a:p>
-            <a:pPr marL="0" indent="0">
-              <a:buNone/>
-            </a:pPr>
-            <a:r>
-              <a:rPr lang="en-US" dirty="0"/>
-              <a:t>      </a:t>
-            </a:r>
-            <a:r>
-              <a:rPr lang="en-US" dirty="0">
+            <a:pPr marL="0" indent="0">
+              <a:buNone/>
+            </a:pPr>
+            <a:r>
+              <a:rPr lang="en-US" sz="2200" dirty="0"/>
+              <a:t>void </a:t>
+            </a:r>
+            <a:r>
+              <a:rPr lang="en-US" sz="2200" dirty="0" err="1"/>
+              <a:t>Competiton</a:t>
+            </a:r>
+            <a:r>
+              <a:rPr lang="en-US" sz="2200" dirty="0"/>
+              <a:t>::start() {</a:t>
+            </a:r>
+          </a:p>
+          <a:p>
+            <a:pPr marL="0" indent="0">
+              <a:buNone/>
+            </a:pPr>
+            <a:r>
+              <a:rPr lang="en-US" sz="2200" dirty="0"/>
+              <a:t>     </a:t>
+            </a:r>
+            <a:r>
+              <a:rPr lang="en-US" sz="2200" dirty="0">
                 <a:solidFill>
                   <a:srgbClr val="3333FF"/>
                 </a:solidFill>
               </a:rPr>
-              <a:t>//Create a object of Competition</a:t>
-            </a:r>
-          </a:p>
-          <a:p>
-            <a:pPr marL="0" indent="0">
-              <a:buNone/>
-            </a:pPr>
-            <a:r>
-              <a:rPr lang="en-US" dirty="0">
+              <a:t>//find out last block of the road.</a:t>
+            </a:r>
+          </a:p>
+          <a:p>
+            <a:pPr marL="0" indent="0">
+              <a:buNone/>
+            </a:pPr>
+            <a:r>
+              <a:rPr lang="en-US" sz="2200" dirty="0"/>
+              <a:t>     int </a:t>
+            </a:r>
+            <a:r>
+              <a:rPr lang="en-US" sz="2200" dirty="0" err="1"/>
+              <a:t>lastBlock</a:t>
+            </a:r>
+            <a:r>
+              <a:rPr lang="en-US" sz="2200" dirty="0"/>
+              <a:t> = …;</a:t>
+            </a:r>
+          </a:p>
+          <a:p>
+            <a:pPr marL="0" indent="0">
+              <a:buNone/>
+            </a:pPr>
+            <a:endParaRPr lang="en-US" sz="2200" dirty="0"/>
+          </a:p>
+          <a:p>
+            <a:pPr marL="0" indent="0">
+              <a:buNone/>
+            </a:pPr>
+            <a:r>
+              <a:rPr lang="en-US" sz="2200" dirty="0"/>
+              <a:t>     </a:t>
+            </a:r>
+            <a:r>
+              <a:rPr lang="en-US" sz="2200" dirty="0" err="1"/>
+              <a:t>int</a:t>
+            </a:r>
+            <a:r>
+              <a:rPr lang="en-US" sz="2200" dirty="0"/>
+              <a:t> round = 1; </a:t>
+            </a:r>
+            <a:r>
+              <a:rPr lang="en-US" sz="2200" dirty="0">
                 <a:solidFill>
                   <a:srgbClr val="3333FF"/>
                 </a:solidFill>
               </a:rPr>
-              <a:t>      //using non-default constructor.</a:t>
-            </a:r>
-          </a:p>
-          <a:p>
-            <a:pPr marL="0" indent="0">
-              <a:buNone/>
-            </a:pPr>
-            <a:r>
-              <a:rPr lang="en-US" dirty="0">
+              <a:t>//Record time to start race.</a:t>
+            </a:r>
+          </a:p>
+          <a:p>
+            <a:pPr marL="0" indent="0">
+              <a:buNone/>
+            </a:pPr>
+            <a:r>
+              <a:rPr lang="en-US" sz="2200" dirty="0"/>
+              <a:t>     as long as neither hare nor tortoise reaches the last block</a:t>
+            </a:r>
+          </a:p>
+          <a:p>
+            <a:pPr marL="0" indent="0">
+              <a:buNone/>
+            </a:pPr>
+            <a:r>
+              <a:rPr lang="en-US" sz="2200" dirty="0"/>
+              <a:t>          </a:t>
+            </a:r>
+            <a:r>
+              <a:rPr lang="en-US" sz="2200" dirty="0">
+                <a:solidFill>
+                  <a:srgbClr val="7030A0"/>
+                </a:solidFill>
+              </a:rPr>
+              <a:t>move hare</a:t>
+            </a:r>
+          </a:p>
+          <a:p>
+            <a:pPr marL="0" indent="0">
+              <a:buNone/>
+            </a:pPr>
+            <a:r>
+              <a:rPr lang="en-US" sz="2200" dirty="0">
+                <a:solidFill>
+                  <a:srgbClr val="7030A0"/>
+                </a:solidFill>
+              </a:rPr>
+              <a:t>          move tortoise </a:t>
+            </a:r>
+          </a:p>
+          <a:p>
+            <a:pPr marL="0" indent="0">
+              <a:buNone/>
+            </a:pPr>
+            <a:r>
+              <a:rPr lang="en-US" sz="2200" dirty="0"/>
+              <a:t>          </a:t>
+            </a:r>
+            <a:r>
+              <a:rPr lang="en-US" sz="2200" dirty="0">
+                <a:solidFill>
+                  <a:srgbClr val="FF0000"/>
+                </a:solidFill>
+              </a:rPr>
+              <a:t>adjust hare’s position if it is too left or too right.</a:t>
+            </a:r>
+          </a:p>
+          <a:p>
+            <a:pPr marL="0" indent="0">
+              <a:buNone/>
+            </a:pPr>
+            <a:r>
+              <a:rPr lang="en-US" sz="2200" dirty="0">
+                <a:solidFill>
+                  <a:srgbClr val="FF0000"/>
+                </a:solidFill>
+              </a:rPr>
+              <a:t>          adjust tortoise’s position if it is too left or too right.</a:t>
+            </a:r>
+          </a:p>
+          <a:p>
+            <a:pPr marL="0" indent="0">
+              <a:buNone/>
+            </a:pPr>
+            <a:r>
+              <a:rPr lang="en-US" sz="2200" dirty="0"/>
+              <a:t>          </a:t>
+            </a:r>
+            <a:r>
+              <a:rPr lang="en-US" sz="2200" dirty="0">
                 <a:solidFill>
                   <a:srgbClr val="3333FF"/>
                 </a:solidFill>
               </a:rPr>
-              <a:t>      //Call start method from this object.</a:t>
-            </a:r>
-          </a:p>
-          <a:p>
-            <a:pPr marL="0" indent="0">
-              <a:buNone/>
-            </a:pPr>
-            <a:r>
-              <a:rPr lang="en-US" dirty="0"/>
-              <a:t>      </a:t>
-            </a:r>
-          </a:p>
-          <a:p>
-            <a:pPr marL="0" indent="0">
-              <a:buNone/>
-            </a:pPr>
-            <a:r>
-              <a:rPr lang="en-US" dirty="0"/>
-              <a:t>      return 0;</a:t>
-            </a:r>
-          </a:p>
-          <a:p>
-            <a:pPr marL="0" indent="0">
-              <a:buNone/>
-            </a:pPr>
-            <a:r>
-              <a:rPr lang="en-US" dirty="0"/>
-              <a:t>}</a:t>
+              <a:t>Mark road blocks where hare and tor reach.</a:t>
+            </a:r>
+          </a:p>
+          <a:p>
+            <a:pPr marL="0" indent="0">
+              <a:buNone/>
+            </a:pPr>
+            <a:r>
+              <a:rPr lang="en-US" sz="2200" dirty="0"/>
+              <a:t>          </a:t>
+            </a:r>
+            <a:r>
+              <a:rPr lang="en-US" sz="2200" dirty="0">
+                <a:solidFill>
+                  <a:schemeClr val="accent5">
+                    <a:lumMod val="75000"/>
+                  </a:schemeClr>
+                </a:solidFill>
+              </a:rPr>
+              <a:t>Print out round, then print road as a string.</a:t>
+            </a:r>
+          </a:p>
+          <a:p>
+            <a:pPr marL="0" indent="0">
+              <a:buNone/>
+            </a:pPr>
+            <a:r>
+              <a:rPr lang="en-US" sz="2200" dirty="0"/>
+              <a:t>          </a:t>
+            </a:r>
+            <a:r>
+              <a:rPr lang="en-US" sz="2200" dirty="0">
+                <a:solidFill>
+                  <a:srgbClr val="CC00FF"/>
+                </a:solidFill>
+              </a:rPr>
+              <a:t>Clear road to prepare for the next round.</a:t>
             </a:r>
           </a:p>
         </p:txBody>
@@ -5620,7 +5739,7 @@
     </p:spTree>
     <p:extLst>
       <p:ext uri="{BB962C8B-B14F-4D97-AF65-F5344CB8AC3E}">
-        <p14:creationId xmlns:p14="http://schemas.microsoft.com/office/powerpoint/2010/main" val="1087920920"/>
+        <p14:creationId xmlns:p14="http://schemas.microsoft.com/office/powerpoint/2010/main" val="4206489617"/>
       </p:ext>
     </p:extLst>
   </p:cSld>
@@ -5659,159 +5778,152 @@
         </p:nvSpPr>
         <p:spPr/>
         <p:txBody>
+          <a:bodyPr/>
+          <a:lstStyle/>
+          <a:p>
+            <a:r>
+              <a:rPr lang="en-US" dirty="0"/>
+              <a:t>Class Competition -- III</a:t>
+            </a:r>
+          </a:p>
+        </p:txBody>
+      </p:sp>
+      <p:sp>
+        <p:nvSpPr>
+          <p:cNvPr id="3" name="Content Placeholder 2"/>
+          <p:cNvSpPr>
+            <a:spLocks noGrp="1"/>
+          </p:cNvSpPr>
+          <p:nvPr>
+            <p:ph idx="1"/>
+          </p:nvPr>
+        </p:nvSpPr>
+        <p:spPr>
+          <a:xfrm>
+            <a:off x="457200" y="1447800"/>
+            <a:ext cx="8229600" cy="4678363"/>
+          </a:xfrm>
+        </p:spPr>
+        <p:txBody>
           <a:bodyPr>
-            <a:normAutofit fontScale="90000"/>
+            <a:normAutofit/>
           </a:bodyPr>
           <a:lstStyle/>
           <a:p>
-            <a:r>
-              <a:rPr lang="en-US" dirty="0"/>
-              <a:t>Sample output for a road of 10 blocks</a:t>
-            </a:r>
-          </a:p>
-        </p:txBody>
-      </p:sp>
-      <p:sp>
-        <p:nvSpPr>
-          <p:cNvPr id="3" name="Content Placeholder 2"/>
-          <p:cNvSpPr>
-            <a:spLocks noGrp="1"/>
-          </p:cNvSpPr>
-          <p:nvPr>
-            <p:ph idx="1"/>
-          </p:nvPr>
-        </p:nvSpPr>
-        <p:spPr>
-          <a:xfrm>
-            <a:off x="457200" y="1600200"/>
-            <a:ext cx="8229600" cy="4724400"/>
-          </a:xfrm>
-        </p:spPr>
-        <p:txBody>
-          <a:bodyPr>
-            <a:normAutofit lnSpcReduction="10000"/>
-          </a:bodyPr>
-          <a:lstStyle/>
-          <a:p>
-            <a:pPr marL="0" indent="0">
-              <a:buNone/>
-            </a:pPr>
-            <a:r>
-              <a:rPr lang="is-IS" sz="2200" dirty="0"/>
-              <a:t>   1:   T       </a:t>
-            </a:r>
-          </a:p>
-          <a:p>
-            <a:pPr marL="0" indent="0">
-              <a:buNone/>
-            </a:pPr>
-            <a:r>
-              <a:rPr lang="is-IS" sz="2200" dirty="0"/>
-              <a:t>Ouch, tortoise bites hare.</a:t>
-            </a:r>
-          </a:p>
-          <a:p>
-            <a:pPr marL="0" indent="0">
-              <a:buNone/>
-            </a:pPr>
-            <a:r>
-              <a:rPr lang="is-IS" sz="2200" dirty="0"/>
-              <a:t>   2:  H   T    </a:t>
-            </a:r>
-          </a:p>
-          <a:p>
-            <a:pPr marL="0" indent="0">
-              <a:buNone/>
-            </a:pPr>
-            <a:r>
-              <a:rPr lang="is-IS" sz="2200" dirty="0"/>
-              <a:t>   3: H      T  </a:t>
-            </a:r>
-          </a:p>
-          <a:p>
-            <a:pPr marL="0" indent="0">
-              <a:buNone/>
-            </a:pPr>
-            <a:r>
-              <a:rPr lang="is-IS" sz="2200" dirty="0"/>
-              <a:t>   4:    T      </a:t>
-            </a:r>
-          </a:p>
-          <a:p>
-            <a:pPr marL="0" indent="0">
-              <a:buNone/>
-            </a:pPr>
-            <a:r>
-              <a:rPr lang="is-IS" sz="2200" dirty="0"/>
-              <a:t>Ouch, tortoise bites hare.</a:t>
-            </a:r>
-          </a:p>
-          <a:p>
-            <a:pPr marL="0" indent="0">
-              <a:buNone/>
-            </a:pPr>
-            <a:r>
-              <a:rPr lang="is-IS" sz="2200" dirty="0"/>
-              <a:t>   5: T    H    </a:t>
-            </a:r>
-          </a:p>
-          <a:p>
-            <a:pPr marL="0" indent="0">
-              <a:buNone/>
-            </a:pPr>
-            <a:r>
-              <a:rPr lang="is-IS" sz="2200" dirty="0"/>
-              <a:t>   6:   T H     </a:t>
-            </a:r>
-          </a:p>
-          <a:p>
-            <a:pPr marL="0" indent="0">
-              <a:buNone/>
-            </a:pPr>
-            <a:r>
-              <a:rPr lang="is-IS" sz="2200" dirty="0"/>
-              <a:t>   7:   H  T    </a:t>
-            </a:r>
-          </a:p>
-          <a:p>
-            <a:pPr marL="0" indent="0">
-              <a:buNone/>
-            </a:pPr>
-            <a:r>
-              <a:rPr lang="is-IS" sz="2200" dirty="0"/>
-              <a:t>   8:  H     T  </a:t>
-            </a:r>
-          </a:p>
-          <a:p>
-            <a:pPr marL="0" indent="0">
-              <a:buNone/>
-            </a:pPr>
-            <a:r>
-              <a:rPr lang="is-IS" sz="2200" dirty="0"/>
-              <a:t>   9: H        T</a:t>
-            </a:r>
-          </a:p>
-          <a:p>
-            <a:pPr marL="0" indent="0">
-              <a:buNone/>
-            </a:pPr>
-            <a:r>
-              <a:rPr lang="is-IS" sz="2200" dirty="0"/>
-              <a:t>Tortoise wins. Yay!!!</a:t>
-            </a:r>
-          </a:p>
-          <a:p>
-            <a:pPr marL="0" indent="0">
-              <a:buNone/>
-            </a:pPr>
+            <a:pPr marL="0" indent="0">
+              <a:buNone/>
+            </a:pPr>
+            <a:r>
+              <a:rPr lang="en-US" dirty="0">
+                <a:solidFill>
+                  <a:srgbClr val="3333FF"/>
+                </a:solidFill>
+              </a:rPr>
+              <a:t>//Once at least one of hare and tortoise //reaches the last block, report the result.</a:t>
+            </a:r>
+          </a:p>
+          <a:p>
+            <a:pPr marL="0" indent="0">
+              <a:buNone/>
+            </a:pPr>
+            <a:r>
+              <a:rPr lang="en-US" dirty="0"/>
+              <a:t>if both animals reaches the </a:t>
+            </a:r>
+            <a:r>
+              <a:rPr lang="en-US" dirty="0" err="1"/>
+              <a:t>endline</a:t>
+            </a:r>
             <a:endParaRPr lang="en-US" dirty="0"/>
+          </a:p>
+          <a:p>
+            <a:pPr marL="0" indent="0">
+              <a:buNone/>
+            </a:pPr>
+            <a:r>
+              <a:rPr lang="en-US" dirty="0"/>
+              <a:t>    print out </a:t>
+            </a:r>
+            <a:r>
+              <a:rPr lang="en-US" dirty="0">
+                <a:solidFill>
+                  <a:srgbClr val="00B0F0"/>
+                </a:solidFill>
+              </a:rPr>
+              <a:t>“It is a tie.”</a:t>
+            </a:r>
+          </a:p>
+          <a:p>
+            <a:pPr marL="0" indent="0">
+              <a:buNone/>
+            </a:pPr>
+            <a:r>
+              <a:rPr lang="en-US" dirty="0"/>
+              <a:t>else if hare reaches the </a:t>
+            </a:r>
+            <a:r>
+              <a:rPr lang="en-US" dirty="0" err="1"/>
+              <a:t>endline</a:t>
+            </a:r>
+            <a:endParaRPr lang="en-US" dirty="0"/>
+          </a:p>
+          <a:p>
+            <a:pPr marL="0" indent="0">
+              <a:buNone/>
+            </a:pPr>
+            <a:r>
+              <a:rPr lang="en-US" dirty="0"/>
+              <a:t>            print out </a:t>
+            </a:r>
+            <a:r>
+              <a:rPr lang="en-US" dirty="0">
+                <a:solidFill>
+                  <a:srgbClr val="7030A0"/>
+                </a:solidFill>
+              </a:rPr>
+              <a:t>“Yuck. Hare wins.”</a:t>
+            </a:r>
+          </a:p>
+          <a:p>
+            <a:pPr marL="0" indent="0">
+              <a:buNone/>
+            </a:pPr>
+            <a:r>
+              <a:rPr lang="en-US" dirty="0"/>
+              <a:t>        else print out </a:t>
+            </a:r>
+            <a:r>
+              <a:rPr lang="en-US" dirty="0">
+                <a:solidFill>
+                  <a:srgbClr val="FF0000"/>
+                </a:solidFill>
+              </a:rPr>
+              <a:t>“Yay!!! Tortoise wins.”</a:t>
+            </a:r>
+          </a:p>
+          <a:p>
+            <a:pPr marL="0" indent="0">
+              <a:buNone/>
+            </a:pPr>
+            <a:r>
+              <a:rPr lang="en-US" dirty="0"/>
+              <a:t>} </a:t>
+            </a:r>
+            <a:r>
+              <a:rPr lang="en-US" dirty="0">
+                <a:solidFill>
+                  <a:srgbClr val="3333FF"/>
+                </a:solidFill>
+              </a:rPr>
+              <a:t>//end of method start</a:t>
+            </a:r>
           </a:p>
         </p:txBody>
       </p:sp>
     </p:spTree>
     <p:extLst>
       <p:ext uri="{BB962C8B-B14F-4D97-AF65-F5344CB8AC3E}">
-        <p14:creationId xmlns:p14="http://schemas.microsoft.com/office/powerpoint/2010/main" val="1305690052"/>
+        <p14:creationId xmlns:p14="http://schemas.microsoft.com/office/powerpoint/2010/main" val="4260771423"/>
       </p:ext>
     </p:extLst>
   </p:cSld>
@@ -5848,16 +5960,21 @@
             <p:ph type="title"/>
           </p:nvPr>
         </p:nvSpPr>
-        <p:spPr/>
+        <p:spPr>
+          <a:xfrm>
+            <a:off x="304800" y="274638"/>
+            <a:ext cx="8534400" cy="1143000"/>
+          </a:xfrm>
+        </p:spPr>
         <p:txBody>
           <a:bodyPr>
-            <a:normAutofit fontScale="90000"/>
+            <a:noAutofit/>
           </a:bodyPr>
           <a:lstStyle/>
           <a:p>
             <a:r>
-              <a:rPr lang="en-US" dirty="0"/>
-              <a:t>Sample output for a road of 10 blocks</a:t>
+              <a:rPr lang="en-US" sz="4000" dirty="0"/>
+              <a:t>Client of Competition – string things up</a:t>
             </a:r>
           </a:p>
         </p:txBody>
@@ -5872,10 +5989,15 @@
             <p:ph idx="1"/>
           </p:nvPr>
         </p:nvSpPr>
-        <p:spPr/>
+        <p:spPr>
+          <a:xfrm>
+            <a:off x="457200" y="1295400"/>
+            <a:ext cx="8229600" cy="4830763"/>
+          </a:xfrm>
+        </p:spPr>
         <p:txBody>
           <a:bodyPr>
-            <a:normAutofit lnSpcReduction="10000"/>
+            <a:normAutofit fontScale="92500" lnSpcReduction="20000"/>
           </a:bodyPr>
           <a:lstStyle/>
           <a:p>
@@ -5883,99 +6005,118 @@
               <a:buNone/>
             </a:pPr>
             <a:r>
-              <a:rPr lang="is-IS" dirty="0"/>
-              <a:t>   1: H T       </a:t>
-            </a:r>
-          </a:p>
-          <a:p>
-            <a:pPr marL="0" indent="0">
-              <a:buNone/>
-            </a:pPr>
-            <a:r>
-              <a:rPr lang="is-IS" dirty="0"/>
-              <a:t>   2: H    T    </a:t>
-            </a:r>
-          </a:p>
-          <a:p>
-            <a:pPr marL="0" indent="0">
-              <a:buNone/>
-            </a:pPr>
-            <a:r>
-              <a:rPr lang="is-IS" dirty="0"/>
-              <a:t>   3: HT        </a:t>
-            </a:r>
-          </a:p>
-          <a:p>
-            <a:pPr marL="0" indent="0">
-              <a:buNone/>
-            </a:pPr>
-            <a:r>
-              <a:rPr lang="is-IS" dirty="0"/>
-              <a:t>   4: T  H      </a:t>
-            </a:r>
-          </a:p>
-          <a:p>
-            <a:pPr marL="0" indent="0">
-              <a:buNone/>
-            </a:pPr>
-            <a:r>
-              <a:rPr lang="is-IS" dirty="0"/>
-              <a:t>   5:   T  H    </a:t>
-            </a:r>
-          </a:p>
-          <a:p>
-            <a:pPr marL="0" indent="0">
-              <a:buNone/>
-            </a:pPr>
-            <a:r>
-              <a:rPr lang="is-IS" dirty="0"/>
-              <a:t>   6:      T  H </a:t>
-            </a:r>
-          </a:p>
-          <a:p>
-            <a:pPr marL="0" indent="0">
-              <a:buNone/>
-            </a:pPr>
-            <a:r>
-              <a:rPr lang="is-IS" dirty="0"/>
-              <a:t>   7:  T       H</a:t>
-            </a:r>
-          </a:p>
-          <a:p>
-            <a:pPr marL="0" indent="0">
-              <a:buNone/>
-            </a:pPr>
-            <a:r>
-              <a:rPr lang="is-IS" dirty="0"/>
-              <a:t>Hare wins. Yuck.</a:t>
-            </a:r>
-          </a:p>
-          <a:p>
-            <a:pPr marL="0" marR="0" lvl="0" indent="0" defTabSz="914400" eaLnBrk="1" fontAlgn="auto" latinLnBrk="0" hangingPunct="1">
-              <a:lnSpc>
-                <a:spcPct val="100000"/>
-              </a:lnSpc>
-              <a:spcBef>
-                <a:spcPts val="0"/>
-              </a:spcBef>
-              <a:spcAft>
-                <a:spcPts val="0"/>
-              </a:spcAft>
-              <a:buClrTx/>
-              <a:buSzTx/>
-              <a:buFontTx/>
-              <a:buNone/>
-              <a:tabLst/>
-              <a:defRPr/>
+              <a:rPr lang="en-US" dirty="0"/>
+              <a:t>int main() {</a:t>
+            </a:r>
+          </a:p>
+          <a:p>
+            <a:pPr marL="0" indent="0">
+              <a:buNone/>
+            </a:pPr>
+            <a:r>
+              <a:rPr lang="en-US" dirty="0"/>
+              <a:t>      Competition race;</a:t>
+            </a:r>
+          </a:p>
+          <a:p>
+            <a:pPr marL="0" indent="0">
+              <a:buNone/>
+            </a:pPr>
+            <a:r>
+              <a:rPr lang="en-US" dirty="0"/>
+              <a:t>      </a:t>
+            </a:r>
+            <a:r>
+              <a:rPr lang="en-US" dirty="0" err="1"/>
+              <a:t>race.start</a:t>
+            </a:r>
+            <a:r>
+              <a:rPr lang="en-US" dirty="0"/>
+              <a:t>();</a:t>
+            </a:r>
+          </a:p>
+          <a:p>
+            <a:pPr marL="0" indent="0">
+              <a:buNone/>
             </a:pPr>
             <a:endParaRPr lang="en-US" dirty="0"/>
+          </a:p>
+          <a:p>
+            <a:pPr marL="0" indent="0">
+              <a:buNone/>
+            </a:pPr>
+            <a:r>
+              <a:rPr lang="en-US" dirty="0"/>
+              <a:t>      </a:t>
+            </a:r>
+            <a:r>
+              <a:rPr lang="en-US" dirty="0">
+                <a:solidFill>
+                  <a:srgbClr val="3333FF"/>
+                </a:solidFill>
+              </a:rPr>
+              <a:t>//Create a object of Competition</a:t>
+            </a:r>
+          </a:p>
+          <a:p>
+            <a:pPr marL="0" indent="0">
+              <a:buNone/>
+            </a:pPr>
+            <a:r>
+              <a:rPr lang="en-US" dirty="0">
+                <a:solidFill>
+                  <a:srgbClr val="3333FF"/>
+                </a:solidFill>
+              </a:rPr>
+              <a:t>      //using non-default constructor.</a:t>
+            </a:r>
+          </a:p>
+          <a:p>
+            <a:pPr marL="0" indent="0">
+              <a:buNone/>
+            </a:pPr>
+            <a:r>
+              <a:rPr lang="en-US" dirty="0">
+                <a:solidFill>
+                  <a:srgbClr val="3333FF"/>
+                </a:solidFill>
+              </a:rPr>
+              <a:t>      //Call start method from this object.</a:t>
+            </a:r>
+          </a:p>
+          <a:p>
+            <a:pPr marL="0" indent="0">
+              <a:buNone/>
+            </a:pPr>
+            <a:r>
+              <a:rPr lang="en-US" dirty="0"/>
+              <a:t>      </a:t>
+            </a:r>
+          </a:p>
+          <a:p>
+            <a:pPr marL="0" indent="0">
+              <a:buNone/>
+            </a:pPr>
+            <a:r>
+              <a:rPr lang="en-US" dirty="0"/>
+              <a:t>      return 0;</a:t>
+            </a:r>
+          </a:p>
+          <a:p>
+            <a:pPr marL="0" indent="0">
+              <a:buNone/>
+            </a:pPr>
+            <a:r>
+              <a:rPr lang="en-US" dirty="0"/>
+              <a:t>}</a:t>
+            </a:r>
           </a:p>
         </p:txBody>
       </p:sp>
     </p:spTree>
     <p:extLst>
       <p:ext uri="{BB962C8B-B14F-4D97-AF65-F5344CB8AC3E}">
-        <p14:creationId xmlns:p14="http://schemas.microsoft.com/office/powerpoint/2010/main" val="730274458"/>
+        <p14:creationId xmlns:p14="http://schemas.microsoft.com/office/powerpoint/2010/main" val="1087920920"/>
       </p:ext>
     </p:extLst>
   </p:cSld>
@@ -6021,6 +6162,361 @@
           <a:p>
             <a:r>
               <a:rPr lang="en-US" dirty="0"/>
+              <a:t>Sample output for a road of 10 blocks</a:t>
+            </a:r>
+          </a:p>
+        </p:txBody>
+      </p:sp>
+      <p:sp>
+        <p:nvSpPr>
+          <p:cNvPr id="3" name="Content Placeholder 2"/>
+          <p:cNvSpPr>
+            <a:spLocks noGrp="1"/>
+          </p:cNvSpPr>
+          <p:nvPr>
+            <p:ph idx="1"/>
+          </p:nvPr>
+        </p:nvSpPr>
+        <p:spPr>
+          <a:xfrm>
+            <a:off x="457200" y="1600200"/>
+            <a:ext cx="8229600" cy="4724400"/>
+          </a:xfrm>
+        </p:spPr>
+        <p:txBody>
+          <a:bodyPr>
+            <a:normAutofit lnSpcReduction="10000"/>
+          </a:bodyPr>
+          <a:lstStyle/>
+          <a:p>
+            <a:pPr marL="0" indent="0">
+              <a:buNone/>
+            </a:pPr>
+            <a:r>
+              <a:rPr lang="is-IS" sz="2200" dirty="0"/>
+              <a:t>   1:   T       </a:t>
+            </a:r>
+          </a:p>
+          <a:p>
+            <a:pPr marL="0" indent="0">
+              <a:buNone/>
+            </a:pPr>
+            <a:r>
+              <a:rPr lang="is-IS" sz="2200" dirty="0"/>
+              <a:t>Ouch, tortoise bites hare.</a:t>
+            </a:r>
+          </a:p>
+          <a:p>
+            <a:pPr marL="0" indent="0">
+              <a:buNone/>
+            </a:pPr>
+            <a:r>
+              <a:rPr lang="is-IS" sz="2200" dirty="0"/>
+              <a:t>   2:  H   T    </a:t>
+            </a:r>
+          </a:p>
+          <a:p>
+            <a:pPr marL="0" indent="0">
+              <a:buNone/>
+            </a:pPr>
+            <a:r>
+              <a:rPr lang="is-IS" sz="2200" dirty="0"/>
+              <a:t>   3: H      T  </a:t>
+            </a:r>
+          </a:p>
+          <a:p>
+            <a:pPr marL="0" indent="0">
+              <a:buNone/>
+            </a:pPr>
+            <a:r>
+              <a:rPr lang="is-IS" sz="2200" dirty="0"/>
+              <a:t>   4:    T      </a:t>
+            </a:r>
+          </a:p>
+          <a:p>
+            <a:pPr marL="0" indent="0">
+              <a:buNone/>
+            </a:pPr>
+            <a:r>
+              <a:rPr lang="is-IS" sz="2200" dirty="0"/>
+              <a:t>Ouch, tortoise bites hare.</a:t>
+            </a:r>
+          </a:p>
+          <a:p>
+            <a:pPr marL="0" indent="0">
+              <a:buNone/>
+            </a:pPr>
+            <a:r>
+              <a:rPr lang="is-IS" sz="2200" dirty="0"/>
+              <a:t>   5: T    H    </a:t>
+            </a:r>
+          </a:p>
+          <a:p>
+            <a:pPr marL="0" indent="0">
+              <a:buNone/>
+            </a:pPr>
+            <a:r>
+              <a:rPr lang="is-IS" sz="2200" dirty="0"/>
+              <a:t>   6:   T H     </a:t>
+            </a:r>
+          </a:p>
+          <a:p>
+            <a:pPr marL="0" indent="0">
+              <a:buNone/>
+            </a:pPr>
+            <a:r>
+              <a:rPr lang="is-IS" sz="2200" dirty="0"/>
+              <a:t>   7:   H  T    </a:t>
+            </a:r>
+          </a:p>
+          <a:p>
+            <a:pPr marL="0" indent="0">
+              <a:buNone/>
+            </a:pPr>
+            <a:r>
+              <a:rPr lang="is-IS" sz="2200" dirty="0"/>
+              <a:t>   8:  H     T  </a:t>
+            </a:r>
+          </a:p>
+          <a:p>
+            <a:pPr marL="0" indent="0">
+              <a:buNone/>
+            </a:pPr>
+            <a:r>
+              <a:rPr lang="is-IS" sz="2200" dirty="0"/>
+              <a:t>   9: H        T</a:t>
+            </a:r>
+          </a:p>
+          <a:p>
+            <a:pPr marL="0" indent="0">
+              <a:buNone/>
+            </a:pPr>
+            <a:r>
+              <a:rPr lang="is-IS" sz="2200" dirty="0"/>
+              <a:t>Tortoise wins. Yay!!!</a:t>
+            </a:r>
+          </a:p>
+          <a:p>
+            <a:pPr marL="0" indent="0">
+              <a:buNone/>
+            </a:pPr>
+            <a:endParaRPr lang="en-US" dirty="0"/>
+          </a:p>
+        </p:txBody>
+      </p:sp>
+    </p:spTree>
+    <p:extLst>
+      <p:ext uri="{BB962C8B-B14F-4D97-AF65-F5344CB8AC3E}">
+        <p14:creationId xmlns:p14="http://schemas.microsoft.com/office/powerpoint/2010/main" val="1305690052"/>
+      </p:ext>
+    </p:extLst>
+  </p:cSld>
+  <p:clrMapOvr>
+    <a:masterClrMapping/>
+  </p:clrMapOvr>
+</p:sld>
+</file>
+
+<file path=ppt/slides/slide26.xml><?xml version="1.0" encoding="utf-8"?>
+<p:sld xmlns:a="http://schemas.openxmlformats.org/drawingml/2006/main" xmlns:r="http://schemas.openxmlformats.org/officeDocument/2006/relationships" xmlns:p="http://schemas.openxmlformats.org/presentationml/2006/main">
+  <p:cSld>
+    <p:spTree>
+      <p:nvGrpSpPr>
+        <p:cNvPr id="1" name=""/>
+        <p:cNvGrpSpPr/>
+        <p:nvPr/>
+      </p:nvGrpSpPr>
+      <p:grpSpPr>
+        <a:xfrm>
+          <a:off x="0" y="0"/>
+          <a:ext cx="0" cy="0"/>
+          <a:chOff x="0" y="0"/>
+          <a:chExt cx="0" cy="0"/>
+        </a:xfrm>
+      </p:grpSpPr>
+      <p:sp>
+        <p:nvSpPr>
+          <p:cNvPr id="2" name="Title 1"/>
+          <p:cNvSpPr>
+            <a:spLocks noGrp="1"/>
+          </p:cNvSpPr>
+          <p:nvPr>
+            <p:ph type="title"/>
+          </p:nvPr>
+        </p:nvSpPr>
+        <p:spPr/>
+        <p:txBody>
+          <a:bodyPr>
+            <a:normAutofit fontScale="90000"/>
+          </a:bodyPr>
+          <a:lstStyle/>
+          <a:p>
+            <a:r>
+              <a:rPr lang="en-US" dirty="0"/>
+              <a:t>Sample output for a road of 10 blocks</a:t>
+            </a:r>
+          </a:p>
+        </p:txBody>
+      </p:sp>
+      <p:sp>
+        <p:nvSpPr>
+          <p:cNvPr id="3" name="Content Placeholder 2"/>
+          <p:cNvSpPr>
+            <a:spLocks noGrp="1"/>
+          </p:cNvSpPr>
+          <p:nvPr>
+            <p:ph idx="1"/>
+          </p:nvPr>
+        </p:nvSpPr>
+        <p:spPr/>
+        <p:txBody>
+          <a:bodyPr>
+            <a:normAutofit lnSpcReduction="10000"/>
+          </a:bodyPr>
+          <a:lstStyle/>
+          <a:p>
+            <a:pPr marL="0" indent="0">
+              <a:buNone/>
+            </a:pPr>
+            <a:r>
+              <a:rPr lang="is-IS" dirty="0"/>
+              <a:t>   1: H T       </a:t>
+            </a:r>
+          </a:p>
+          <a:p>
+            <a:pPr marL="0" indent="0">
+              <a:buNone/>
+            </a:pPr>
+            <a:r>
+              <a:rPr lang="is-IS" dirty="0"/>
+              <a:t>   2: H    T    </a:t>
+            </a:r>
+          </a:p>
+          <a:p>
+            <a:pPr marL="0" indent="0">
+              <a:buNone/>
+            </a:pPr>
+            <a:r>
+              <a:rPr lang="is-IS" dirty="0"/>
+              <a:t>   3: HT        </a:t>
+            </a:r>
+          </a:p>
+          <a:p>
+            <a:pPr marL="0" indent="0">
+              <a:buNone/>
+            </a:pPr>
+            <a:r>
+              <a:rPr lang="is-IS" dirty="0"/>
+              <a:t>   4: T  H      </a:t>
+            </a:r>
+          </a:p>
+          <a:p>
+            <a:pPr marL="0" indent="0">
+              <a:buNone/>
+            </a:pPr>
+            <a:r>
+              <a:rPr lang="is-IS" dirty="0"/>
+              <a:t>   5:   T  H    </a:t>
+            </a:r>
+          </a:p>
+          <a:p>
+            <a:pPr marL="0" indent="0">
+              <a:buNone/>
+            </a:pPr>
+            <a:r>
+              <a:rPr lang="is-IS" dirty="0"/>
+              <a:t>   6:      T  H </a:t>
+            </a:r>
+          </a:p>
+          <a:p>
+            <a:pPr marL="0" indent="0">
+              <a:buNone/>
+            </a:pPr>
+            <a:r>
+              <a:rPr lang="is-IS" dirty="0"/>
+              <a:t>   7:  T       H</a:t>
+            </a:r>
+          </a:p>
+          <a:p>
+            <a:pPr marL="0" indent="0">
+              <a:buNone/>
+            </a:pPr>
+            <a:r>
+              <a:rPr lang="is-IS" dirty="0"/>
+              <a:t>Hare wins. Yuck.</a:t>
+            </a:r>
+          </a:p>
+          <a:p>
+            <a:pPr marL="0" marR="0" lvl="0" indent="0" defTabSz="914400" eaLnBrk="1" fontAlgn="auto" latinLnBrk="0" hangingPunct="1">
+              <a:lnSpc>
+                <a:spcPct val="100000"/>
+              </a:lnSpc>
+              <a:spcBef>
+                <a:spcPts val="0"/>
+              </a:spcBef>
+              <a:spcAft>
+                <a:spcPts val="0"/>
+              </a:spcAft>
+              <a:buClrTx/>
+              <a:buSzTx/>
+              <a:buFontTx/>
+              <a:buNone/>
+              <a:tabLst/>
+              <a:defRPr/>
+            </a:pPr>
+            <a:endParaRPr lang="en-US" dirty="0"/>
+          </a:p>
+        </p:txBody>
+      </p:sp>
+    </p:spTree>
+    <p:extLst>
+      <p:ext uri="{BB962C8B-B14F-4D97-AF65-F5344CB8AC3E}">
+        <p14:creationId xmlns:p14="http://schemas.microsoft.com/office/powerpoint/2010/main" val="730274458"/>
+      </p:ext>
+    </p:extLst>
+  </p:cSld>
+  <p:clrMapOvr>
+    <a:masterClrMapping/>
+  </p:clrMapOvr>
+</p:sld>
+</file>
+
+<file path=ppt/slides/slide27.xml><?xml version="1.0" encoding="utf-8"?>
+<p:sld xmlns:a="http://schemas.openxmlformats.org/drawingml/2006/main" xmlns:r="http://schemas.openxmlformats.org/officeDocument/2006/relationships" xmlns:p="http://schemas.openxmlformats.org/presentationml/2006/main">
+  <p:cSld>
+    <p:spTree>
+      <p:nvGrpSpPr>
+        <p:cNvPr id="1" name=""/>
+        <p:cNvGrpSpPr/>
+        <p:nvPr/>
+      </p:nvGrpSpPr>
+      <p:grpSpPr>
+        <a:xfrm>
+          <a:off x="0" y="0"/>
+          <a:ext cx="0" cy="0"/>
+          <a:chOff x="0" y="0"/>
+          <a:chExt cx="0" cy="0"/>
+        </a:xfrm>
+      </p:grpSpPr>
+      <p:sp>
+        <p:nvSpPr>
+          <p:cNvPr id="2" name="Title 1"/>
+          <p:cNvSpPr>
+            <a:spLocks noGrp="1"/>
+          </p:cNvSpPr>
+          <p:nvPr>
+            <p:ph type="title"/>
+          </p:nvPr>
+        </p:nvSpPr>
+        <p:spPr/>
+        <p:txBody>
+          <a:bodyPr>
+            <a:normAutofit fontScale="90000"/>
+          </a:bodyPr>
+          <a:lstStyle/>
+          <a:p>
+            <a:r>
+              <a:rPr lang="en-US" dirty="0"/>
               <a:t>Sample output of a road of 10 blocks</a:t>
             </a:r>
           </a:p>
@@ -6228,7 +6724,7 @@
 </p:sld>
 </file>
 
-<file path=ppt/slides/slide26.xml><?xml version="1.0" encoding="utf-8"?>
+<file path=ppt/slides/slide28.xml><?xml version="1.0" encoding="utf-8"?>
 <p:sld xmlns:a="http://schemas.openxmlformats.org/drawingml/2006/main" xmlns:r="http://schemas.openxmlformats.org/officeDocument/2006/relationships" xmlns:p="http://schemas.openxmlformats.org/presentationml/2006/main">
   <p:cSld>
     <p:spTree>
@@ -6380,14 +6876,22 @@
           <a:p>
             <a:r>
               <a:rPr lang="en-US" dirty="0"/>
-              <a:t>The road can be slippery, so competitors can fall backward (but not further left to block 0, image we put a pad at block 0. Similarly, competitors cannot go beyond the last block.)</a:t>
+              <a:t>The road can be slippery, so competitors can fall backward (but not further left to block 0, image we put a road blocker cone at block 0. Similarly, competitors cannot go beyond the last block.)</a:t>
             </a:r>
           </a:p>
           <a:p>
             <a:pPr lvl="1"/>
             <a:r>
               <a:rPr lang="en-US" dirty="0"/>
-              <a:t>Assume that block starts from 0.</a:t>
+              <a:t>Assume </a:t>
+            </a:r>
+            <a:r>
+              <a:rPr lang="en-US"/>
+              <a:t>that blocks start </a:t>
+            </a:r>
+            <a:r>
+              <a:rPr lang="en-US" dirty="0"/>
+              <a:t>from 0.</a:t>
             </a:r>
           </a:p>
           <a:p>
@@ -9090,7 +9594,13 @@
       </p:grpSpPr>
       <p:sp>
         <p:nvSpPr>
-          <p:cNvPr id="2" name="Title 1"/>
+          <p:cNvPr id="2" name="Title 1">
+            <a:extLst>
+              <a:ext uri="{FF2B5EF4-FFF2-40B4-BE49-F238E27FC236}">
+                <a16:creationId xmlns:a16="http://schemas.microsoft.com/office/drawing/2014/main" id="{A6B59594-D7A5-2F46-8470-E07A50D11D6D}"/>
+              </a:ext>
+            </a:extLst>
+          </p:cNvPr>
           <p:cNvSpPr>
             <a:spLocks noGrp="1"/>
           </p:cNvSpPr>
@@ -9098,345 +9608,106 @@
             <p:ph type="title"/>
           </p:nvPr>
         </p:nvSpPr>
+        <p:spPr/>
+        <p:txBody>
+          <a:bodyPr>
+            <a:normAutofit fontScale="90000"/>
+          </a:bodyPr>
+          <a:lstStyle/>
+          <a:p>
+            <a:r>
+              <a:rPr lang="en-US" dirty="0"/>
+              <a:t>Tortoise class: Data members and operations</a:t>
+            </a:r>
+          </a:p>
+        </p:txBody>
+      </p:sp>
+      <p:sp>
+        <p:nvSpPr>
+          <p:cNvPr id="3" name="Content Placeholder 2">
+            <a:extLst>
+              <a:ext uri="{FF2B5EF4-FFF2-40B4-BE49-F238E27FC236}">
+                <a16:creationId xmlns:a16="http://schemas.microsoft.com/office/drawing/2014/main" id="{EA3EEC1A-7487-014B-AC50-06C5443DCDF4}"/>
+              </a:ext>
+            </a:extLst>
+          </p:cNvPr>
+          <p:cNvSpPr>
+            <a:spLocks noGrp="1"/>
+          </p:cNvSpPr>
+          <p:nvPr>
+            <p:ph idx="1"/>
+          </p:nvPr>
+        </p:nvSpPr>
+        <p:spPr/>
+        <p:txBody>
+          <a:bodyPr/>
+          <a:lstStyle/>
+          <a:p>
+            <a:r>
+              <a:rPr lang="en-US" dirty="0"/>
+              <a:t>Data members are attributes of tortoise, that is, what are common properties for a tortoise?</a:t>
+            </a:r>
+          </a:p>
+          <a:p>
+            <a:pPr lvl="1"/>
+            <a:r>
+              <a:rPr lang="en-US" dirty="0"/>
+              <a:t>Can we talk current position of tortoise?</a:t>
+            </a:r>
+          </a:p>
+          <a:p>
+            <a:pPr lvl="1"/>
+            <a:r>
+              <a:rPr lang="en-US" dirty="0"/>
+              <a:t>Can we talk move pattern of a tortoise?</a:t>
+            </a:r>
+          </a:p>
+          <a:p>
+            <a:pPr lvl="1"/>
+            <a:r>
+              <a:rPr lang="en-US" dirty="0"/>
+              <a:t>Can we talk road length of a tortoise?</a:t>
+            </a:r>
+          </a:p>
+          <a:p>
+            <a:endParaRPr lang="en-US" dirty="0"/>
+          </a:p>
+        </p:txBody>
+      </p:sp>
+      <p:pic>
+        <p:nvPicPr>
+          <p:cNvPr id="4" name="Picture 3">
+            <a:extLst>
+              <a:ext uri="{FF2B5EF4-FFF2-40B4-BE49-F238E27FC236}">
+                <a16:creationId xmlns:a16="http://schemas.microsoft.com/office/drawing/2014/main" id="{DCE522E8-2D55-294D-A188-A4F4AAFD5E52}"/>
+              </a:ext>
+            </a:extLst>
+          </p:cNvPr>
+          <p:cNvPicPr>
+            <a:picLocks noChangeAspect="1"/>
+          </p:cNvPicPr>
+          <p:nvPr/>
+        </p:nvPicPr>
+        <p:blipFill>
+          <a:blip r:embed="rId2"/>
+          <a:stretch>
+            <a:fillRect/>
+          </a:stretch>
+        </p:blipFill>
         <p:spPr>
           <a:xfrm>
-            <a:off x="533400" y="381000"/>
-            <a:ext cx="8229600" cy="1143000"/>
+            <a:off x="2057400" y="4241341"/>
+            <a:ext cx="3708400" cy="2032918"/>
           </a:xfrm>
+          <a:prstGeom prst="rect">
+            <a:avLst/>
+          </a:prstGeom>
         </p:spPr>
-        <p:txBody>
-          <a:bodyPr/>
-          <a:lstStyle/>
-          <a:p>
-            <a:r>
-              <a:rPr lang="en-US" dirty="0"/>
-              <a:t>Class Tortoise</a:t>
-            </a:r>
-          </a:p>
-        </p:txBody>
-      </p:sp>
-      <p:sp>
-        <p:nvSpPr>
-          <p:cNvPr id="3" name="Content Placeholder 2"/>
-          <p:cNvSpPr>
-            <a:spLocks noGrp="1"/>
-          </p:cNvSpPr>
-          <p:nvPr>
-            <p:ph idx="1"/>
-          </p:nvPr>
-        </p:nvSpPr>
-        <p:spPr>
-          <a:xfrm>
-            <a:off x="457200" y="1219200"/>
-            <a:ext cx="8458200" cy="4906963"/>
-          </a:xfrm>
-        </p:spPr>
-        <p:txBody>
-          <a:bodyPr>
-            <a:noAutofit/>
-          </a:bodyPr>
-          <a:lstStyle/>
-          <a:p>
-            <a:r>
-              <a:rPr lang="en-US" sz="2800" dirty="0"/>
-              <a:t>What are data members of Tortoise class?</a:t>
-            </a:r>
-          </a:p>
-          <a:p>
-            <a:r>
-              <a:rPr lang="en-US" sz="2800" dirty="0"/>
-              <a:t>How to define </a:t>
-            </a:r>
-          </a:p>
-          <a:p>
-            <a:r>
-              <a:rPr lang="en-US" sz="2800" dirty="0"/>
-              <a:t>What are function members?</a:t>
-            </a:r>
-            <a:endParaRPr lang="nb-NO" sz="2800" dirty="0"/>
-          </a:p>
-          <a:p>
-            <a:pPr marL="0" indent="0">
-              <a:buNone/>
-            </a:pPr>
-            <a:endParaRPr lang="nb-NO" sz="1600" dirty="0"/>
-          </a:p>
-          <a:p>
-            <a:pPr marL="0" indent="0">
-              <a:buNone/>
-            </a:pPr>
-            <a:r>
-              <a:rPr lang="nb-NO" sz="2800" dirty="0">
-                <a:solidFill>
-                  <a:srgbClr val="3366FF"/>
-                </a:solidFill>
-              </a:rPr>
-              <a:t>//TODO: </a:t>
-            </a:r>
-            <a:r>
-              <a:rPr lang="nb-NO" sz="2800" dirty="0" err="1">
-                <a:solidFill>
-                  <a:srgbClr val="3366FF"/>
-                </a:solidFill>
-              </a:rPr>
-              <a:t>define</a:t>
-            </a:r>
-            <a:r>
-              <a:rPr lang="nb-NO" sz="2800" dirty="0">
-                <a:solidFill>
-                  <a:srgbClr val="3366FF"/>
-                </a:solidFill>
-              </a:rPr>
-              <a:t> </a:t>
-            </a:r>
-            <a:r>
-              <a:rPr lang="nb-NO" sz="2800" dirty="0" err="1">
-                <a:solidFill>
-                  <a:srgbClr val="3366FF"/>
-                </a:solidFill>
-              </a:rPr>
-              <a:t>constructors</a:t>
-            </a:r>
-            <a:r>
-              <a:rPr lang="nb-NO" sz="2800" dirty="0">
-                <a:solidFill>
-                  <a:srgbClr val="3366FF"/>
-                </a:solidFill>
-              </a:rPr>
-              <a:t>. </a:t>
-            </a:r>
-          </a:p>
-          <a:p>
-            <a:pPr marL="0" indent="0">
-              <a:buNone/>
-            </a:pPr>
-            <a:r>
-              <a:rPr lang="nb-NO" sz="2800" dirty="0">
-                <a:solidFill>
-                  <a:srgbClr val="3366FF"/>
-                </a:solidFill>
-              </a:rPr>
-              <a:t>//1. </a:t>
-            </a:r>
-            <a:r>
-              <a:rPr lang="nb-NO" sz="2800" dirty="0" err="1">
-                <a:solidFill>
-                  <a:srgbClr val="3366FF"/>
-                </a:solidFill>
-              </a:rPr>
-              <a:t>Default</a:t>
-            </a:r>
-            <a:r>
-              <a:rPr lang="nb-NO" sz="2800" dirty="0">
-                <a:solidFill>
-                  <a:srgbClr val="3366FF"/>
-                </a:solidFill>
-              </a:rPr>
-              <a:t> </a:t>
-            </a:r>
-            <a:r>
-              <a:rPr lang="nb-NO" sz="2800" dirty="0" err="1">
-                <a:solidFill>
-                  <a:srgbClr val="3366FF"/>
-                </a:solidFill>
-              </a:rPr>
-              <a:t>constructor</a:t>
-            </a:r>
-            <a:r>
-              <a:rPr lang="nb-NO" sz="2800" dirty="0">
-                <a:solidFill>
-                  <a:srgbClr val="3366FF"/>
-                </a:solidFill>
-              </a:rPr>
-              <a:t> </a:t>
-            </a:r>
-            <a:r>
-              <a:rPr lang="nb-NO" sz="2800" dirty="0" err="1">
-                <a:solidFill>
-                  <a:srgbClr val="3366FF"/>
-                </a:solidFill>
-              </a:rPr>
-              <a:t>initializes</a:t>
-            </a:r>
-            <a:r>
-              <a:rPr lang="nb-NO" sz="2800" dirty="0">
-                <a:solidFill>
-                  <a:srgbClr val="3366FF"/>
-                </a:solidFill>
-              </a:rPr>
-              <a:t> </a:t>
-            </a:r>
-            <a:r>
-              <a:rPr lang="nb-NO" sz="2800" dirty="0" err="1">
-                <a:solidFill>
-                  <a:srgbClr val="3366FF"/>
-                </a:solidFill>
-              </a:rPr>
-              <a:t>position</a:t>
-            </a:r>
-            <a:r>
-              <a:rPr lang="nb-NO" sz="2800" dirty="0">
-                <a:solidFill>
-                  <a:srgbClr val="3366FF"/>
-                </a:solidFill>
-              </a:rPr>
-              <a:t> to be 0,</a:t>
-            </a:r>
-          </a:p>
-          <a:p>
-            <a:pPr marL="0" indent="0">
-              <a:buNone/>
-            </a:pPr>
-            <a:r>
-              <a:rPr lang="nb-NO" sz="2800" dirty="0">
-                <a:solidFill>
-                  <a:srgbClr val="3366FF"/>
-                </a:solidFill>
-              </a:rPr>
-              <a:t>//and </a:t>
-            </a:r>
-            <a:r>
-              <a:rPr lang="nb-NO" sz="2800" dirty="0" err="1">
-                <a:solidFill>
-                  <a:srgbClr val="3366FF"/>
-                </a:solidFill>
-              </a:rPr>
-              <a:t>move</a:t>
-            </a:r>
-            <a:r>
-              <a:rPr lang="nb-NO" sz="2800" dirty="0">
-                <a:solidFill>
-                  <a:srgbClr val="3366FF"/>
-                </a:solidFill>
-              </a:rPr>
-              <a:t> </a:t>
-            </a:r>
-            <a:r>
-              <a:rPr lang="nb-NO" sz="2800" dirty="0" err="1">
-                <a:solidFill>
-                  <a:srgbClr val="3366FF"/>
-                </a:solidFill>
-              </a:rPr>
-              <a:t>pattern</a:t>
-            </a:r>
-            <a:r>
-              <a:rPr lang="nb-NO" sz="2800" dirty="0">
-                <a:solidFill>
-                  <a:srgbClr val="3366FF"/>
-                </a:solidFill>
-              </a:rPr>
-              <a:t> to </a:t>
-            </a:r>
-            <a:r>
-              <a:rPr lang="nb-NO" sz="2800" dirty="0" err="1">
-                <a:solidFill>
-                  <a:srgbClr val="3366FF"/>
-                </a:solidFill>
-              </a:rPr>
-              <a:t>reflect</a:t>
-            </a:r>
-            <a:r>
-              <a:rPr lang="nb-NO" sz="2800" dirty="0">
-                <a:solidFill>
-                  <a:srgbClr val="3366FF"/>
-                </a:solidFill>
-              </a:rPr>
-              <a:t> </a:t>
-            </a:r>
-            <a:r>
-              <a:rPr lang="nb-NO" sz="2800" dirty="0" err="1">
-                <a:solidFill>
-                  <a:srgbClr val="3366FF"/>
-                </a:solidFill>
-              </a:rPr>
-              <a:t>the</a:t>
-            </a:r>
-            <a:r>
-              <a:rPr lang="nb-NO" sz="2800" dirty="0">
-                <a:solidFill>
-                  <a:srgbClr val="3366FF"/>
-                </a:solidFill>
-              </a:rPr>
-              <a:t> </a:t>
-            </a:r>
-            <a:r>
-              <a:rPr lang="nb-NO" sz="2800" dirty="0" err="1">
-                <a:solidFill>
-                  <a:srgbClr val="3366FF"/>
-                </a:solidFill>
-              </a:rPr>
-              <a:t>following</a:t>
-            </a:r>
-            <a:r>
-              <a:rPr lang="nb-NO" sz="2800" dirty="0">
-                <a:solidFill>
-                  <a:srgbClr val="3366FF"/>
-                </a:solidFill>
-              </a:rPr>
-              <a:t> data. </a:t>
-            </a:r>
-          </a:p>
-          <a:p>
-            <a:pPr marL="0" indent="0">
-              <a:buNone/>
-            </a:pPr>
-            <a:r>
-              <a:rPr lang="en-US" sz="2800" dirty="0">
-                <a:solidFill>
-                  <a:srgbClr val="3366FF"/>
-                </a:solidFill>
-              </a:rPr>
-              <a:t>//50% of the time, tortoise moves forward 3 blocks.</a:t>
-            </a:r>
-          </a:p>
-          <a:p>
-            <a:pPr marL="0" indent="0">
-              <a:buNone/>
-            </a:pPr>
-            <a:r>
-              <a:rPr lang="en-US" sz="2800" dirty="0">
-                <a:solidFill>
-                  <a:srgbClr val="3366FF"/>
-                </a:solidFill>
-              </a:rPr>
-              <a:t>//20% of the time, tortoise moves 6 blocks backward.</a:t>
-            </a:r>
-          </a:p>
-          <a:p>
-            <a:pPr marL="0" indent="0">
-              <a:buNone/>
-            </a:pPr>
-            <a:r>
-              <a:rPr lang="en-US" sz="2800" dirty="0">
-                <a:solidFill>
-                  <a:srgbClr val="3366FF"/>
-                </a:solidFill>
-              </a:rPr>
-              <a:t>//30% of the time, tortoise moves 1 block forward.</a:t>
-            </a:r>
-          </a:p>
-          <a:p>
-            <a:pPr marL="0" indent="0">
-              <a:buNone/>
-            </a:pPr>
-            <a:endParaRPr lang="en-US" sz="2000" dirty="0"/>
-          </a:p>
-          <a:p>
-            <a:pPr marL="0" indent="0">
-              <a:buNone/>
-            </a:pPr>
-            <a:r>
-              <a:rPr lang="en-US" sz="2000" dirty="0"/>
-              <a:t>     </a:t>
-            </a:r>
-            <a:endParaRPr lang="en-US" sz="1500" dirty="0"/>
-          </a:p>
-        </p:txBody>
-      </p:sp>
+      </p:pic>
     </p:spTree>
     <p:extLst>
       <p:ext uri="{BB962C8B-B14F-4D97-AF65-F5344CB8AC3E}">
-        <p14:creationId xmlns:p14="http://schemas.microsoft.com/office/powerpoint/2010/main" val="3713409477"/>
+        <p14:creationId xmlns:p14="http://schemas.microsoft.com/office/powerpoint/2010/main" val="2196067759"/>
       </p:ext>
     </p:extLst>
   </p:cSld>
@@ -9465,7 +9736,13 @@
       </p:grpSpPr>
       <p:sp>
         <p:nvSpPr>
-          <p:cNvPr id="2" name="Title 1"/>
+          <p:cNvPr id="2" name="Title 1">
+            <a:extLst>
+              <a:ext uri="{FF2B5EF4-FFF2-40B4-BE49-F238E27FC236}">
+                <a16:creationId xmlns:a16="http://schemas.microsoft.com/office/drawing/2014/main" id="{A6B59594-D7A5-2F46-8470-E07A50D11D6D}"/>
+              </a:ext>
+            </a:extLst>
+          </p:cNvPr>
           <p:cNvSpPr>
             <a:spLocks noGrp="1"/>
           </p:cNvSpPr>
@@ -9473,95 +9750,158 @@
             <p:ph type="title"/>
           </p:nvPr>
         </p:nvSpPr>
-        <p:spPr>
-          <a:xfrm>
-            <a:off x="533400" y="381000"/>
-            <a:ext cx="8229600" cy="1143000"/>
-          </a:xfrm>
-        </p:spPr>
-        <p:txBody>
-          <a:bodyPr/>
-          <a:lstStyle/>
-          <a:p>
-            <a:r>
-              <a:rPr lang="en-US" dirty="0"/>
-              <a:t>Class Tortoise: II</a:t>
-            </a:r>
-          </a:p>
-        </p:txBody>
-      </p:sp>
-      <p:sp>
-        <p:nvSpPr>
-          <p:cNvPr id="3" name="Content Placeholder 2"/>
-          <p:cNvSpPr>
-            <a:spLocks noGrp="1"/>
-          </p:cNvSpPr>
-          <p:nvPr>
-            <p:ph idx="1"/>
-          </p:nvPr>
-        </p:nvSpPr>
-        <p:spPr>
-          <a:xfrm>
-            <a:off x="457200" y="1219200"/>
-            <a:ext cx="8229600" cy="4906963"/>
-          </a:xfrm>
-        </p:spPr>
+        <p:spPr/>
         <p:txBody>
           <a:bodyPr>
-            <a:noAutofit/>
+            <a:normAutofit fontScale="90000"/>
           </a:bodyPr>
           <a:lstStyle/>
           <a:p>
-            <a:pPr marL="0" indent="0">
-              <a:buNone/>
-            </a:pPr>
-            <a:endParaRPr lang="en-US" sz="2000" dirty="0">
-              <a:solidFill>
-                <a:srgbClr val="00B050"/>
-              </a:solidFill>
-            </a:endParaRPr>
-          </a:p>
-          <a:p>
-            <a:pPr marL="0" indent="0">
-              <a:buNone/>
-            </a:pPr>
-            <a:r>
-              <a:rPr lang="en-US" sz="2800" dirty="0">
-                <a:solidFill>
-                  <a:srgbClr val="3366FF"/>
-                </a:solidFill>
-              </a:rPr>
-              <a:t>//TODO: non-default constructor with given move //pattern together with pattern size, and given //position, use give parameter to initialize //corresponding data members.</a:t>
-            </a:r>
-          </a:p>
-          <a:p>
-            <a:pPr marL="0" indent="0">
-              <a:buNone/>
-            </a:pPr>
-            <a:endParaRPr lang="en-US" sz="2000" dirty="0"/>
-          </a:p>
-          <a:p>
-            <a:pPr marL="0" indent="0">
-              <a:buNone/>
-            </a:pPr>
-            <a:r>
-              <a:rPr lang="en-US" sz="2000" dirty="0"/>
-              <a:t>     </a:t>
-            </a:r>
-            <a:endParaRPr lang="en-US" sz="1500" dirty="0"/>
+            <a:r>
+              <a:rPr lang="en-US" dirty="0"/>
+              <a:t>Tortoise class: Data members and operations: II</a:t>
+            </a:r>
+          </a:p>
+        </p:txBody>
+      </p:sp>
+      <p:sp>
+        <p:nvSpPr>
+          <p:cNvPr id="3" name="Content Placeholder 2">
+            <a:extLst>
+              <a:ext uri="{FF2B5EF4-FFF2-40B4-BE49-F238E27FC236}">
+                <a16:creationId xmlns:a16="http://schemas.microsoft.com/office/drawing/2014/main" id="{EA3EEC1A-7487-014B-AC50-06C5443DCDF4}"/>
+              </a:ext>
+            </a:extLst>
+          </p:cNvPr>
+          <p:cNvSpPr>
+            <a:spLocks noGrp="1"/>
+          </p:cNvSpPr>
+          <p:nvPr>
+            <p:ph idx="1"/>
+          </p:nvPr>
+        </p:nvSpPr>
+        <p:spPr/>
+        <p:txBody>
+          <a:bodyPr>
+            <a:normAutofit/>
+          </a:bodyPr>
+          <a:lstStyle/>
+          <a:p>
+            <a:r>
+              <a:rPr lang="en-US" dirty="0"/>
+              <a:t>Data members are attributes of tortoise, that is, what are common properties for a tortoise?</a:t>
+            </a:r>
+          </a:p>
+          <a:p>
+            <a:r>
+              <a:rPr lang="en-US" dirty="0"/>
+              <a:t>What type to represent current position of tortoise?</a:t>
+            </a:r>
+          </a:p>
+          <a:p>
+            <a:r>
+              <a:rPr lang="en-US" dirty="0"/>
+              <a:t>What type to represent move pattern of tortoise?</a:t>
+            </a:r>
+          </a:p>
+          <a:p>
+            <a:pPr marL="857250" lvl="1" indent="-457200"/>
+            <a:r>
+              <a:rPr lang="en-US" dirty="0"/>
+              <a:t>When using array, need initial address and length of the array.</a:t>
+            </a:r>
           </a:p>
         </p:txBody>
       </p:sp>
     </p:spTree>
     <p:extLst>
       <p:ext uri="{BB962C8B-B14F-4D97-AF65-F5344CB8AC3E}">
-        <p14:creationId xmlns:p14="http://schemas.microsoft.com/office/powerpoint/2010/main" val="3238074520"/>
+        <p14:creationId xmlns:p14="http://schemas.microsoft.com/office/powerpoint/2010/main" val="3950340508"/>
       </p:ext>
     </p:extLst>
   </p:cSld>
   <p:clrMapOvr>
     <a:masterClrMapping/>
   </p:clrMapOvr>
+  <p:timing>
+    <p:tnLst>
+      <p:par>
+        <p:cTn id="1" dur="indefinite" restart="never" nodeType="tmRoot">
+          <p:childTnLst>
+            <p:seq concurrent="1" nextAc="seek">
+              <p:cTn id="2" dur="indefinite" nodeType="mainSeq">
+                <p:childTnLst>
+                  <p:par>
+                    <p:cTn id="3" fill="hold">
+                      <p:stCondLst>
+                        <p:cond delay="indefinite"/>
+                      </p:stCondLst>
+                      <p:childTnLst>
+                        <p:par>
+                          <p:cTn id="4" fill="hold">
+                            <p:stCondLst>
+                              <p:cond delay="0"/>
+                            </p:stCondLst>
+                            <p:childTnLst>
+                              <p:par>
+                                <p:cTn id="5" presetID="1" presetClass="entr" presetSubtype="0" fill="hold" nodeType="clickEffect">
+                                  <p:stCondLst>
+                                    <p:cond delay="0"/>
+                                  </p:stCondLst>
+                                  <p:childTnLst>
+                                    <p:set>
+                                      <p:cBhvr>
+                                        <p:cTn id="6" dur="1" fill="hold">
+                                          <p:stCondLst>
+                                            <p:cond delay="0"/>
+                                          </p:stCondLst>
+                                        </p:cTn>
+                                        <p:tgtEl>
+                                          <p:spTgt spid="3">
+                                            <p:txEl>
+                                              <p:pRg st="3" end="3"/>
+                                            </p:txEl>
+                                          </p:spTgt>
+                                        </p:tgtEl>
+                                        <p:attrNameLst>
+                                          <p:attrName>style.visibility</p:attrName>
+                                        </p:attrNameLst>
+                                      </p:cBhvr>
+                                      <p:to>
+                                        <p:strVal val="visible"/>
+                                      </p:to>
+                                    </p:set>
+                                  </p:childTnLst>
+                                </p:cTn>
+                              </p:par>
+                            </p:childTnLst>
+                          </p:cTn>
+                        </p:par>
+                      </p:childTnLst>
+                    </p:cTn>
+                  </p:par>
+                </p:childTnLst>
+              </p:cTn>
+              <p:prevCondLst>
+                <p:cond evt="onPrev" delay="0">
+                  <p:tgtEl>
+                    <p:sldTgt/>
+                  </p:tgtEl>
+                </p:cond>
+              </p:prevCondLst>
+              <p:nextCondLst>
+                <p:cond evt="onNext" delay="0">
+                  <p:tgtEl>
+                    <p:sldTgt/>
+                  </p:tgtEl>
+                </p:cond>
+              </p:nextCondLst>
+            </p:seq>
+          </p:childTnLst>
+        </p:cTn>
+      </p:par>
+    </p:tnLst>
+  </p:timing>
 </p:sld>
 </file>
 

--- a/135/projects/project3/project3_HareTortoiseCompetition.pptx
+++ b/135/projects/project3/project3_HareTortoiseCompetition.pptx
@@ -329,7 +329,7 @@
           <a:p>
             <a:fld id="{4F09AFFE-0D94-4082-85FD-CD67B60CD492}" type="datetimeFigureOut">
               <a:rPr lang="en-US" smtClean="0"/>
-              <a:t>11/12/20</a:t>
+              <a:t>11/23/20</a:t>
             </a:fld>
             <a:endParaRPr lang="en-US"/>
           </a:p>
@@ -497,7 +497,7 @@
           <a:p>
             <a:fld id="{4F09AFFE-0D94-4082-85FD-CD67B60CD492}" type="datetimeFigureOut">
               <a:rPr lang="en-US" smtClean="0"/>
-              <a:t>11/12/20</a:t>
+              <a:t>11/23/20</a:t>
             </a:fld>
             <a:endParaRPr lang="en-US"/>
           </a:p>
@@ -675,7 +675,7 @@
           <a:p>
             <a:fld id="{4F09AFFE-0D94-4082-85FD-CD67B60CD492}" type="datetimeFigureOut">
               <a:rPr lang="en-US" smtClean="0"/>
-              <a:t>11/12/20</a:t>
+              <a:t>11/23/20</a:t>
             </a:fld>
             <a:endParaRPr lang="en-US"/>
           </a:p>
@@ -843,7 +843,7 @@
           <a:p>
             <a:fld id="{4F09AFFE-0D94-4082-85FD-CD67B60CD492}" type="datetimeFigureOut">
               <a:rPr lang="en-US" smtClean="0"/>
-              <a:t>11/12/20</a:t>
+              <a:t>11/23/20</a:t>
             </a:fld>
             <a:endParaRPr lang="en-US"/>
           </a:p>
@@ -1088,7 +1088,7 @@
           <a:p>
             <a:fld id="{4F09AFFE-0D94-4082-85FD-CD67B60CD492}" type="datetimeFigureOut">
               <a:rPr lang="en-US" smtClean="0"/>
-              <a:t>11/12/20</a:t>
+              <a:t>11/23/20</a:t>
             </a:fld>
             <a:endParaRPr lang="en-US"/>
           </a:p>
@@ -1373,7 +1373,7 @@
           <a:p>
             <a:fld id="{4F09AFFE-0D94-4082-85FD-CD67B60CD492}" type="datetimeFigureOut">
               <a:rPr lang="en-US" smtClean="0"/>
-              <a:t>11/12/20</a:t>
+              <a:t>11/23/20</a:t>
             </a:fld>
             <a:endParaRPr lang="en-US"/>
           </a:p>
@@ -1792,7 +1792,7 @@
           <a:p>
             <a:fld id="{4F09AFFE-0D94-4082-85FD-CD67B60CD492}" type="datetimeFigureOut">
               <a:rPr lang="en-US" smtClean="0"/>
-              <a:t>11/12/20</a:t>
+              <a:t>11/23/20</a:t>
             </a:fld>
             <a:endParaRPr lang="en-US"/>
           </a:p>
@@ -1909,7 +1909,7 @@
           <a:p>
             <a:fld id="{4F09AFFE-0D94-4082-85FD-CD67B60CD492}" type="datetimeFigureOut">
               <a:rPr lang="en-US" smtClean="0"/>
-              <a:t>11/12/20</a:t>
+              <a:t>11/23/20</a:t>
             </a:fld>
             <a:endParaRPr lang="en-US"/>
           </a:p>
@@ -2004,7 +2004,7 @@
           <a:p>
             <a:fld id="{4F09AFFE-0D94-4082-85FD-CD67B60CD492}" type="datetimeFigureOut">
               <a:rPr lang="en-US" smtClean="0"/>
-              <a:t>11/12/20</a:t>
+              <a:t>11/23/20</a:t>
             </a:fld>
             <a:endParaRPr lang="en-US"/>
           </a:p>
@@ -2279,7 +2279,7 @@
           <a:p>
             <a:fld id="{4F09AFFE-0D94-4082-85FD-CD67B60CD492}" type="datetimeFigureOut">
               <a:rPr lang="en-US" smtClean="0"/>
-              <a:t>11/12/20</a:t>
+              <a:t>11/23/20</a:t>
             </a:fld>
             <a:endParaRPr lang="en-US"/>
           </a:p>
@@ -2531,7 +2531,7 @@
           <a:p>
             <a:fld id="{4F09AFFE-0D94-4082-85FD-CD67B60CD492}" type="datetimeFigureOut">
               <a:rPr lang="en-US" smtClean="0"/>
-              <a:t>11/12/20</a:t>
+              <a:t>11/23/20</a:t>
             </a:fld>
             <a:endParaRPr lang="en-US"/>
           </a:p>
@@ -2742,7 +2742,7 @@
           <a:p>
             <a:fld id="{4F09AFFE-0D94-4082-85FD-CD67B60CD492}" type="datetimeFigureOut">
               <a:rPr lang="en-US" smtClean="0"/>
-              <a:t>11/12/20</a:t>
+              <a:t>11/23/20</a:t>
             </a:fld>
             <a:endParaRPr lang="en-US"/>
           </a:p>
@@ -5281,6 +5281,14 @@
             <a:pPr marL="0" indent="0">
               <a:buNone/>
             </a:pPr>
+            <a:r>
+              <a:rPr lang="en-US" sz="2800">
+                <a:solidFill>
+                  <a:srgbClr val="CC00FF"/>
+                </a:solidFill>
+              </a:rPr>
+              <a:t>const </a:t>
+            </a:r>
             <a:r>
               <a:rPr lang="en-US" sz="2800" dirty="0">
                 <a:solidFill>
